--- a/Documentação/pptx/Apresentação.pptx
+++ b/Documentação/pptx/Apresentação.pptx
@@ -220,7 +220,7 @@
           <a:p>
             <a:fld id="{22F25419-FD07-461A-A136-F2BEDC8E7DB2}" type="datetimeFigureOut">
               <a:rPr lang="pt-BR" smtClean="0"/>
-              <a:t>27/09/2018</a:t>
+              <a:t>28/09/2018</a:t>
             </a:fld>
             <a:endParaRPr lang="pt-BR"/>
           </a:p>
@@ -509,7 +509,7 @@
           <p:cNvPr id="2" name="Título 1">
             <a:extLst>
               <a:ext uri="{FF2B5EF4-FFF2-40B4-BE49-F238E27FC236}">
-                <a16:creationId xmlns:a16="http://schemas.microsoft.com/office/drawing/2014/main" id="{D19AA1CD-C201-49D3-8678-1A50EA6B8B54}"/>
+                <a16:creationId xmlns="" xmlns:a16="http://schemas.microsoft.com/office/drawing/2014/main" id="{D19AA1CD-C201-49D3-8678-1A50EA6B8B54}"/>
               </a:ext>
             </a:extLst>
           </p:cNvPr>
@@ -546,7 +546,7 @@
           <p:cNvPr id="3" name="Subtítulo 2">
             <a:extLst>
               <a:ext uri="{FF2B5EF4-FFF2-40B4-BE49-F238E27FC236}">
-                <a16:creationId xmlns:a16="http://schemas.microsoft.com/office/drawing/2014/main" id="{CB5F47A1-7EF0-459B-BC3F-565989014629}"/>
+                <a16:creationId xmlns="" xmlns:a16="http://schemas.microsoft.com/office/drawing/2014/main" id="{CB5F47A1-7EF0-459B-BC3F-565989014629}"/>
               </a:ext>
             </a:extLst>
           </p:cNvPr>
@@ -616,7 +616,7 @@
           <p:cNvPr id="4" name="Espaço Reservado para Data 3">
             <a:extLst>
               <a:ext uri="{FF2B5EF4-FFF2-40B4-BE49-F238E27FC236}">
-                <a16:creationId xmlns:a16="http://schemas.microsoft.com/office/drawing/2014/main" id="{C7583507-1960-4B99-B073-D9175AC5E27D}"/>
+                <a16:creationId xmlns="" xmlns:a16="http://schemas.microsoft.com/office/drawing/2014/main" id="{C7583507-1960-4B99-B073-D9175AC5E27D}"/>
               </a:ext>
             </a:extLst>
           </p:cNvPr>
@@ -634,7 +634,7 @@
           <a:p>
             <a:fld id="{AC8D3769-05E3-4F8B-A913-731DA401BF75}" type="datetimeFigureOut">
               <a:rPr lang="pt-BR" smtClean="0"/>
-              <a:t>27/09/2018</a:t>
+              <a:t>28/09/2018</a:t>
             </a:fld>
             <a:endParaRPr lang="pt-BR"/>
           </a:p>
@@ -645,7 +645,7 @@
           <p:cNvPr id="5" name="Espaço Reservado para Rodapé 4">
             <a:extLst>
               <a:ext uri="{FF2B5EF4-FFF2-40B4-BE49-F238E27FC236}">
-                <a16:creationId xmlns:a16="http://schemas.microsoft.com/office/drawing/2014/main" id="{0B56320F-A8B3-445A-896B-E85A5DB345B5}"/>
+                <a16:creationId xmlns="" xmlns:a16="http://schemas.microsoft.com/office/drawing/2014/main" id="{0B56320F-A8B3-445A-896B-E85A5DB345B5}"/>
               </a:ext>
             </a:extLst>
           </p:cNvPr>
@@ -670,7 +670,7 @@
           <p:cNvPr id="6" name="Espaço Reservado para Número de Slide 5">
             <a:extLst>
               <a:ext uri="{FF2B5EF4-FFF2-40B4-BE49-F238E27FC236}">
-                <a16:creationId xmlns:a16="http://schemas.microsoft.com/office/drawing/2014/main" id="{6F7D06A1-DC0A-4098-8490-FBEA95103B6F}"/>
+                <a16:creationId xmlns="" xmlns:a16="http://schemas.microsoft.com/office/drawing/2014/main" id="{6F7D06A1-DC0A-4098-8490-FBEA95103B6F}"/>
               </a:ext>
             </a:extLst>
           </p:cNvPr>
@@ -729,7 +729,7 @@
           <p:cNvPr id="2" name="Título 1">
             <a:extLst>
               <a:ext uri="{FF2B5EF4-FFF2-40B4-BE49-F238E27FC236}">
-                <a16:creationId xmlns:a16="http://schemas.microsoft.com/office/drawing/2014/main" id="{DB303C9F-B090-4F80-9CD2-E87F62019B0A}"/>
+                <a16:creationId xmlns="" xmlns:a16="http://schemas.microsoft.com/office/drawing/2014/main" id="{DB303C9F-B090-4F80-9CD2-E87F62019B0A}"/>
               </a:ext>
             </a:extLst>
           </p:cNvPr>
@@ -757,7 +757,7 @@
           <p:cNvPr id="3" name="Espaço Reservado para Texto Vertical 2">
             <a:extLst>
               <a:ext uri="{FF2B5EF4-FFF2-40B4-BE49-F238E27FC236}">
-                <a16:creationId xmlns:a16="http://schemas.microsoft.com/office/drawing/2014/main" id="{2DA3D051-8F3D-4127-B0CC-7D96C38AECAB}"/>
+                <a16:creationId xmlns="" xmlns:a16="http://schemas.microsoft.com/office/drawing/2014/main" id="{2DA3D051-8F3D-4127-B0CC-7D96C38AECAB}"/>
               </a:ext>
             </a:extLst>
           </p:cNvPr>
@@ -814,7 +814,7 @@
           <p:cNvPr id="4" name="Espaço Reservado para Data 3">
             <a:extLst>
               <a:ext uri="{FF2B5EF4-FFF2-40B4-BE49-F238E27FC236}">
-                <a16:creationId xmlns:a16="http://schemas.microsoft.com/office/drawing/2014/main" id="{47C238BD-3076-4593-8FB4-E58B536EDCB0}"/>
+                <a16:creationId xmlns="" xmlns:a16="http://schemas.microsoft.com/office/drawing/2014/main" id="{47C238BD-3076-4593-8FB4-E58B536EDCB0}"/>
               </a:ext>
             </a:extLst>
           </p:cNvPr>
@@ -832,7 +832,7 @@
           <a:p>
             <a:fld id="{AC8D3769-05E3-4F8B-A913-731DA401BF75}" type="datetimeFigureOut">
               <a:rPr lang="pt-BR" smtClean="0"/>
-              <a:t>27/09/2018</a:t>
+              <a:t>28/09/2018</a:t>
             </a:fld>
             <a:endParaRPr lang="pt-BR"/>
           </a:p>
@@ -843,7 +843,7 @@
           <p:cNvPr id="5" name="Espaço Reservado para Rodapé 4">
             <a:extLst>
               <a:ext uri="{FF2B5EF4-FFF2-40B4-BE49-F238E27FC236}">
-                <a16:creationId xmlns:a16="http://schemas.microsoft.com/office/drawing/2014/main" id="{72F8D65F-F3CA-466A-A768-6BCCD33CA9F3}"/>
+                <a16:creationId xmlns="" xmlns:a16="http://schemas.microsoft.com/office/drawing/2014/main" id="{72F8D65F-F3CA-466A-A768-6BCCD33CA9F3}"/>
               </a:ext>
             </a:extLst>
           </p:cNvPr>
@@ -868,7 +868,7 @@
           <p:cNvPr id="6" name="Espaço Reservado para Número de Slide 5">
             <a:extLst>
               <a:ext uri="{FF2B5EF4-FFF2-40B4-BE49-F238E27FC236}">
-                <a16:creationId xmlns:a16="http://schemas.microsoft.com/office/drawing/2014/main" id="{F23BA5A1-5768-4BDB-9118-D375B4F7BD75}"/>
+                <a16:creationId xmlns="" xmlns:a16="http://schemas.microsoft.com/office/drawing/2014/main" id="{F23BA5A1-5768-4BDB-9118-D375B4F7BD75}"/>
               </a:ext>
             </a:extLst>
           </p:cNvPr>
@@ -927,7 +927,7 @@
           <p:cNvPr id="2" name="Título Vertical 1">
             <a:extLst>
               <a:ext uri="{FF2B5EF4-FFF2-40B4-BE49-F238E27FC236}">
-                <a16:creationId xmlns:a16="http://schemas.microsoft.com/office/drawing/2014/main" id="{4C09EC93-629E-417A-A654-D161F6F2671B}"/>
+                <a16:creationId xmlns="" xmlns:a16="http://schemas.microsoft.com/office/drawing/2014/main" id="{4C09EC93-629E-417A-A654-D161F6F2671B}"/>
               </a:ext>
             </a:extLst>
           </p:cNvPr>
@@ -960,7 +960,7 @@
           <p:cNvPr id="3" name="Espaço Reservado para Texto Vertical 2">
             <a:extLst>
               <a:ext uri="{FF2B5EF4-FFF2-40B4-BE49-F238E27FC236}">
-                <a16:creationId xmlns:a16="http://schemas.microsoft.com/office/drawing/2014/main" id="{51A193EA-4C49-4D23-9FE2-B4C3304482F1}"/>
+                <a16:creationId xmlns="" xmlns:a16="http://schemas.microsoft.com/office/drawing/2014/main" id="{51A193EA-4C49-4D23-9FE2-B4C3304482F1}"/>
               </a:ext>
             </a:extLst>
           </p:cNvPr>
@@ -1022,7 +1022,7 @@
           <p:cNvPr id="4" name="Espaço Reservado para Data 3">
             <a:extLst>
               <a:ext uri="{FF2B5EF4-FFF2-40B4-BE49-F238E27FC236}">
-                <a16:creationId xmlns:a16="http://schemas.microsoft.com/office/drawing/2014/main" id="{CB088F95-803A-4BB1-9549-E7C4B73FC5C8}"/>
+                <a16:creationId xmlns="" xmlns:a16="http://schemas.microsoft.com/office/drawing/2014/main" id="{CB088F95-803A-4BB1-9549-E7C4B73FC5C8}"/>
               </a:ext>
             </a:extLst>
           </p:cNvPr>
@@ -1040,7 +1040,7 @@
           <a:p>
             <a:fld id="{AC8D3769-05E3-4F8B-A913-731DA401BF75}" type="datetimeFigureOut">
               <a:rPr lang="pt-BR" smtClean="0"/>
-              <a:t>27/09/2018</a:t>
+              <a:t>28/09/2018</a:t>
             </a:fld>
             <a:endParaRPr lang="pt-BR"/>
           </a:p>
@@ -1051,7 +1051,7 @@
           <p:cNvPr id="5" name="Espaço Reservado para Rodapé 4">
             <a:extLst>
               <a:ext uri="{FF2B5EF4-FFF2-40B4-BE49-F238E27FC236}">
-                <a16:creationId xmlns:a16="http://schemas.microsoft.com/office/drawing/2014/main" id="{35DA3CB0-F7BB-4A06-9A16-B1018F26E1AC}"/>
+                <a16:creationId xmlns="" xmlns:a16="http://schemas.microsoft.com/office/drawing/2014/main" id="{35DA3CB0-F7BB-4A06-9A16-B1018F26E1AC}"/>
               </a:ext>
             </a:extLst>
           </p:cNvPr>
@@ -1076,7 +1076,7 @@
           <p:cNvPr id="6" name="Espaço Reservado para Número de Slide 5">
             <a:extLst>
               <a:ext uri="{FF2B5EF4-FFF2-40B4-BE49-F238E27FC236}">
-                <a16:creationId xmlns:a16="http://schemas.microsoft.com/office/drawing/2014/main" id="{0BCAEA74-5235-407C-9968-6ADD90C5E769}"/>
+                <a16:creationId xmlns="" xmlns:a16="http://schemas.microsoft.com/office/drawing/2014/main" id="{0BCAEA74-5235-407C-9968-6ADD90C5E769}"/>
               </a:ext>
             </a:extLst>
           </p:cNvPr>
@@ -1135,7 +1135,7 @@
           <p:cNvPr id="2" name="Título 1">
             <a:extLst>
               <a:ext uri="{FF2B5EF4-FFF2-40B4-BE49-F238E27FC236}">
-                <a16:creationId xmlns:a16="http://schemas.microsoft.com/office/drawing/2014/main" id="{00FCFDF8-6F9B-44F1-AD0B-EFD24787987A}"/>
+                <a16:creationId xmlns="" xmlns:a16="http://schemas.microsoft.com/office/drawing/2014/main" id="{00FCFDF8-6F9B-44F1-AD0B-EFD24787987A}"/>
               </a:ext>
             </a:extLst>
           </p:cNvPr>
@@ -1163,7 +1163,7 @@
           <p:cNvPr id="3" name="Espaço Reservado para Conteúdo 2">
             <a:extLst>
               <a:ext uri="{FF2B5EF4-FFF2-40B4-BE49-F238E27FC236}">
-                <a16:creationId xmlns:a16="http://schemas.microsoft.com/office/drawing/2014/main" id="{D6843EA6-A766-4706-A8AA-03712EFA8416}"/>
+                <a16:creationId xmlns="" xmlns:a16="http://schemas.microsoft.com/office/drawing/2014/main" id="{D6843EA6-A766-4706-A8AA-03712EFA8416}"/>
               </a:ext>
             </a:extLst>
           </p:cNvPr>
@@ -1220,7 +1220,7 @@
           <p:cNvPr id="4" name="Espaço Reservado para Data 3">
             <a:extLst>
               <a:ext uri="{FF2B5EF4-FFF2-40B4-BE49-F238E27FC236}">
-                <a16:creationId xmlns:a16="http://schemas.microsoft.com/office/drawing/2014/main" id="{D1C0D0F0-2F65-4964-8E6D-2C6807EC1842}"/>
+                <a16:creationId xmlns="" xmlns:a16="http://schemas.microsoft.com/office/drawing/2014/main" id="{D1C0D0F0-2F65-4964-8E6D-2C6807EC1842}"/>
               </a:ext>
             </a:extLst>
           </p:cNvPr>
@@ -1238,7 +1238,7 @@
           <a:p>
             <a:fld id="{AC8D3769-05E3-4F8B-A913-731DA401BF75}" type="datetimeFigureOut">
               <a:rPr lang="pt-BR" smtClean="0"/>
-              <a:t>27/09/2018</a:t>
+              <a:t>28/09/2018</a:t>
             </a:fld>
             <a:endParaRPr lang="pt-BR"/>
           </a:p>
@@ -1249,7 +1249,7 @@
           <p:cNvPr id="5" name="Espaço Reservado para Rodapé 4">
             <a:extLst>
               <a:ext uri="{FF2B5EF4-FFF2-40B4-BE49-F238E27FC236}">
-                <a16:creationId xmlns:a16="http://schemas.microsoft.com/office/drawing/2014/main" id="{4F9DE278-D7E4-4D80-8F21-F9FE0D76E77B}"/>
+                <a16:creationId xmlns="" xmlns:a16="http://schemas.microsoft.com/office/drawing/2014/main" id="{4F9DE278-D7E4-4D80-8F21-F9FE0D76E77B}"/>
               </a:ext>
             </a:extLst>
           </p:cNvPr>
@@ -1274,7 +1274,7 @@
           <p:cNvPr id="6" name="Espaço Reservado para Número de Slide 5">
             <a:extLst>
               <a:ext uri="{FF2B5EF4-FFF2-40B4-BE49-F238E27FC236}">
-                <a16:creationId xmlns:a16="http://schemas.microsoft.com/office/drawing/2014/main" id="{7306F333-16E3-473F-A9AE-F682EFC42D22}"/>
+                <a16:creationId xmlns="" xmlns:a16="http://schemas.microsoft.com/office/drawing/2014/main" id="{7306F333-16E3-473F-A9AE-F682EFC42D22}"/>
               </a:ext>
             </a:extLst>
           </p:cNvPr>
@@ -1333,7 +1333,7 @@
           <p:cNvPr id="2" name="Título 1">
             <a:extLst>
               <a:ext uri="{FF2B5EF4-FFF2-40B4-BE49-F238E27FC236}">
-                <a16:creationId xmlns:a16="http://schemas.microsoft.com/office/drawing/2014/main" id="{74B129B0-778D-4269-8AE5-2B440E3591B3}"/>
+                <a16:creationId xmlns="" xmlns:a16="http://schemas.microsoft.com/office/drawing/2014/main" id="{74B129B0-778D-4269-8AE5-2B440E3591B3}"/>
               </a:ext>
             </a:extLst>
           </p:cNvPr>
@@ -1370,7 +1370,7 @@
           <p:cNvPr id="3" name="Espaço Reservado para Texto 2">
             <a:extLst>
               <a:ext uri="{FF2B5EF4-FFF2-40B4-BE49-F238E27FC236}">
-                <a16:creationId xmlns:a16="http://schemas.microsoft.com/office/drawing/2014/main" id="{D8DB946C-D7C5-4D1D-9A30-9A7CD072D8C7}"/>
+                <a16:creationId xmlns="" xmlns:a16="http://schemas.microsoft.com/office/drawing/2014/main" id="{D8DB946C-D7C5-4D1D-9A30-9A7CD072D8C7}"/>
               </a:ext>
             </a:extLst>
           </p:cNvPr>
@@ -1495,7 +1495,7 @@
           <p:cNvPr id="4" name="Espaço Reservado para Data 3">
             <a:extLst>
               <a:ext uri="{FF2B5EF4-FFF2-40B4-BE49-F238E27FC236}">
-                <a16:creationId xmlns:a16="http://schemas.microsoft.com/office/drawing/2014/main" id="{88BFEBDF-DDC4-4758-A469-2D664B93325A}"/>
+                <a16:creationId xmlns="" xmlns:a16="http://schemas.microsoft.com/office/drawing/2014/main" id="{88BFEBDF-DDC4-4758-A469-2D664B93325A}"/>
               </a:ext>
             </a:extLst>
           </p:cNvPr>
@@ -1513,7 +1513,7 @@
           <a:p>
             <a:fld id="{AC8D3769-05E3-4F8B-A913-731DA401BF75}" type="datetimeFigureOut">
               <a:rPr lang="pt-BR" smtClean="0"/>
-              <a:t>27/09/2018</a:t>
+              <a:t>28/09/2018</a:t>
             </a:fld>
             <a:endParaRPr lang="pt-BR"/>
           </a:p>
@@ -1524,7 +1524,7 @@
           <p:cNvPr id="5" name="Espaço Reservado para Rodapé 4">
             <a:extLst>
               <a:ext uri="{FF2B5EF4-FFF2-40B4-BE49-F238E27FC236}">
-                <a16:creationId xmlns:a16="http://schemas.microsoft.com/office/drawing/2014/main" id="{20598FDC-9500-4220-9ED0-4B89A3517633}"/>
+                <a16:creationId xmlns="" xmlns:a16="http://schemas.microsoft.com/office/drawing/2014/main" id="{20598FDC-9500-4220-9ED0-4B89A3517633}"/>
               </a:ext>
             </a:extLst>
           </p:cNvPr>
@@ -1549,7 +1549,7 @@
           <p:cNvPr id="6" name="Espaço Reservado para Número de Slide 5">
             <a:extLst>
               <a:ext uri="{FF2B5EF4-FFF2-40B4-BE49-F238E27FC236}">
-                <a16:creationId xmlns:a16="http://schemas.microsoft.com/office/drawing/2014/main" id="{C25A5B60-D4E4-41EF-90E5-59629D691413}"/>
+                <a16:creationId xmlns="" xmlns:a16="http://schemas.microsoft.com/office/drawing/2014/main" id="{C25A5B60-D4E4-41EF-90E5-59629D691413}"/>
               </a:ext>
             </a:extLst>
           </p:cNvPr>
@@ -1608,7 +1608,7 @@
           <p:cNvPr id="2" name="Título 1">
             <a:extLst>
               <a:ext uri="{FF2B5EF4-FFF2-40B4-BE49-F238E27FC236}">
-                <a16:creationId xmlns:a16="http://schemas.microsoft.com/office/drawing/2014/main" id="{C35BD034-430A-4C7D-9279-706FA8ABB63D}"/>
+                <a16:creationId xmlns="" xmlns:a16="http://schemas.microsoft.com/office/drawing/2014/main" id="{C35BD034-430A-4C7D-9279-706FA8ABB63D}"/>
               </a:ext>
             </a:extLst>
           </p:cNvPr>
@@ -1636,7 +1636,7 @@
           <p:cNvPr id="3" name="Espaço Reservado para Conteúdo 2">
             <a:extLst>
               <a:ext uri="{FF2B5EF4-FFF2-40B4-BE49-F238E27FC236}">
-                <a16:creationId xmlns:a16="http://schemas.microsoft.com/office/drawing/2014/main" id="{5F4372BC-7EDF-461E-B1C2-C2E308F01B08}"/>
+                <a16:creationId xmlns="" xmlns:a16="http://schemas.microsoft.com/office/drawing/2014/main" id="{5F4372BC-7EDF-461E-B1C2-C2E308F01B08}"/>
               </a:ext>
             </a:extLst>
           </p:cNvPr>
@@ -1698,7 +1698,7 @@
           <p:cNvPr id="4" name="Espaço Reservado para Conteúdo 3">
             <a:extLst>
               <a:ext uri="{FF2B5EF4-FFF2-40B4-BE49-F238E27FC236}">
-                <a16:creationId xmlns:a16="http://schemas.microsoft.com/office/drawing/2014/main" id="{3266603F-3D36-4D4E-8051-10D705F6CBB0}"/>
+                <a16:creationId xmlns="" xmlns:a16="http://schemas.microsoft.com/office/drawing/2014/main" id="{3266603F-3D36-4D4E-8051-10D705F6CBB0}"/>
               </a:ext>
             </a:extLst>
           </p:cNvPr>
@@ -1760,7 +1760,7 @@
           <p:cNvPr id="5" name="Espaço Reservado para Data 4">
             <a:extLst>
               <a:ext uri="{FF2B5EF4-FFF2-40B4-BE49-F238E27FC236}">
-                <a16:creationId xmlns:a16="http://schemas.microsoft.com/office/drawing/2014/main" id="{999F8A93-C33C-4DA9-9EF3-55A4232F4F98}"/>
+                <a16:creationId xmlns="" xmlns:a16="http://schemas.microsoft.com/office/drawing/2014/main" id="{999F8A93-C33C-4DA9-9EF3-55A4232F4F98}"/>
               </a:ext>
             </a:extLst>
           </p:cNvPr>
@@ -1778,7 +1778,7 @@
           <a:p>
             <a:fld id="{AC8D3769-05E3-4F8B-A913-731DA401BF75}" type="datetimeFigureOut">
               <a:rPr lang="pt-BR" smtClean="0"/>
-              <a:t>27/09/2018</a:t>
+              <a:t>28/09/2018</a:t>
             </a:fld>
             <a:endParaRPr lang="pt-BR"/>
           </a:p>
@@ -1789,7 +1789,7 @@
           <p:cNvPr id="6" name="Espaço Reservado para Rodapé 5">
             <a:extLst>
               <a:ext uri="{FF2B5EF4-FFF2-40B4-BE49-F238E27FC236}">
-                <a16:creationId xmlns:a16="http://schemas.microsoft.com/office/drawing/2014/main" id="{BA410C15-8AC0-48EB-AA25-0493B59A1657}"/>
+                <a16:creationId xmlns="" xmlns:a16="http://schemas.microsoft.com/office/drawing/2014/main" id="{BA410C15-8AC0-48EB-AA25-0493B59A1657}"/>
               </a:ext>
             </a:extLst>
           </p:cNvPr>
@@ -1814,7 +1814,7 @@
           <p:cNvPr id="7" name="Espaço Reservado para Número de Slide 6">
             <a:extLst>
               <a:ext uri="{FF2B5EF4-FFF2-40B4-BE49-F238E27FC236}">
-                <a16:creationId xmlns:a16="http://schemas.microsoft.com/office/drawing/2014/main" id="{7893553B-734F-4DE5-99D9-25DBC9458D6B}"/>
+                <a16:creationId xmlns="" xmlns:a16="http://schemas.microsoft.com/office/drawing/2014/main" id="{7893553B-734F-4DE5-99D9-25DBC9458D6B}"/>
               </a:ext>
             </a:extLst>
           </p:cNvPr>
@@ -1873,7 +1873,7 @@
           <p:cNvPr id="2" name="Título 1">
             <a:extLst>
               <a:ext uri="{FF2B5EF4-FFF2-40B4-BE49-F238E27FC236}">
-                <a16:creationId xmlns:a16="http://schemas.microsoft.com/office/drawing/2014/main" id="{361BED62-CEE7-4EFE-9569-1CCB8C9903FC}"/>
+                <a16:creationId xmlns="" xmlns:a16="http://schemas.microsoft.com/office/drawing/2014/main" id="{361BED62-CEE7-4EFE-9569-1CCB8C9903FC}"/>
               </a:ext>
             </a:extLst>
           </p:cNvPr>
@@ -1906,7 +1906,7 @@
           <p:cNvPr id="3" name="Espaço Reservado para Texto 2">
             <a:extLst>
               <a:ext uri="{FF2B5EF4-FFF2-40B4-BE49-F238E27FC236}">
-                <a16:creationId xmlns:a16="http://schemas.microsoft.com/office/drawing/2014/main" id="{C634984B-DD41-4214-A405-BD68DDE199FD}"/>
+                <a16:creationId xmlns="" xmlns:a16="http://schemas.microsoft.com/office/drawing/2014/main" id="{C634984B-DD41-4214-A405-BD68DDE199FD}"/>
               </a:ext>
             </a:extLst>
           </p:cNvPr>
@@ -1977,7 +1977,7 @@
           <p:cNvPr id="4" name="Espaço Reservado para Conteúdo 3">
             <a:extLst>
               <a:ext uri="{FF2B5EF4-FFF2-40B4-BE49-F238E27FC236}">
-                <a16:creationId xmlns:a16="http://schemas.microsoft.com/office/drawing/2014/main" id="{414D2028-A6A2-4919-81F4-15CBE77C6F54}"/>
+                <a16:creationId xmlns="" xmlns:a16="http://schemas.microsoft.com/office/drawing/2014/main" id="{414D2028-A6A2-4919-81F4-15CBE77C6F54}"/>
               </a:ext>
             </a:extLst>
           </p:cNvPr>
@@ -2039,7 +2039,7 @@
           <p:cNvPr id="5" name="Espaço Reservado para Texto 4">
             <a:extLst>
               <a:ext uri="{FF2B5EF4-FFF2-40B4-BE49-F238E27FC236}">
-                <a16:creationId xmlns:a16="http://schemas.microsoft.com/office/drawing/2014/main" id="{42C0A3FC-08C3-4F24-9D10-78EAEDB8EDA0}"/>
+                <a16:creationId xmlns="" xmlns:a16="http://schemas.microsoft.com/office/drawing/2014/main" id="{42C0A3FC-08C3-4F24-9D10-78EAEDB8EDA0}"/>
               </a:ext>
             </a:extLst>
           </p:cNvPr>
@@ -2110,7 +2110,7 @@
           <p:cNvPr id="6" name="Espaço Reservado para Conteúdo 5">
             <a:extLst>
               <a:ext uri="{FF2B5EF4-FFF2-40B4-BE49-F238E27FC236}">
-                <a16:creationId xmlns:a16="http://schemas.microsoft.com/office/drawing/2014/main" id="{EC9168C8-943E-4596-99F9-A41E2FC22AB3}"/>
+                <a16:creationId xmlns="" xmlns:a16="http://schemas.microsoft.com/office/drawing/2014/main" id="{EC9168C8-943E-4596-99F9-A41E2FC22AB3}"/>
               </a:ext>
             </a:extLst>
           </p:cNvPr>
@@ -2172,7 +2172,7 @@
           <p:cNvPr id="7" name="Espaço Reservado para Data 6">
             <a:extLst>
               <a:ext uri="{FF2B5EF4-FFF2-40B4-BE49-F238E27FC236}">
-                <a16:creationId xmlns:a16="http://schemas.microsoft.com/office/drawing/2014/main" id="{23D5F3B2-BF8E-435E-9855-AAD159A3A89C}"/>
+                <a16:creationId xmlns="" xmlns:a16="http://schemas.microsoft.com/office/drawing/2014/main" id="{23D5F3B2-BF8E-435E-9855-AAD159A3A89C}"/>
               </a:ext>
             </a:extLst>
           </p:cNvPr>
@@ -2190,7 +2190,7 @@
           <a:p>
             <a:fld id="{AC8D3769-05E3-4F8B-A913-731DA401BF75}" type="datetimeFigureOut">
               <a:rPr lang="pt-BR" smtClean="0"/>
-              <a:t>27/09/2018</a:t>
+              <a:t>28/09/2018</a:t>
             </a:fld>
             <a:endParaRPr lang="pt-BR"/>
           </a:p>
@@ -2201,7 +2201,7 @@
           <p:cNvPr id="8" name="Espaço Reservado para Rodapé 7">
             <a:extLst>
               <a:ext uri="{FF2B5EF4-FFF2-40B4-BE49-F238E27FC236}">
-                <a16:creationId xmlns:a16="http://schemas.microsoft.com/office/drawing/2014/main" id="{089ECD60-6E15-4469-94A2-0F6E990787A9}"/>
+                <a16:creationId xmlns="" xmlns:a16="http://schemas.microsoft.com/office/drawing/2014/main" id="{089ECD60-6E15-4469-94A2-0F6E990787A9}"/>
               </a:ext>
             </a:extLst>
           </p:cNvPr>
@@ -2226,7 +2226,7 @@
           <p:cNvPr id="9" name="Espaço Reservado para Número de Slide 8">
             <a:extLst>
               <a:ext uri="{FF2B5EF4-FFF2-40B4-BE49-F238E27FC236}">
-                <a16:creationId xmlns:a16="http://schemas.microsoft.com/office/drawing/2014/main" id="{536B2881-7CB2-4AFB-A3D2-E98E82C0401C}"/>
+                <a16:creationId xmlns="" xmlns:a16="http://schemas.microsoft.com/office/drawing/2014/main" id="{536B2881-7CB2-4AFB-A3D2-E98E82C0401C}"/>
               </a:ext>
             </a:extLst>
           </p:cNvPr>
@@ -2285,7 +2285,7 @@
           <p:cNvPr id="2" name="Título 1">
             <a:extLst>
               <a:ext uri="{FF2B5EF4-FFF2-40B4-BE49-F238E27FC236}">
-                <a16:creationId xmlns:a16="http://schemas.microsoft.com/office/drawing/2014/main" id="{8A17ED89-ACA2-456C-850E-89A8308F9CAA}"/>
+                <a16:creationId xmlns="" xmlns:a16="http://schemas.microsoft.com/office/drawing/2014/main" id="{8A17ED89-ACA2-456C-850E-89A8308F9CAA}"/>
               </a:ext>
             </a:extLst>
           </p:cNvPr>
@@ -2313,7 +2313,7 @@
           <p:cNvPr id="3" name="Espaço Reservado para Data 2">
             <a:extLst>
               <a:ext uri="{FF2B5EF4-FFF2-40B4-BE49-F238E27FC236}">
-                <a16:creationId xmlns:a16="http://schemas.microsoft.com/office/drawing/2014/main" id="{23213BD9-BA5F-4012-8637-795A76B4039A}"/>
+                <a16:creationId xmlns="" xmlns:a16="http://schemas.microsoft.com/office/drawing/2014/main" id="{23213BD9-BA5F-4012-8637-795A76B4039A}"/>
               </a:ext>
             </a:extLst>
           </p:cNvPr>
@@ -2331,7 +2331,7 @@
           <a:p>
             <a:fld id="{AC8D3769-05E3-4F8B-A913-731DA401BF75}" type="datetimeFigureOut">
               <a:rPr lang="pt-BR" smtClean="0"/>
-              <a:t>27/09/2018</a:t>
+              <a:t>28/09/2018</a:t>
             </a:fld>
             <a:endParaRPr lang="pt-BR"/>
           </a:p>
@@ -2342,7 +2342,7 @@
           <p:cNvPr id="4" name="Espaço Reservado para Rodapé 3">
             <a:extLst>
               <a:ext uri="{FF2B5EF4-FFF2-40B4-BE49-F238E27FC236}">
-                <a16:creationId xmlns:a16="http://schemas.microsoft.com/office/drawing/2014/main" id="{7DB47997-3631-4ABD-A96C-A53256271147}"/>
+                <a16:creationId xmlns="" xmlns:a16="http://schemas.microsoft.com/office/drawing/2014/main" id="{7DB47997-3631-4ABD-A96C-A53256271147}"/>
               </a:ext>
             </a:extLst>
           </p:cNvPr>
@@ -2367,7 +2367,7 @@
           <p:cNvPr id="5" name="Espaço Reservado para Número de Slide 4">
             <a:extLst>
               <a:ext uri="{FF2B5EF4-FFF2-40B4-BE49-F238E27FC236}">
-                <a16:creationId xmlns:a16="http://schemas.microsoft.com/office/drawing/2014/main" id="{136E0F4B-06BB-419C-AC24-1BCE6F995459}"/>
+                <a16:creationId xmlns="" xmlns:a16="http://schemas.microsoft.com/office/drawing/2014/main" id="{136E0F4B-06BB-419C-AC24-1BCE6F995459}"/>
               </a:ext>
             </a:extLst>
           </p:cNvPr>
@@ -2426,7 +2426,7 @@
           <p:cNvPr id="2" name="Espaço Reservado para Data 1">
             <a:extLst>
               <a:ext uri="{FF2B5EF4-FFF2-40B4-BE49-F238E27FC236}">
-                <a16:creationId xmlns:a16="http://schemas.microsoft.com/office/drawing/2014/main" id="{997976DE-C853-4798-8F3C-35E7847B18AC}"/>
+                <a16:creationId xmlns="" xmlns:a16="http://schemas.microsoft.com/office/drawing/2014/main" id="{997976DE-C853-4798-8F3C-35E7847B18AC}"/>
               </a:ext>
             </a:extLst>
           </p:cNvPr>
@@ -2444,7 +2444,7 @@
           <a:p>
             <a:fld id="{AC8D3769-05E3-4F8B-A913-731DA401BF75}" type="datetimeFigureOut">
               <a:rPr lang="pt-BR" smtClean="0"/>
-              <a:t>27/09/2018</a:t>
+              <a:t>28/09/2018</a:t>
             </a:fld>
             <a:endParaRPr lang="pt-BR"/>
           </a:p>
@@ -2455,7 +2455,7 @@
           <p:cNvPr id="3" name="Espaço Reservado para Rodapé 2">
             <a:extLst>
               <a:ext uri="{FF2B5EF4-FFF2-40B4-BE49-F238E27FC236}">
-                <a16:creationId xmlns:a16="http://schemas.microsoft.com/office/drawing/2014/main" id="{6D85EB28-7B6E-48BB-BEA9-B0F9C7897CC6}"/>
+                <a16:creationId xmlns="" xmlns:a16="http://schemas.microsoft.com/office/drawing/2014/main" id="{6D85EB28-7B6E-48BB-BEA9-B0F9C7897CC6}"/>
               </a:ext>
             </a:extLst>
           </p:cNvPr>
@@ -2480,7 +2480,7 @@
           <p:cNvPr id="4" name="Espaço Reservado para Número de Slide 3">
             <a:extLst>
               <a:ext uri="{FF2B5EF4-FFF2-40B4-BE49-F238E27FC236}">
-                <a16:creationId xmlns:a16="http://schemas.microsoft.com/office/drawing/2014/main" id="{09152A8C-4719-4F23-9868-756BEFAF9965}"/>
+                <a16:creationId xmlns="" xmlns:a16="http://schemas.microsoft.com/office/drawing/2014/main" id="{09152A8C-4719-4F23-9868-756BEFAF9965}"/>
               </a:ext>
             </a:extLst>
           </p:cNvPr>
@@ -2539,7 +2539,7 @@
           <p:cNvPr id="2" name="Título 1">
             <a:extLst>
               <a:ext uri="{FF2B5EF4-FFF2-40B4-BE49-F238E27FC236}">
-                <a16:creationId xmlns:a16="http://schemas.microsoft.com/office/drawing/2014/main" id="{F46C395B-0766-4102-9801-9EE3C6810BB5}"/>
+                <a16:creationId xmlns="" xmlns:a16="http://schemas.microsoft.com/office/drawing/2014/main" id="{F46C395B-0766-4102-9801-9EE3C6810BB5}"/>
               </a:ext>
             </a:extLst>
           </p:cNvPr>
@@ -2576,7 +2576,7 @@
           <p:cNvPr id="3" name="Espaço Reservado para Conteúdo 2">
             <a:extLst>
               <a:ext uri="{FF2B5EF4-FFF2-40B4-BE49-F238E27FC236}">
-                <a16:creationId xmlns:a16="http://schemas.microsoft.com/office/drawing/2014/main" id="{DDEE4CEF-E36E-49E4-BFC8-0807405A8F0D}"/>
+                <a16:creationId xmlns="" xmlns:a16="http://schemas.microsoft.com/office/drawing/2014/main" id="{DDEE4CEF-E36E-49E4-BFC8-0807405A8F0D}"/>
               </a:ext>
             </a:extLst>
           </p:cNvPr>
@@ -2666,7 +2666,7 @@
           <p:cNvPr id="4" name="Espaço Reservado para Texto 3">
             <a:extLst>
               <a:ext uri="{FF2B5EF4-FFF2-40B4-BE49-F238E27FC236}">
-                <a16:creationId xmlns:a16="http://schemas.microsoft.com/office/drawing/2014/main" id="{2A7B7703-2E72-4170-A194-63E639033F8D}"/>
+                <a16:creationId xmlns="" xmlns:a16="http://schemas.microsoft.com/office/drawing/2014/main" id="{2A7B7703-2E72-4170-A194-63E639033F8D}"/>
               </a:ext>
             </a:extLst>
           </p:cNvPr>
@@ -2737,7 +2737,7 @@
           <p:cNvPr id="5" name="Espaço Reservado para Data 4">
             <a:extLst>
               <a:ext uri="{FF2B5EF4-FFF2-40B4-BE49-F238E27FC236}">
-                <a16:creationId xmlns:a16="http://schemas.microsoft.com/office/drawing/2014/main" id="{D5A71E96-5688-41C5-ADE8-DDCE7B1D5FF7}"/>
+                <a16:creationId xmlns="" xmlns:a16="http://schemas.microsoft.com/office/drawing/2014/main" id="{D5A71E96-5688-41C5-ADE8-DDCE7B1D5FF7}"/>
               </a:ext>
             </a:extLst>
           </p:cNvPr>
@@ -2755,7 +2755,7 @@
           <a:p>
             <a:fld id="{AC8D3769-05E3-4F8B-A913-731DA401BF75}" type="datetimeFigureOut">
               <a:rPr lang="pt-BR" smtClean="0"/>
-              <a:t>27/09/2018</a:t>
+              <a:t>28/09/2018</a:t>
             </a:fld>
             <a:endParaRPr lang="pt-BR"/>
           </a:p>
@@ -2766,7 +2766,7 @@
           <p:cNvPr id="6" name="Espaço Reservado para Rodapé 5">
             <a:extLst>
               <a:ext uri="{FF2B5EF4-FFF2-40B4-BE49-F238E27FC236}">
-                <a16:creationId xmlns:a16="http://schemas.microsoft.com/office/drawing/2014/main" id="{FB1A5F22-92A8-41E2-96DA-4F7CF054FC9C}"/>
+                <a16:creationId xmlns="" xmlns:a16="http://schemas.microsoft.com/office/drawing/2014/main" id="{FB1A5F22-92A8-41E2-96DA-4F7CF054FC9C}"/>
               </a:ext>
             </a:extLst>
           </p:cNvPr>
@@ -2791,7 +2791,7 @@
           <p:cNvPr id="7" name="Espaço Reservado para Número de Slide 6">
             <a:extLst>
               <a:ext uri="{FF2B5EF4-FFF2-40B4-BE49-F238E27FC236}">
-                <a16:creationId xmlns:a16="http://schemas.microsoft.com/office/drawing/2014/main" id="{1E39EBD1-5273-443B-AD1D-78AFA73C4BE5}"/>
+                <a16:creationId xmlns="" xmlns:a16="http://schemas.microsoft.com/office/drawing/2014/main" id="{1E39EBD1-5273-443B-AD1D-78AFA73C4BE5}"/>
               </a:ext>
             </a:extLst>
           </p:cNvPr>
@@ -2850,7 +2850,7 @@
           <p:cNvPr id="2" name="Título 1">
             <a:extLst>
               <a:ext uri="{FF2B5EF4-FFF2-40B4-BE49-F238E27FC236}">
-                <a16:creationId xmlns:a16="http://schemas.microsoft.com/office/drawing/2014/main" id="{ABB8C4C7-F7AE-4E42-A582-CED20B6446CB}"/>
+                <a16:creationId xmlns="" xmlns:a16="http://schemas.microsoft.com/office/drawing/2014/main" id="{ABB8C4C7-F7AE-4E42-A582-CED20B6446CB}"/>
               </a:ext>
             </a:extLst>
           </p:cNvPr>
@@ -2887,7 +2887,7 @@
           <p:cNvPr id="3" name="Espaço Reservado para Imagem 2">
             <a:extLst>
               <a:ext uri="{FF2B5EF4-FFF2-40B4-BE49-F238E27FC236}">
-                <a16:creationId xmlns:a16="http://schemas.microsoft.com/office/drawing/2014/main" id="{3C962931-B76E-44E9-BD60-073173832A1F}"/>
+                <a16:creationId xmlns="" xmlns:a16="http://schemas.microsoft.com/office/drawing/2014/main" id="{3C962931-B76E-44E9-BD60-073173832A1F}"/>
               </a:ext>
             </a:extLst>
           </p:cNvPr>
@@ -2954,7 +2954,7 @@
           <p:cNvPr id="4" name="Espaço Reservado para Texto 3">
             <a:extLst>
               <a:ext uri="{FF2B5EF4-FFF2-40B4-BE49-F238E27FC236}">
-                <a16:creationId xmlns:a16="http://schemas.microsoft.com/office/drawing/2014/main" id="{8B92924E-254D-4763-9F47-3DF2F4CA543E}"/>
+                <a16:creationId xmlns="" xmlns:a16="http://schemas.microsoft.com/office/drawing/2014/main" id="{8B92924E-254D-4763-9F47-3DF2F4CA543E}"/>
               </a:ext>
             </a:extLst>
           </p:cNvPr>
@@ -3025,7 +3025,7 @@
           <p:cNvPr id="5" name="Espaço Reservado para Data 4">
             <a:extLst>
               <a:ext uri="{FF2B5EF4-FFF2-40B4-BE49-F238E27FC236}">
-                <a16:creationId xmlns:a16="http://schemas.microsoft.com/office/drawing/2014/main" id="{DAE48198-45E9-4D9D-8A75-9D94B114E6EA}"/>
+                <a16:creationId xmlns="" xmlns:a16="http://schemas.microsoft.com/office/drawing/2014/main" id="{DAE48198-45E9-4D9D-8A75-9D94B114E6EA}"/>
               </a:ext>
             </a:extLst>
           </p:cNvPr>
@@ -3043,7 +3043,7 @@
           <a:p>
             <a:fld id="{AC8D3769-05E3-4F8B-A913-731DA401BF75}" type="datetimeFigureOut">
               <a:rPr lang="pt-BR" smtClean="0"/>
-              <a:t>27/09/2018</a:t>
+              <a:t>28/09/2018</a:t>
             </a:fld>
             <a:endParaRPr lang="pt-BR"/>
           </a:p>
@@ -3054,7 +3054,7 @@
           <p:cNvPr id="6" name="Espaço Reservado para Rodapé 5">
             <a:extLst>
               <a:ext uri="{FF2B5EF4-FFF2-40B4-BE49-F238E27FC236}">
-                <a16:creationId xmlns:a16="http://schemas.microsoft.com/office/drawing/2014/main" id="{F79D9A11-8FF5-4E23-929F-502A7CAF236F}"/>
+                <a16:creationId xmlns="" xmlns:a16="http://schemas.microsoft.com/office/drawing/2014/main" id="{F79D9A11-8FF5-4E23-929F-502A7CAF236F}"/>
               </a:ext>
             </a:extLst>
           </p:cNvPr>
@@ -3079,7 +3079,7 @@
           <p:cNvPr id="7" name="Espaço Reservado para Número de Slide 6">
             <a:extLst>
               <a:ext uri="{FF2B5EF4-FFF2-40B4-BE49-F238E27FC236}">
-                <a16:creationId xmlns:a16="http://schemas.microsoft.com/office/drawing/2014/main" id="{5AD22002-70EF-4939-B29E-701550042AE3}"/>
+                <a16:creationId xmlns="" xmlns:a16="http://schemas.microsoft.com/office/drawing/2014/main" id="{5AD22002-70EF-4939-B29E-701550042AE3}"/>
               </a:ext>
             </a:extLst>
           </p:cNvPr>
@@ -3143,7 +3143,7 @@
           <p:cNvPr id="2" name="Espaço Reservado para Título 1">
             <a:extLst>
               <a:ext uri="{FF2B5EF4-FFF2-40B4-BE49-F238E27FC236}">
-                <a16:creationId xmlns:a16="http://schemas.microsoft.com/office/drawing/2014/main" id="{B2BE7C2B-4D81-47F2-A5F2-321A01942A04}"/>
+                <a16:creationId xmlns="" xmlns:a16="http://schemas.microsoft.com/office/drawing/2014/main" id="{B2BE7C2B-4D81-47F2-A5F2-321A01942A04}"/>
               </a:ext>
             </a:extLst>
           </p:cNvPr>
@@ -3181,7 +3181,7 @@
           <p:cNvPr id="3" name="Espaço Reservado para Texto 2">
             <a:extLst>
               <a:ext uri="{FF2B5EF4-FFF2-40B4-BE49-F238E27FC236}">
-                <a16:creationId xmlns:a16="http://schemas.microsoft.com/office/drawing/2014/main" id="{894060C4-E473-4801-966B-51DD59A67447}"/>
+                <a16:creationId xmlns="" xmlns:a16="http://schemas.microsoft.com/office/drawing/2014/main" id="{894060C4-E473-4801-966B-51DD59A67447}"/>
               </a:ext>
             </a:extLst>
           </p:cNvPr>
@@ -3248,7 +3248,7 @@
           <p:cNvPr id="4" name="Espaço Reservado para Data 3">
             <a:extLst>
               <a:ext uri="{FF2B5EF4-FFF2-40B4-BE49-F238E27FC236}">
-                <a16:creationId xmlns:a16="http://schemas.microsoft.com/office/drawing/2014/main" id="{30B41831-1080-4A6B-8C65-21F627F3313E}"/>
+                <a16:creationId xmlns="" xmlns:a16="http://schemas.microsoft.com/office/drawing/2014/main" id="{30B41831-1080-4A6B-8C65-21F627F3313E}"/>
               </a:ext>
             </a:extLst>
           </p:cNvPr>
@@ -3284,7 +3284,7 @@
           <a:p>
             <a:fld id="{AC8D3769-05E3-4F8B-A913-731DA401BF75}" type="datetimeFigureOut">
               <a:rPr lang="pt-BR" smtClean="0"/>
-              <a:t>27/09/2018</a:t>
+              <a:t>28/09/2018</a:t>
             </a:fld>
             <a:endParaRPr lang="pt-BR"/>
           </a:p>
@@ -3295,7 +3295,7 @@
           <p:cNvPr id="5" name="Espaço Reservado para Rodapé 4">
             <a:extLst>
               <a:ext uri="{FF2B5EF4-FFF2-40B4-BE49-F238E27FC236}">
-                <a16:creationId xmlns:a16="http://schemas.microsoft.com/office/drawing/2014/main" id="{67A23859-21FA-4607-92A3-F71FA63600F3}"/>
+                <a16:creationId xmlns="" xmlns:a16="http://schemas.microsoft.com/office/drawing/2014/main" id="{67A23859-21FA-4607-92A3-F71FA63600F3}"/>
               </a:ext>
             </a:extLst>
           </p:cNvPr>
@@ -3338,7 +3338,7 @@
           <p:cNvPr id="6" name="Espaço Reservado para Número de Slide 5">
             <a:extLst>
               <a:ext uri="{FF2B5EF4-FFF2-40B4-BE49-F238E27FC236}">
-                <a16:creationId xmlns:a16="http://schemas.microsoft.com/office/drawing/2014/main" id="{27B111EC-4158-43BE-9E73-53E32FBC31F2}"/>
+                <a16:creationId xmlns="" xmlns:a16="http://schemas.microsoft.com/office/drawing/2014/main" id="{27B111EC-4158-43BE-9E73-53E32FBC31F2}"/>
               </a:ext>
             </a:extLst>
           </p:cNvPr>
@@ -3706,7 +3706,7 @@
           <p:cNvPr id="27" name="Fundo">
             <a:extLst>
               <a:ext uri="{FF2B5EF4-FFF2-40B4-BE49-F238E27FC236}">
-                <a16:creationId xmlns:a16="http://schemas.microsoft.com/office/drawing/2014/main" id="{73F11299-BAEA-4C6F-AD0D-F674A6CFF5F8}"/>
+                <a16:creationId xmlns="" xmlns:a16="http://schemas.microsoft.com/office/drawing/2014/main" id="{73F11299-BAEA-4C6F-AD0D-F674A6CFF5F8}"/>
               </a:ext>
             </a:extLst>
           </p:cNvPr>
@@ -3772,7 +3772,7 @@
           <p:cNvPr id="2" name="Quadrado">
             <a:extLst>
               <a:ext uri="{FF2B5EF4-FFF2-40B4-BE49-F238E27FC236}">
-                <a16:creationId xmlns:a16="http://schemas.microsoft.com/office/drawing/2014/main" id="{87F38AF4-E200-4273-9A7F-823FE72157EF}"/>
+                <a16:creationId xmlns="" xmlns:a16="http://schemas.microsoft.com/office/drawing/2014/main" id="{87F38AF4-E200-4273-9A7F-823FE72157EF}"/>
               </a:ext>
             </a:extLst>
           </p:cNvPr>
@@ -3839,6 +3839,13 @@
       <p:transition advClick="0" advTm="0"/>
     </mc:Fallback>
   </mc:AlternateContent>
+  <p:timing>
+    <p:tnLst>
+      <p:par>
+        <p:cTn id="1" dur="indefinite" restart="never" nodeType="tmRoot"/>
+      </p:par>
+    </p:tnLst>
+  </p:timing>
 </p:sld>
 </file>
 
@@ -3864,7 +3871,7 @@
           <p:cNvPr id="4" name="Fundo">
             <a:extLst>
               <a:ext uri="{FF2B5EF4-FFF2-40B4-BE49-F238E27FC236}">
-                <a16:creationId xmlns:a16="http://schemas.microsoft.com/office/drawing/2014/main" id="{E4CF8391-BF83-48C5-94F4-AD8ADFCE3156}"/>
+                <a16:creationId xmlns="" xmlns:a16="http://schemas.microsoft.com/office/drawing/2014/main" id="{E4CF8391-BF83-48C5-94F4-AD8ADFCE3156}"/>
               </a:ext>
             </a:extLst>
           </p:cNvPr>
@@ -3927,7 +3934,7 @@
           <p:cNvPr id="5" name="VidroVerde">
             <a:extLst>
               <a:ext uri="{FF2B5EF4-FFF2-40B4-BE49-F238E27FC236}">
-                <a16:creationId xmlns:a16="http://schemas.microsoft.com/office/drawing/2014/main" id="{1D3BED8E-44FF-4FEA-A47C-0D157D3893AA}"/>
+                <a16:creationId xmlns="" xmlns:a16="http://schemas.microsoft.com/office/drawing/2014/main" id="{1D3BED8E-44FF-4FEA-A47C-0D157D3893AA}"/>
               </a:ext>
             </a:extLst>
           </p:cNvPr>
@@ -3987,7 +3994,7 @@
           <p:cNvPr id="6" name="FundoFake">
             <a:extLst>
               <a:ext uri="{FF2B5EF4-FFF2-40B4-BE49-F238E27FC236}">
-                <a16:creationId xmlns:a16="http://schemas.microsoft.com/office/drawing/2014/main" id="{CE6C0FFB-FD76-4836-A522-15DEA4B9167A}"/>
+                <a16:creationId xmlns="" xmlns:a16="http://schemas.microsoft.com/office/drawing/2014/main" id="{CE6C0FFB-FD76-4836-A522-15DEA4B9167A}"/>
               </a:ext>
             </a:extLst>
           </p:cNvPr>
@@ -4156,7 +4163,7 @@
           <p:cNvPr id="7" name="Titulo">
             <a:extLst>
               <a:ext uri="{FF2B5EF4-FFF2-40B4-BE49-F238E27FC236}">
-                <a16:creationId xmlns:a16="http://schemas.microsoft.com/office/drawing/2014/main" id="{449C8813-DC92-4A00-9EC7-45E372D89A2B}"/>
+                <a16:creationId xmlns="" xmlns:a16="http://schemas.microsoft.com/office/drawing/2014/main" id="{449C8813-DC92-4A00-9EC7-45E372D89A2B}"/>
               </a:ext>
             </a:extLst>
           </p:cNvPr>
@@ -4204,7 +4211,7 @@
           <p:cNvPr id="8" name="TriG">
             <a:extLst>
               <a:ext uri="{FF2B5EF4-FFF2-40B4-BE49-F238E27FC236}">
-                <a16:creationId xmlns:a16="http://schemas.microsoft.com/office/drawing/2014/main" id="{2B4F9FB4-A6D3-4521-B2D1-CB69C003E69E}"/>
+                <a16:creationId xmlns="" xmlns:a16="http://schemas.microsoft.com/office/drawing/2014/main" id="{2B4F9FB4-A6D3-4521-B2D1-CB69C003E69E}"/>
               </a:ext>
             </a:extLst>
           </p:cNvPr>
@@ -4269,7 +4276,7 @@
           <p:cNvPr id="9" name="TriPB">
             <a:extLst>
               <a:ext uri="{FF2B5EF4-FFF2-40B4-BE49-F238E27FC236}">
-                <a16:creationId xmlns:a16="http://schemas.microsoft.com/office/drawing/2014/main" id="{FBFE9854-8FF4-447E-9AF9-E9566B43D3CE}"/>
+                <a16:creationId xmlns="" xmlns:a16="http://schemas.microsoft.com/office/drawing/2014/main" id="{FBFE9854-8FF4-447E-9AF9-E9566B43D3CE}"/>
               </a:ext>
             </a:extLst>
           </p:cNvPr>
@@ -4334,7 +4341,7 @@
           <p:cNvPr id="10" name="TriPU">
             <a:extLst>
               <a:ext uri="{FF2B5EF4-FFF2-40B4-BE49-F238E27FC236}">
-                <a16:creationId xmlns:a16="http://schemas.microsoft.com/office/drawing/2014/main" id="{A37CFC68-D2B4-4816-898B-EDD12AE36C6D}"/>
+                <a16:creationId xmlns="" xmlns:a16="http://schemas.microsoft.com/office/drawing/2014/main" id="{A37CFC68-D2B4-4816-898B-EDD12AE36C6D}"/>
               </a:ext>
             </a:extLst>
           </p:cNvPr>
@@ -4399,7 +4406,7 @@
           <p:cNvPr id="11" name="TriPR">
             <a:extLst>
               <a:ext uri="{FF2B5EF4-FFF2-40B4-BE49-F238E27FC236}">
-                <a16:creationId xmlns:a16="http://schemas.microsoft.com/office/drawing/2014/main" id="{20AA491E-C5A1-4C07-A01F-2D9F75A6BF10}"/>
+                <a16:creationId xmlns="" xmlns:a16="http://schemas.microsoft.com/office/drawing/2014/main" id="{20AA491E-C5A1-4C07-A01F-2D9F75A6BF10}"/>
               </a:ext>
             </a:extLst>
           </p:cNvPr>
@@ -4979,7 +4986,7 @@
           <p:cNvPr id="4" name="Fundo">
             <a:extLst>
               <a:ext uri="{FF2B5EF4-FFF2-40B4-BE49-F238E27FC236}">
-                <a16:creationId xmlns:a16="http://schemas.microsoft.com/office/drawing/2014/main" id="{3DB2D938-5744-4C8D-A29D-DDC629FF0E9C}"/>
+                <a16:creationId xmlns="" xmlns:a16="http://schemas.microsoft.com/office/drawing/2014/main" id="{3DB2D938-5744-4C8D-A29D-DDC629FF0E9C}"/>
               </a:ext>
             </a:extLst>
           </p:cNvPr>
@@ -5042,7 +5049,7 @@
           <p:cNvPr id="1030" name="Picture 6" descr="Imagem relacionada">
             <a:extLst>
               <a:ext uri="{FF2B5EF4-FFF2-40B4-BE49-F238E27FC236}">
-                <a16:creationId xmlns:a16="http://schemas.microsoft.com/office/drawing/2014/main" id="{127F64F2-DFA7-4CC1-8FA6-9346D9FB0873}"/>
+                <a16:creationId xmlns="" xmlns:a16="http://schemas.microsoft.com/office/drawing/2014/main" id="{127F64F2-DFA7-4CC1-8FA6-9346D9FB0873}"/>
               </a:ext>
             </a:extLst>
           </p:cNvPr>
@@ -5089,7 +5096,7 @@
           <p:cNvPr id="25" name="Forma Livre: Forma 24">
             <a:extLst>
               <a:ext uri="{FF2B5EF4-FFF2-40B4-BE49-F238E27FC236}">
-                <a16:creationId xmlns:a16="http://schemas.microsoft.com/office/drawing/2014/main" id="{2476A383-D3E5-494C-8A98-D505DDD88A17}"/>
+                <a16:creationId xmlns="" xmlns:a16="http://schemas.microsoft.com/office/drawing/2014/main" id="{2476A383-D3E5-494C-8A98-D505DDD88A17}"/>
               </a:ext>
             </a:extLst>
           </p:cNvPr>
@@ -5233,7 +5240,7 @@
           <p:cNvPr id="7" name="Titulo">
             <a:extLst>
               <a:ext uri="{FF2B5EF4-FFF2-40B4-BE49-F238E27FC236}">
-                <a16:creationId xmlns:a16="http://schemas.microsoft.com/office/drawing/2014/main" id="{19AFBE14-B5A5-4681-BDDA-D6705D64DC91}"/>
+                <a16:creationId xmlns="" xmlns:a16="http://schemas.microsoft.com/office/drawing/2014/main" id="{19AFBE14-B5A5-4681-BDDA-D6705D64DC91}"/>
               </a:ext>
             </a:extLst>
           </p:cNvPr>
@@ -5281,7 +5288,7 @@
           <p:cNvPr id="10" name="TriPU">
             <a:extLst>
               <a:ext uri="{FF2B5EF4-FFF2-40B4-BE49-F238E27FC236}">
-                <a16:creationId xmlns:a16="http://schemas.microsoft.com/office/drawing/2014/main" id="{3EA8562F-CA46-44FD-AC75-0267A157D254}"/>
+                <a16:creationId xmlns="" xmlns:a16="http://schemas.microsoft.com/office/drawing/2014/main" id="{3EA8562F-CA46-44FD-AC75-0267A157D254}"/>
               </a:ext>
             </a:extLst>
           </p:cNvPr>
@@ -5346,7 +5353,7 @@
           <p:cNvPr id="11" name="TriPR">
             <a:extLst>
               <a:ext uri="{FF2B5EF4-FFF2-40B4-BE49-F238E27FC236}">
-                <a16:creationId xmlns:a16="http://schemas.microsoft.com/office/drawing/2014/main" id="{4AA5EC3A-7135-4D44-A946-10347D7010F0}"/>
+                <a16:creationId xmlns="" xmlns:a16="http://schemas.microsoft.com/office/drawing/2014/main" id="{4AA5EC3A-7135-4D44-A946-10347D7010F0}"/>
               </a:ext>
             </a:extLst>
           </p:cNvPr>
@@ -5411,7 +5418,7 @@
           <p:cNvPr id="13" name="Imagem 12" descr="Uma imagem contendo equipamentos eletrônicos, mostrador, monitor, captura de tela&#10;&#10;Descrição gerada com muito alta confiança">
             <a:extLst>
               <a:ext uri="{FF2B5EF4-FFF2-40B4-BE49-F238E27FC236}">
-                <a16:creationId xmlns:a16="http://schemas.microsoft.com/office/drawing/2014/main" id="{DC3AA750-F2B4-47ED-90CD-BC649FA8EB76}"/>
+                <a16:creationId xmlns="" xmlns:a16="http://schemas.microsoft.com/office/drawing/2014/main" id="{DC3AA750-F2B4-47ED-90CD-BC649FA8EB76}"/>
               </a:ext>
             </a:extLst>
           </p:cNvPr>
@@ -5775,7 +5782,7 @@
           <p:cNvPr id="4" name="Fundo">
             <a:extLst>
               <a:ext uri="{FF2B5EF4-FFF2-40B4-BE49-F238E27FC236}">
-                <a16:creationId xmlns:a16="http://schemas.microsoft.com/office/drawing/2014/main" id="{3DB2D938-5744-4C8D-A29D-DDC629FF0E9C}"/>
+                <a16:creationId xmlns="" xmlns:a16="http://schemas.microsoft.com/office/drawing/2014/main" id="{3DB2D938-5744-4C8D-A29D-DDC629FF0E9C}"/>
               </a:ext>
             </a:extLst>
           </p:cNvPr>
@@ -5838,7 +5845,7 @@
           <p:cNvPr id="15" name="Picture 6" descr="Imagem relacionada">
             <a:extLst>
               <a:ext uri="{FF2B5EF4-FFF2-40B4-BE49-F238E27FC236}">
-                <a16:creationId xmlns:a16="http://schemas.microsoft.com/office/drawing/2014/main" id="{5FFC361A-4A78-4258-96FB-830CDF2A3FAC}"/>
+                <a16:creationId xmlns="" xmlns:a16="http://schemas.microsoft.com/office/drawing/2014/main" id="{5FFC361A-4A78-4258-96FB-830CDF2A3FAC}"/>
               </a:ext>
             </a:extLst>
           </p:cNvPr>
@@ -5885,7 +5892,7 @@
           <p:cNvPr id="14" name="Forma Livre: Forma 13">
             <a:extLst>
               <a:ext uri="{FF2B5EF4-FFF2-40B4-BE49-F238E27FC236}">
-                <a16:creationId xmlns:a16="http://schemas.microsoft.com/office/drawing/2014/main" id="{56209C48-17A8-4EC6-8800-42B406D57C7E}"/>
+                <a16:creationId xmlns="" xmlns:a16="http://schemas.microsoft.com/office/drawing/2014/main" id="{56209C48-17A8-4EC6-8800-42B406D57C7E}"/>
               </a:ext>
             </a:extLst>
           </p:cNvPr>
@@ -6029,7 +6036,7 @@
           <p:cNvPr id="7" name="Titulo">
             <a:extLst>
               <a:ext uri="{FF2B5EF4-FFF2-40B4-BE49-F238E27FC236}">
-                <a16:creationId xmlns:a16="http://schemas.microsoft.com/office/drawing/2014/main" id="{19AFBE14-B5A5-4681-BDDA-D6705D64DC91}"/>
+                <a16:creationId xmlns="" xmlns:a16="http://schemas.microsoft.com/office/drawing/2014/main" id="{19AFBE14-B5A5-4681-BDDA-D6705D64DC91}"/>
               </a:ext>
             </a:extLst>
           </p:cNvPr>
@@ -6077,7 +6084,7 @@
           <p:cNvPr id="10" name="TriPU">
             <a:extLst>
               <a:ext uri="{FF2B5EF4-FFF2-40B4-BE49-F238E27FC236}">
-                <a16:creationId xmlns:a16="http://schemas.microsoft.com/office/drawing/2014/main" id="{3EA8562F-CA46-44FD-AC75-0267A157D254}"/>
+                <a16:creationId xmlns="" xmlns:a16="http://schemas.microsoft.com/office/drawing/2014/main" id="{3EA8562F-CA46-44FD-AC75-0267A157D254}"/>
               </a:ext>
             </a:extLst>
           </p:cNvPr>
@@ -6142,7 +6149,7 @@
           <p:cNvPr id="11" name="TriPR">
             <a:extLst>
               <a:ext uri="{FF2B5EF4-FFF2-40B4-BE49-F238E27FC236}">
-                <a16:creationId xmlns:a16="http://schemas.microsoft.com/office/drawing/2014/main" id="{4AA5EC3A-7135-4D44-A946-10347D7010F0}"/>
+                <a16:creationId xmlns="" xmlns:a16="http://schemas.microsoft.com/office/drawing/2014/main" id="{4AA5EC3A-7135-4D44-A946-10347D7010F0}"/>
               </a:ext>
             </a:extLst>
           </p:cNvPr>
@@ -6207,7 +6214,7 @@
           <p:cNvPr id="2052" name="Picture 4" descr="Imagem relacionada">
             <a:extLst>
               <a:ext uri="{FF2B5EF4-FFF2-40B4-BE49-F238E27FC236}">
-                <a16:creationId xmlns:a16="http://schemas.microsoft.com/office/drawing/2014/main" id="{82BE6A28-679A-4759-ABB4-DBBD1B37062C}"/>
+                <a16:creationId xmlns="" xmlns:a16="http://schemas.microsoft.com/office/drawing/2014/main" id="{82BE6A28-679A-4759-ABB4-DBBD1B37062C}"/>
               </a:ext>
             </a:extLst>
           </p:cNvPr>
@@ -6254,7 +6261,7 @@
           <p:cNvPr id="16" name="TriG">
             <a:extLst>
               <a:ext uri="{FF2B5EF4-FFF2-40B4-BE49-F238E27FC236}">
-                <a16:creationId xmlns:a16="http://schemas.microsoft.com/office/drawing/2014/main" id="{89A8C3BA-1F1B-466A-B04F-73141922027D}"/>
+                <a16:creationId xmlns="" xmlns:a16="http://schemas.microsoft.com/office/drawing/2014/main" id="{89A8C3BA-1F1B-466A-B04F-73141922027D}"/>
               </a:ext>
             </a:extLst>
           </p:cNvPr>
@@ -6319,7 +6326,7 @@
           <p:cNvPr id="17" name="TriPB">
             <a:extLst>
               <a:ext uri="{FF2B5EF4-FFF2-40B4-BE49-F238E27FC236}">
-                <a16:creationId xmlns:a16="http://schemas.microsoft.com/office/drawing/2014/main" id="{48165678-2AFC-4D89-98AF-3DE79BEBBDCD}"/>
+                <a16:creationId xmlns="" xmlns:a16="http://schemas.microsoft.com/office/drawing/2014/main" id="{48165678-2AFC-4D89-98AF-3DE79BEBBDCD}"/>
               </a:ext>
             </a:extLst>
           </p:cNvPr>
@@ -6885,7 +6892,7 @@
           <p:cNvPr id="4" name="Fundo">
             <a:extLst>
               <a:ext uri="{FF2B5EF4-FFF2-40B4-BE49-F238E27FC236}">
-                <a16:creationId xmlns:a16="http://schemas.microsoft.com/office/drawing/2014/main" id="{13FAC62D-909C-46A0-84D4-F42724043CF6}"/>
+                <a16:creationId xmlns="" xmlns:a16="http://schemas.microsoft.com/office/drawing/2014/main" id="{13FAC62D-909C-46A0-84D4-F42724043CF6}"/>
               </a:ext>
             </a:extLst>
           </p:cNvPr>
@@ -6948,7 +6955,7 @@
           <p:cNvPr id="5" name="Titulo">
             <a:extLst>
               <a:ext uri="{FF2B5EF4-FFF2-40B4-BE49-F238E27FC236}">
-                <a16:creationId xmlns:a16="http://schemas.microsoft.com/office/drawing/2014/main" id="{7B9DF234-7456-41F4-9CBF-785651BDB92F}"/>
+                <a16:creationId xmlns="" xmlns:a16="http://schemas.microsoft.com/office/drawing/2014/main" id="{7B9DF234-7456-41F4-9CBF-785651BDB92F}"/>
               </a:ext>
             </a:extLst>
           </p:cNvPr>
@@ -6993,50 +7000,14 @@
       </p:sp>
       <p:pic>
         <p:nvPicPr>
-          <p:cNvPr id="6" name="Imagem 5">
-            <a:extLst>
-              <a:ext uri="{FF2B5EF4-FFF2-40B4-BE49-F238E27FC236}">
-                <a16:creationId xmlns:a16="http://schemas.microsoft.com/office/drawing/2014/main" id="{D731CC40-EDA8-47AC-B932-CA22A2B8828E}"/>
-              </a:ext>
-            </a:extLst>
-          </p:cNvPr>
-          <p:cNvPicPr>
-            <a:picLocks noChangeAspect="1"/>
-          </p:cNvPicPr>
-          <p:nvPr/>
-        </p:nvPicPr>
-        <p:blipFill>
-          <a:blip r:embed="rId2"/>
-          <a:stretch>
-            <a:fillRect/>
-          </a:stretch>
-        </p:blipFill>
-        <p:spPr>
-          <a:xfrm>
-            <a:off x="1023937" y="1543049"/>
-            <a:ext cx="1168003" cy="1285875"/>
-          </a:xfrm>
-          <a:prstGeom prst="rect">
-            <a:avLst/>
-          </a:prstGeom>
-        </p:spPr>
-      </p:pic>
-      <p:pic>
-        <p:nvPicPr>
-          <p:cNvPr id="3074" name="Picture 2" descr="Resultado de imagem para dev media">
-            <a:extLst>
-              <a:ext uri="{FF2B5EF4-FFF2-40B4-BE49-F238E27FC236}">
-                <a16:creationId xmlns:a16="http://schemas.microsoft.com/office/drawing/2014/main" id="{46C7D7B2-0F46-4E6D-8834-0B55754828CA}"/>
-              </a:ext>
-            </a:extLst>
-          </p:cNvPr>
+          <p:cNvPr id="1026" name="Picture 2" descr="Resultado de imagem para stackoverflow icon png"/>
           <p:cNvPicPr>
             <a:picLocks noChangeAspect="1" noChangeArrowheads="1"/>
           </p:cNvPicPr>
           <p:nvPr/>
         </p:nvPicPr>
         <p:blipFill>
-          <a:blip r:embed="rId3">
+          <a:blip r:embed="rId2">
             <a:extLst>
               <a:ext uri="{28A0092B-C50C-407E-A947-70E740481C1C}">
                 <a14:useLocalDpi xmlns:a14="http://schemas.microsoft.com/office/drawing/2010/main" val="0"/>
@@ -7050,8 +7021,8 @@
         </p:blipFill>
         <p:spPr bwMode="auto">
           <a:xfrm>
-            <a:off x="2477888" y="3258735"/>
-            <a:ext cx="2590800" cy="1454594"/>
+            <a:off x="953888" y="4574830"/>
+            <a:ext cx="1504950" cy="1504951"/>
           </a:xfrm>
           <a:prstGeom prst="rect">
             <a:avLst/>
@@ -7070,20 +7041,14 @@
       </p:pic>
       <p:pic>
         <p:nvPicPr>
-          <p:cNvPr id="3082" name="Picture 10" descr="Imagem relacionada">
-            <a:extLst>
-              <a:ext uri="{FF2B5EF4-FFF2-40B4-BE49-F238E27FC236}">
-                <a16:creationId xmlns:a16="http://schemas.microsoft.com/office/drawing/2014/main" id="{21B2F2A1-03F9-4470-B456-82237C7A32A2}"/>
-              </a:ext>
-            </a:extLst>
-          </p:cNvPr>
+          <p:cNvPr id="1028" name="Picture 4" descr="Resultado de imagem para microsoft icon png"/>
           <p:cNvPicPr>
             <a:picLocks noChangeAspect="1" noChangeArrowheads="1"/>
           </p:cNvPicPr>
           <p:nvPr/>
         </p:nvPicPr>
         <p:blipFill>
-          <a:blip r:embed="rId4">
+          <a:blip r:embed="rId3" cstate="print">
             <a:extLst>
               <a:ext uri="{28A0092B-C50C-407E-A947-70E740481C1C}">
                 <a14:useLocalDpi xmlns:a14="http://schemas.microsoft.com/office/drawing/2010/main" val="0"/>
@@ -7097,8 +7062,8 @@
         </p:blipFill>
         <p:spPr bwMode="auto">
           <a:xfrm>
-            <a:off x="1023937" y="5028241"/>
-            <a:ext cx="3562350" cy="1395254"/>
+            <a:off x="2399629" y="4609041"/>
+            <a:ext cx="1546225" cy="1546225"/>
           </a:xfrm>
           <a:prstGeom prst="rect">
             <a:avLst/>
@@ -7117,20 +7082,14 @@
       </p:pic>
       <p:pic>
         <p:nvPicPr>
-          <p:cNvPr id="3084" name="Picture 12" descr="Resultado de imagem para github logo">
-            <a:extLst>
-              <a:ext uri="{FF2B5EF4-FFF2-40B4-BE49-F238E27FC236}">
-                <a16:creationId xmlns:a16="http://schemas.microsoft.com/office/drawing/2014/main" id="{B0969723-D055-40EB-852E-9A37AAB52889}"/>
-              </a:ext>
-            </a:extLst>
-          </p:cNvPr>
+          <p:cNvPr id="1030" name="Picture 6" descr="Resultado de imagem para devmedia icon png"/>
           <p:cNvPicPr>
             <a:picLocks noChangeAspect="1" noChangeArrowheads="1"/>
           </p:cNvPicPr>
           <p:nvPr/>
         </p:nvPicPr>
         <p:blipFill>
-          <a:blip r:embed="rId5">
+          <a:blip r:embed="rId4">
             <a:extLst>
               <a:ext uri="{28A0092B-C50C-407E-A947-70E740481C1C}">
                 <a14:useLocalDpi xmlns:a14="http://schemas.microsoft.com/office/drawing/2010/main" val="0"/>
@@ -7144,8 +7103,8 @@
         </p:blipFill>
         <p:spPr bwMode="auto">
           <a:xfrm>
-            <a:off x="3303388" y="1290636"/>
-            <a:ext cx="1790700" cy="1790700"/>
+            <a:off x="1061366" y="3083471"/>
+            <a:ext cx="1298575" cy="1298575"/>
           </a:xfrm>
           <a:prstGeom prst="rect">
             <a:avLst/>
@@ -7164,20 +7123,14 @@
       </p:pic>
       <p:pic>
         <p:nvPicPr>
-          <p:cNvPr id="3086" name="Picture 14" descr="Resultado de imagem para microsoft">
-            <a:extLst>
-              <a:ext uri="{FF2B5EF4-FFF2-40B4-BE49-F238E27FC236}">
-                <a16:creationId xmlns:a16="http://schemas.microsoft.com/office/drawing/2014/main" id="{8418CFC2-7B0D-45AD-878A-25B5390EC8B6}"/>
-              </a:ext>
-            </a:extLst>
-          </p:cNvPr>
+          <p:cNvPr id="1032" name="Picture 8" descr="Resultado de imagem para android icon png"/>
           <p:cNvPicPr>
             <a:picLocks noChangeAspect="1" noChangeArrowheads="1"/>
           </p:cNvPicPr>
           <p:nvPr/>
         </p:nvPicPr>
         <p:blipFill>
-          <a:blip r:embed="rId6">
+          <a:blip r:embed="rId5" cstate="print">
             <a:extLst>
               <a:ext uri="{28A0092B-C50C-407E-A947-70E740481C1C}">
                 <a14:useLocalDpi xmlns:a14="http://schemas.microsoft.com/office/drawing/2010/main" val="0"/>
@@ -7191,8 +7144,8 @@
         </p:blipFill>
         <p:spPr bwMode="auto">
           <a:xfrm>
-            <a:off x="6705600" y="2770701"/>
-            <a:ext cx="4861324" cy="2430662"/>
+            <a:off x="4127944" y="4382046"/>
+            <a:ext cx="1533525" cy="1533525"/>
           </a:xfrm>
           <a:prstGeom prst="rect">
             <a:avLst/>
@@ -7211,20 +7164,14 @@
       </p:pic>
       <p:pic>
         <p:nvPicPr>
-          <p:cNvPr id="3090" name="Picture 18" descr="Imagem relacionada">
-            <a:extLst>
-              <a:ext uri="{FF2B5EF4-FFF2-40B4-BE49-F238E27FC236}">
-                <a16:creationId xmlns:a16="http://schemas.microsoft.com/office/drawing/2014/main" id="{FCFABA0C-1FC6-4C35-8F8B-06FABE8E3A7B}"/>
-              </a:ext>
-            </a:extLst>
-          </p:cNvPr>
+          <p:cNvPr id="1034" name="Picture 10" descr="Resultado de imagem para slide mestre logo"/>
           <p:cNvPicPr>
             <a:picLocks noChangeAspect="1" noChangeArrowheads="1"/>
           </p:cNvPicPr>
           <p:nvPr/>
         </p:nvPicPr>
         <p:blipFill>
-          <a:blip r:embed="rId7">
+          <a:blip r:embed="rId6" cstate="print">
             <a:extLst>
               <a:ext uri="{28A0092B-C50C-407E-A947-70E740481C1C}">
                 <a14:useLocalDpi xmlns:a14="http://schemas.microsoft.com/office/drawing/2010/main" val="0"/>
@@ -7238,8 +7185,131 @@
         </p:blipFill>
         <p:spPr bwMode="auto">
           <a:xfrm>
-            <a:off x="5588199" y="5028241"/>
-            <a:ext cx="4207394" cy="1395254"/>
+            <a:off x="4101629" y="2761064"/>
+            <a:ext cx="1679575" cy="1585968"/>
+          </a:xfrm>
+          <a:prstGeom prst="rect">
+            <a:avLst/>
+          </a:prstGeom>
+          <a:noFill/>
+          <a:extLst>
+            <a:ext uri="{909E8E84-426E-40DD-AFC4-6F175D3DCCD1}">
+              <a14:hiddenFill xmlns:a14="http://schemas.microsoft.com/office/drawing/2010/main">
+                <a:solidFill>
+                  <a:srgbClr val="FFFFFF"/>
+                </a:solidFill>
+              </a14:hiddenFill>
+            </a:ext>
+          </a:extLst>
+        </p:spPr>
+      </p:pic>
+      <p:pic>
+        <p:nvPicPr>
+          <p:cNvPr id="1036" name="Picture 12" descr="Resultado de imagem para w3school icon png"/>
+          <p:cNvPicPr>
+            <a:picLocks noChangeAspect="1" noChangeArrowheads="1"/>
+          </p:cNvPicPr>
+          <p:nvPr/>
+        </p:nvPicPr>
+        <p:blipFill>
+          <a:blip r:embed="rId7">
+            <a:extLst>
+              <a:ext uri="{28A0092B-C50C-407E-A947-70E740481C1C}">
+                <a14:useLocalDpi xmlns:a14="http://schemas.microsoft.com/office/drawing/2010/main" val="0"/>
+              </a:ext>
+            </a:extLst>
+          </a:blip>
+          <a:srcRect/>
+          <a:stretch>
+            <a:fillRect/>
+          </a:stretch>
+        </p:blipFill>
+        <p:spPr bwMode="auto">
+          <a:xfrm>
+            <a:off x="5105400" y="2482485"/>
+            <a:ext cx="2857500" cy="2143125"/>
+          </a:xfrm>
+          <a:prstGeom prst="rect">
+            <a:avLst/>
+          </a:prstGeom>
+          <a:noFill/>
+          <a:extLst>
+            <a:ext uri="{909E8E84-426E-40DD-AFC4-6F175D3DCCD1}">
+              <a14:hiddenFill xmlns:a14="http://schemas.microsoft.com/office/drawing/2010/main">
+                <a:solidFill>
+                  <a:srgbClr val="FFFFFF"/>
+                </a:solidFill>
+              </a14:hiddenFill>
+            </a:ext>
+          </a:extLst>
+        </p:spPr>
+      </p:pic>
+      <p:pic>
+        <p:nvPicPr>
+          <p:cNvPr id="1038" name="Picture 14" descr="Resultado de imagem para alura icon png"/>
+          <p:cNvPicPr>
+            <a:picLocks noChangeAspect="1" noChangeArrowheads="1"/>
+          </p:cNvPicPr>
+          <p:nvPr/>
+        </p:nvPicPr>
+        <p:blipFill>
+          <a:blip r:embed="rId8" cstate="print">
+            <a:extLst>
+              <a:ext uri="{28A0092B-C50C-407E-A947-70E740481C1C}">
+                <a14:useLocalDpi xmlns:a14="http://schemas.microsoft.com/office/drawing/2010/main" val="0"/>
+              </a:ext>
+            </a:extLst>
+          </a:blip>
+          <a:srcRect/>
+          <a:stretch>
+            <a:fillRect/>
+          </a:stretch>
+        </p:blipFill>
+        <p:spPr bwMode="auto">
+          <a:xfrm>
+            <a:off x="5970559" y="4535300"/>
+            <a:ext cx="1222375" cy="1222375"/>
+          </a:xfrm>
+          <a:prstGeom prst="rect">
+            <a:avLst/>
+          </a:prstGeom>
+          <a:noFill/>
+          <a:extLst>
+            <a:ext uri="{909E8E84-426E-40DD-AFC4-6F175D3DCCD1}">
+              <a14:hiddenFill xmlns:a14="http://schemas.microsoft.com/office/drawing/2010/main">
+                <a:solidFill>
+                  <a:srgbClr val="FFFFFF"/>
+                </a:solidFill>
+              </a14:hiddenFill>
+            </a:ext>
+          </a:extLst>
+        </p:spPr>
+      </p:pic>
+      <p:pic>
+        <p:nvPicPr>
+          <p:cNvPr id="1042" name="Picture 18" descr="Resultado de imagem para github icon png"/>
+          <p:cNvPicPr>
+            <a:picLocks noChangeAspect="1" noChangeArrowheads="1"/>
+          </p:cNvPicPr>
+          <p:nvPr/>
+        </p:nvPicPr>
+        <p:blipFill>
+          <a:blip r:embed="rId9" cstate="print">
+            <a:extLst>
+              <a:ext uri="{28A0092B-C50C-407E-A947-70E740481C1C}">
+                <a14:useLocalDpi xmlns:a14="http://schemas.microsoft.com/office/drawing/2010/main" val="0"/>
+              </a:ext>
+            </a:extLst>
+          </a:blip>
+          <a:srcRect/>
+          <a:stretch>
+            <a:fillRect/>
+          </a:stretch>
+        </p:blipFill>
+        <p:spPr bwMode="auto">
+          <a:xfrm>
+            <a:off x="2409956" y="2856476"/>
+            <a:ext cx="1525570" cy="1525570"/>
           </a:xfrm>
           <a:prstGeom prst="rect">
             <a:avLst/>
@@ -7403,7 +7473,7 @@
           <p:cNvPr id="27" name="Fundo">
             <a:extLst>
               <a:ext uri="{FF2B5EF4-FFF2-40B4-BE49-F238E27FC236}">
-                <a16:creationId xmlns:a16="http://schemas.microsoft.com/office/drawing/2014/main" id="{73F11299-BAEA-4C6F-AD0D-F674A6CFF5F8}"/>
+                <a16:creationId xmlns="" xmlns:a16="http://schemas.microsoft.com/office/drawing/2014/main" id="{73F11299-BAEA-4C6F-AD0D-F674A6CFF5F8}"/>
               </a:ext>
             </a:extLst>
           </p:cNvPr>
@@ -7469,7 +7539,7 @@
           <p:cNvPr id="2" name="Quadrado">
             <a:extLst>
               <a:ext uri="{FF2B5EF4-FFF2-40B4-BE49-F238E27FC236}">
-                <a16:creationId xmlns:a16="http://schemas.microsoft.com/office/drawing/2014/main" id="{87F38AF4-E200-4273-9A7F-823FE72157EF}"/>
+                <a16:creationId xmlns="" xmlns:a16="http://schemas.microsoft.com/office/drawing/2014/main" id="{87F38AF4-E200-4273-9A7F-823FE72157EF}"/>
               </a:ext>
             </a:extLst>
           </p:cNvPr>
@@ -7528,18 +7598,25 @@
   <p:clrMapOvr>
     <a:masterClrMapping/>
   </p:clrMapOvr>
-  <mc:AlternateContent xmlns:mc="http://schemas.openxmlformats.org/markup-compatibility/2006" xmlns:p159="http://schemas.microsoft.com/office/powerpoint/2015/09/main">
-    <mc:Choice Requires="p159">
+  <mc:AlternateContent xmlns:mc="http://schemas.openxmlformats.org/markup-compatibility/2006">
+    <mc:Choice xmlns="" xmlns:p159="http://schemas.microsoft.com/office/powerpoint/2015/09/main" Requires="p159">
       <p:transition spd="slow" advClick="0" advTm="0">
         <p159:morph option="byObject"/>
       </p:transition>
     </mc:Choice>
-    <mc:Fallback xmlns="">
+    <mc:Fallback>
       <p:transition spd="slow" advClick="0" advTm="0">
         <p:fade/>
       </p:transition>
     </mc:Fallback>
   </mc:AlternateContent>
+  <p:timing>
+    <p:tnLst>
+      <p:par>
+        <p:cTn id="1" dur="indefinite" restart="never" nodeType="tmRoot"/>
+      </p:par>
+    </p:tnLst>
+  </p:timing>
 </p:sld>
 </file>
 
@@ -7565,7 +7642,7 @@
           <p:cNvPr id="27" name="Fundo">
             <a:extLst>
               <a:ext uri="{FF2B5EF4-FFF2-40B4-BE49-F238E27FC236}">
-                <a16:creationId xmlns:a16="http://schemas.microsoft.com/office/drawing/2014/main" id="{73F11299-BAEA-4C6F-AD0D-F674A6CFF5F8}"/>
+                <a16:creationId xmlns="" xmlns:a16="http://schemas.microsoft.com/office/drawing/2014/main" id="{73F11299-BAEA-4C6F-AD0D-F674A6CFF5F8}"/>
               </a:ext>
             </a:extLst>
           </p:cNvPr>
@@ -7638,7 +7715,7 @@
           <p:cNvPr id="20" name="Efeito Inferior">
             <a:extLst>
               <a:ext uri="{FF2B5EF4-FFF2-40B4-BE49-F238E27FC236}">
-                <a16:creationId xmlns:a16="http://schemas.microsoft.com/office/drawing/2014/main" id="{0A7292CF-46C3-48E3-A085-E6ABDC74A038}"/>
+                <a16:creationId xmlns="" xmlns:a16="http://schemas.microsoft.com/office/drawing/2014/main" id="{0A7292CF-46C3-48E3-A085-E6ABDC74A038}"/>
               </a:ext>
             </a:extLst>
           </p:cNvPr>
@@ -7733,7 +7810,7 @@
           <p:cNvPr id="17" name="Efeito Superior">
             <a:extLst>
               <a:ext uri="{FF2B5EF4-FFF2-40B4-BE49-F238E27FC236}">
-                <a16:creationId xmlns:a16="http://schemas.microsoft.com/office/drawing/2014/main" id="{1FE20426-B9A2-4577-BA55-E6167B9853AF}"/>
+                <a16:creationId xmlns="" xmlns:a16="http://schemas.microsoft.com/office/drawing/2014/main" id="{1FE20426-B9A2-4577-BA55-E6167B9853AF}"/>
               </a:ext>
             </a:extLst>
           </p:cNvPr>
@@ -7828,7 +7905,7 @@
           <p:cNvPr id="26" name="678">
             <a:extLst>
               <a:ext uri="{FF2B5EF4-FFF2-40B4-BE49-F238E27FC236}">
-                <a16:creationId xmlns:a16="http://schemas.microsoft.com/office/drawing/2014/main" id="{21AF01BC-8A29-44B9-9BD0-4CDBA86801CE}"/>
+                <a16:creationId xmlns="" xmlns:a16="http://schemas.microsoft.com/office/drawing/2014/main" id="{21AF01BC-8A29-44B9-9BD0-4CDBA86801CE}"/>
               </a:ext>
             </a:extLst>
           </p:cNvPr>
@@ -7897,7 +7974,7 @@
           <p:cNvPr id="22" name="123">
             <a:extLst>
               <a:ext uri="{FF2B5EF4-FFF2-40B4-BE49-F238E27FC236}">
-                <a16:creationId xmlns:a16="http://schemas.microsoft.com/office/drawing/2014/main" id="{051F22E6-167A-4F8C-A7D5-1F1CB6D2BA4D}"/>
+                <a16:creationId xmlns="" xmlns:a16="http://schemas.microsoft.com/office/drawing/2014/main" id="{051F22E6-167A-4F8C-A7D5-1F1CB6D2BA4D}"/>
               </a:ext>
             </a:extLst>
           </p:cNvPr>
@@ -7966,7 +8043,7 @@
           <p:cNvPr id="24" name="FundoFake">
             <a:extLst>
               <a:ext uri="{FF2B5EF4-FFF2-40B4-BE49-F238E27FC236}">
-                <a16:creationId xmlns:a16="http://schemas.microsoft.com/office/drawing/2014/main" id="{9D1F3784-6BA0-4FD8-840F-57DCAB0441EE}"/>
+                <a16:creationId xmlns="" xmlns:a16="http://schemas.microsoft.com/office/drawing/2014/main" id="{9D1F3784-6BA0-4FD8-840F-57DCAB0441EE}"/>
               </a:ext>
             </a:extLst>
           </p:cNvPr>
@@ -8243,7 +8320,7 @@
           <p:cNvPr id="2" name="Borda">
             <a:extLst>
               <a:ext uri="{FF2B5EF4-FFF2-40B4-BE49-F238E27FC236}">
-                <a16:creationId xmlns:a16="http://schemas.microsoft.com/office/drawing/2014/main" id="{87F38AF4-E200-4273-9A7F-823FE72157EF}"/>
+                <a16:creationId xmlns="" xmlns:a16="http://schemas.microsoft.com/office/drawing/2014/main" id="{87F38AF4-E200-4273-9A7F-823FE72157EF}"/>
               </a:ext>
             </a:extLst>
           </p:cNvPr>
@@ -8297,7 +8374,7 @@
           <p:cNvPr id="9" name="Title">
             <a:extLst>
               <a:ext uri="{FF2B5EF4-FFF2-40B4-BE49-F238E27FC236}">
-                <a16:creationId xmlns:a16="http://schemas.microsoft.com/office/drawing/2014/main" id="{3869F697-2D70-44E8-B8A6-0C3343DD1781}"/>
+                <a16:creationId xmlns="" xmlns:a16="http://schemas.microsoft.com/office/drawing/2014/main" id="{3869F697-2D70-44E8-B8A6-0C3343DD1781}"/>
               </a:ext>
             </a:extLst>
           </p:cNvPr>
@@ -10149,7 +10226,7 @@
           <p:cNvPr id="3" name="Segredo Escola">
             <a:extLst>
               <a:ext uri="{FF2B5EF4-FFF2-40B4-BE49-F238E27FC236}">
-                <a16:creationId xmlns:a16="http://schemas.microsoft.com/office/drawing/2014/main" id="{F49866A6-A20E-4BED-B62F-79E7CB72C9AD}"/>
+                <a16:creationId xmlns="" xmlns:a16="http://schemas.microsoft.com/office/drawing/2014/main" id="{F49866A6-A20E-4BED-B62F-79E7CB72C9AD}"/>
               </a:ext>
             </a:extLst>
           </p:cNvPr>
@@ -10179,7 +10256,7 @@
           <p:cNvPr id="5" name="Escola">
             <a:extLst>
               <a:ext uri="{FF2B5EF4-FFF2-40B4-BE49-F238E27FC236}">
-                <a16:creationId xmlns:a16="http://schemas.microsoft.com/office/drawing/2014/main" id="{7E4B8375-34F5-47EC-855B-399EC908470F}"/>
+                <a16:creationId xmlns="" xmlns:a16="http://schemas.microsoft.com/office/drawing/2014/main" id="{7E4B8375-34F5-47EC-855B-399EC908470F}"/>
               </a:ext>
             </a:extLst>
           </p:cNvPr>
@@ -10254,7 +10331,7 @@
           <p:cNvPr id="10" name="Ano">
             <a:extLst>
               <a:ext uri="{FF2B5EF4-FFF2-40B4-BE49-F238E27FC236}">
-                <a16:creationId xmlns:a16="http://schemas.microsoft.com/office/drawing/2014/main" id="{E03A8222-F452-4CA9-8850-0A4B68950502}"/>
+                <a16:creationId xmlns="" xmlns:a16="http://schemas.microsoft.com/office/drawing/2014/main" id="{E03A8222-F452-4CA9-8850-0A4B68950502}"/>
               </a:ext>
             </a:extLst>
           </p:cNvPr>
@@ -10311,7 +10388,7 @@
           <p:cNvPr id="11" name="Logo" descr="Uma imagem contendo objeto, relógio&#10;&#10;Descrição gerada com muito alta confiança">
             <a:extLst>
               <a:ext uri="{FF2B5EF4-FFF2-40B4-BE49-F238E27FC236}">
-                <a16:creationId xmlns:a16="http://schemas.microsoft.com/office/drawing/2014/main" id="{FA54A8F8-8D5C-49D6-8539-5527DBA9073D}"/>
+                <a16:creationId xmlns="" xmlns:a16="http://schemas.microsoft.com/office/drawing/2014/main" id="{FA54A8F8-8D5C-49D6-8539-5527DBA9073D}"/>
               </a:ext>
             </a:extLst>
           </p:cNvPr>
@@ -10321,7 +10398,7 @@
           <p:nvPr/>
         </p:nvPicPr>
         <p:blipFill>
-          <a:blip r:embed="rId3">
+          <a:blip r:embed="rId3" cstate="print">
             <a:extLst>
               <a:ext uri="{28A0092B-C50C-407E-A947-70E740481C1C}">
                 <a14:useLocalDpi xmlns:a14="http://schemas.microsoft.com/office/drawing/2010/main" val="0"/>
@@ -10352,13 +10429,13 @@
   <p:clrMapOvr>
     <a:masterClrMapping/>
   </p:clrMapOvr>
-  <mc:AlternateContent xmlns:mc="http://schemas.openxmlformats.org/markup-compatibility/2006" xmlns:p159="http://schemas.microsoft.com/office/powerpoint/2015/09/main">
-    <mc:Choice Requires="p159">
+  <mc:AlternateContent xmlns:mc="http://schemas.openxmlformats.org/markup-compatibility/2006">
+    <mc:Choice xmlns="" xmlns:p159="http://schemas.microsoft.com/office/powerpoint/2015/09/main" Requires="p159">
       <p:transition spd="med">
         <p159:morph option="byObject"/>
       </p:transition>
     </mc:Choice>
-    <mc:Fallback xmlns="">
+    <mc:Fallback>
       <p:transition spd="med">
         <p:fade/>
       </p:transition>
@@ -10883,7 +10960,7 @@
           <p:cNvPr id="5" name="Fundo">
             <a:extLst>
               <a:ext uri="{FF2B5EF4-FFF2-40B4-BE49-F238E27FC236}">
-                <a16:creationId xmlns:a16="http://schemas.microsoft.com/office/drawing/2014/main" id="{F9794849-A490-49D1-BA4E-3DDF5B77570E}"/>
+                <a16:creationId xmlns="" xmlns:a16="http://schemas.microsoft.com/office/drawing/2014/main" id="{F9794849-A490-49D1-BA4E-3DDF5B77570E}"/>
               </a:ext>
             </a:extLst>
           </p:cNvPr>
@@ -10956,7 +11033,7 @@
           <p:cNvPr id="6" name="Titulo">
             <a:extLst>
               <a:ext uri="{FF2B5EF4-FFF2-40B4-BE49-F238E27FC236}">
-                <a16:creationId xmlns:a16="http://schemas.microsoft.com/office/drawing/2014/main" id="{98D9157B-4EAA-4CCA-A37C-6EC053C99697}"/>
+                <a16:creationId xmlns="" xmlns:a16="http://schemas.microsoft.com/office/drawing/2014/main" id="{98D9157B-4EAA-4CCA-A37C-6EC053C99697}"/>
               </a:ext>
             </a:extLst>
           </p:cNvPr>
@@ -11004,7 +11081,7 @@
           <p:cNvPr id="25" name="Claro">
             <a:extLst>
               <a:ext uri="{FF2B5EF4-FFF2-40B4-BE49-F238E27FC236}">
-                <a16:creationId xmlns:a16="http://schemas.microsoft.com/office/drawing/2014/main" id="{FEE42C55-1CC0-4519-A885-22DB6BDB22A2}"/>
+                <a16:creationId xmlns="" xmlns:a16="http://schemas.microsoft.com/office/drawing/2014/main" id="{FEE42C55-1CC0-4519-A885-22DB6BDB22A2}"/>
               </a:ext>
             </a:extLst>
           </p:cNvPr>
@@ -11020,7 +11097,7 @@
             <a:avLst/>
           </a:prstGeom>
           <a:blipFill dpi="0" rotWithShape="1">
-            <a:blip r:embed="rId2">
+            <a:blip r:embed="rId2" cstate="print">
               <a:extLst>
                 <a:ext uri="{28A0092B-C50C-407E-A947-70E740481C1C}">
                   <a14:useLocalDpi xmlns:a14="http://schemas.microsoft.com/office/drawing/2010/main" val="0"/>
@@ -11066,7 +11143,7 @@
           <p:cNvPr id="26" name="Borda Claro">
             <a:extLst>
               <a:ext uri="{FF2B5EF4-FFF2-40B4-BE49-F238E27FC236}">
-                <a16:creationId xmlns:a16="http://schemas.microsoft.com/office/drawing/2014/main" id="{3714318B-5D77-4996-B7C7-05601BEF1952}"/>
+                <a16:creationId xmlns="" xmlns:a16="http://schemas.microsoft.com/office/drawing/2014/main" id="{3714318B-5D77-4996-B7C7-05601BEF1952}"/>
               </a:ext>
             </a:extLst>
           </p:cNvPr>
@@ -11118,7 +11195,7 @@
           <p:cNvPr id="53" name="Nome Claro">
             <a:extLst>
               <a:ext uri="{FF2B5EF4-FFF2-40B4-BE49-F238E27FC236}">
-                <a16:creationId xmlns:a16="http://schemas.microsoft.com/office/drawing/2014/main" id="{6ACDAC59-D870-405E-A9E4-37CBC9DBA88C}"/>
+                <a16:creationId xmlns="" xmlns:a16="http://schemas.microsoft.com/office/drawing/2014/main" id="{6ACDAC59-D870-405E-A9E4-37CBC9DBA88C}"/>
               </a:ext>
             </a:extLst>
           </p:cNvPr>
@@ -11158,7 +11235,7 @@
           <p:cNvPr id="54" name="Cargo Claro">
             <a:extLst>
               <a:ext uri="{FF2B5EF4-FFF2-40B4-BE49-F238E27FC236}">
-                <a16:creationId xmlns:a16="http://schemas.microsoft.com/office/drawing/2014/main" id="{4EDDE389-BA5C-49CA-B338-9444F230D8E0}"/>
+                <a16:creationId xmlns="" xmlns:a16="http://schemas.microsoft.com/office/drawing/2014/main" id="{4EDDE389-BA5C-49CA-B338-9444F230D8E0}"/>
               </a:ext>
             </a:extLst>
           </p:cNvPr>
@@ -11167,7 +11244,7 @@
         </p:nvSpPr>
         <p:spPr>
           <a:xfrm>
-            <a:off x="165544" y="6184790"/>
+            <a:off x="165544" y="6205522"/>
             <a:ext cx="3075756" cy="400110"/>
           </a:xfrm>
           <a:prstGeom prst="rect">
@@ -11198,7 +11275,7 @@
           <p:cNvPr id="35" name="Arthur">
             <a:extLst>
               <a:ext uri="{FF2B5EF4-FFF2-40B4-BE49-F238E27FC236}">
-                <a16:creationId xmlns:a16="http://schemas.microsoft.com/office/drawing/2014/main" id="{E85478C5-05B6-4A9C-AE5C-6FE5C4D6FF97}"/>
+                <a16:creationId xmlns="" xmlns:a16="http://schemas.microsoft.com/office/drawing/2014/main" id="{E85478C5-05B6-4A9C-AE5C-6FE5C4D6FF97}"/>
               </a:ext>
             </a:extLst>
           </p:cNvPr>
@@ -11260,7 +11337,7 @@
           <p:cNvPr id="36" name="Borda Arthur">
             <a:extLst>
               <a:ext uri="{FF2B5EF4-FFF2-40B4-BE49-F238E27FC236}">
-                <a16:creationId xmlns:a16="http://schemas.microsoft.com/office/drawing/2014/main" id="{4BFB2BFD-64C6-447D-8EB3-4F2FAB1A1B14}"/>
+                <a16:creationId xmlns="" xmlns:a16="http://schemas.microsoft.com/office/drawing/2014/main" id="{4BFB2BFD-64C6-447D-8EB3-4F2FAB1A1B14}"/>
               </a:ext>
             </a:extLst>
           </p:cNvPr>
@@ -11312,7 +11389,7 @@
           <p:cNvPr id="47" name="Nome Arthur">
             <a:extLst>
               <a:ext uri="{FF2B5EF4-FFF2-40B4-BE49-F238E27FC236}">
-                <a16:creationId xmlns:a16="http://schemas.microsoft.com/office/drawing/2014/main" id="{86ECFBA0-990F-441C-BA00-B2B741814357}"/>
+                <a16:creationId xmlns="" xmlns:a16="http://schemas.microsoft.com/office/drawing/2014/main" id="{86ECFBA0-990F-441C-BA00-B2B741814357}"/>
               </a:ext>
             </a:extLst>
           </p:cNvPr>
@@ -11370,7 +11447,7 @@
           <p:cNvPr id="48" name="Cargo Arthur">
             <a:extLst>
               <a:ext uri="{FF2B5EF4-FFF2-40B4-BE49-F238E27FC236}">
-                <a16:creationId xmlns:a16="http://schemas.microsoft.com/office/drawing/2014/main" id="{5B855DAC-A249-47D2-ACA4-E01733D7E2FB}"/>
+                <a16:creationId xmlns="" xmlns:a16="http://schemas.microsoft.com/office/drawing/2014/main" id="{5B855DAC-A249-47D2-ACA4-E01733D7E2FB}"/>
               </a:ext>
             </a:extLst>
           </p:cNvPr>
@@ -11410,7 +11487,7 @@
           <p:cNvPr id="37" name="Leoncio">
             <a:extLst>
               <a:ext uri="{FF2B5EF4-FFF2-40B4-BE49-F238E27FC236}">
-                <a16:creationId xmlns:a16="http://schemas.microsoft.com/office/drawing/2014/main" id="{FF7BBE41-DF70-47C2-A289-11E96EF93061}"/>
+                <a16:creationId xmlns="" xmlns:a16="http://schemas.microsoft.com/office/drawing/2014/main" id="{FF7BBE41-DF70-47C2-A289-11E96EF93061}"/>
               </a:ext>
             </a:extLst>
           </p:cNvPr>
@@ -11472,7 +11549,7 @@
           <p:cNvPr id="38" name="Borda Leoncio">
             <a:extLst>
               <a:ext uri="{FF2B5EF4-FFF2-40B4-BE49-F238E27FC236}">
-                <a16:creationId xmlns:a16="http://schemas.microsoft.com/office/drawing/2014/main" id="{E87BDF99-E56E-4E17-8944-B62328A985A8}"/>
+                <a16:creationId xmlns="" xmlns:a16="http://schemas.microsoft.com/office/drawing/2014/main" id="{E87BDF99-E56E-4E17-8944-B62328A985A8}"/>
               </a:ext>
             </a:extLst>
           </p:cNvPr>
@@ -11524,7 +11601,7 @@
           <p:cNvPr id="63" name="Faixa Lider">
             <a:extLst>
               <a:ext uri="{FF2B5EF4-FFF2-40B4-BE49-F238E27FC236}">
-                <a16:creationId xmlns:a16="http://schemas.microsoft.com/office/drawing/2014/main" id="{0E177877-E0B3-4785-A746-64F24BF9E1CE}"/>
+                <a16:creationId xmlns="" xmlns:a16="http://schemas.microsoft.com/office/drawing/2014/main" id="{0E177877-E0B3-4785-A746-64F24BF9E1CE}"/>
               </a:ext>
             </a:extLst>
           </p:cNvPr>
@@ -11540,12 +11617,9 @@
             <a:avLst/>
           </a:prstGeom>
           <a:noFill/>
-          <a:ln w="19050">
+          <a:ln w="76200">
             <a:solidFill>
-              <a:schemeClr val="tx1">
-                <a:lumMod val="85000"/>
-                <a:lumOff val="15000"/>
-              </a:schemeClr>
+              <a:srgbClr val="BFBFBF"/>
             </a:solidFill>
           </a:ln>
         </p:spPr>
@@ -11579,7 +11653,7 @@
           <p:cNvPr id="49" name="Nome Leoncio">
             <a:extLst>
               <a:ext uri="{FF2B5EF4-FFF2-40B4-BE49-F238E27FC236}">
-                <a16:creationId xmlns:a16="http://schemas.microsoft.com/office/drawing/2014/main" id="{AFC374AC-3DED-46C1-A6BE-E79B4751A2B5}"/>
+                <a16:creationId xmlns="" xmlns:a16="http://schemas.microsoft.com/office/drawing/2014/main" id="{AFC374AC-3DED-46C1-A6BE-E79B4751A2B5}"/>
               </a:ext>
             </a:extLst>
           </p:cNvPr>
@@ -11619,7 +11693,7 @@
           <p:cNvPr id="50" name="Cargo Leoncio">
             <a:extLst>
               <a:ext uri="{FF2B5EF4-FFF2-40B4-BE49-F238E27FC236}">
-                <a16:creationId xmlns:a16="http://schemas.microsoft.com/office/drawing/2014/main" id="{BF196676-E1CB-44D0-A304-1490D5B9F5F1}"/>
+                <a16:creationId xmlns="" xmlns:a16="http://schemas.microsoft.com/office/drawing/2014/main" id="{BF196676-E1CB-44D0-A304-1490D5B9F5F1}"/>
               </a:ext>
             </a:extLst>
           </p:cNvPr>
@@ -11671,7 +11745,7 @@
           <p:cNvPr id="39" name="Rick">
             <a:extLst>
               <a:ext uri="{FF2B5EF4-FFF2-40B4-BE49-F238E27FC236}">
-                <a16:creationId xmlns:a16="http://schemas.microsoft.com/office/drawing/2014/main" id="{CC76E951-4ABB-47AA-A00A-55DA1899C7F0}"/>
+                <a16:creationId xmlns="" xmlns:a16="http://schemas.microsoft.com/office/drawing/2014/main" id="{CC76E951-4ABB-47AA-A00A-55DA1899C7F0}"/>
               </a:ext>
             </a:extLst>
           </p:cNvPr>
@@ -11733,7 +11807,7 @@
           <p:cNvPr id="40" name="Borda Rick">
             <a:extLst>
               <a:ext uri="{FF2B5EF4-FFF2-40B4-BE49-F238E27FC236}">
-                <a16:creationId xmlns:a16="http://schemas.microsoft.com/office/drawing/2014/main" id="{8B2E5E6C-0026-4EF9-ACAB-B15B74A79DF3}"/>
+                <a16:creationId xmlns="" xmlns:a16="http://schemas.microsoft.com/office/drawing/2014/main" id="{8B2E5E6C-0026-4EF9-ACAB-B15B74A79DF3}"/>
               </a:ext>
             </a:extLst>
           </p:cNvPr>
@@ -11785,7 +11859,7 @@
           <p:cNvPr id="51" name="Nome Rick">
             <a:extLst>
               <a:ext uri="{FF2B5EF4-FFF2-40B4-BE49-F238E27FC236}">
-                <a16:creationId xmlns:a16="http://schemas.microsoft.com/office/drawing/2014/main" id="{C0559ECC-193C-4AA8-830F-B9A7F64B6D8E}"/>
+                <a16:creationId xmlns="" xmlns:a16="http://schemas.microsoft.com/office/drawing/2014/main" id="{C0559ECC-193C-4AA8-830F-B9A7F64B6D8E}"/>
               </a:ext>
             </a:extLst>
           </p:cNvPr>
@@ -11840,7 +11914,7 @@
           <p:cNvPr id="52" name="Cargo Rick">
             <a:extLst>
               <a:ext uri="{FF2B5EF4-FFF2-40B4-BE49-F238E27FC236}">
-                <a16:creationId xmlns:a16="http://schemas.microsoft.com/office/drawing/2014/main" id="{5A4EAFE1-C070-48E7-B97C-38080756F964}"/>
+                <a16:creationId xmlns="" xmlns:a16="http://schemas.microsoft.com/office/drawing/2014/main" id="{5A4EAFE1-C070-48E7-B97C-38080756F964}"/>
               </a:ext>
             </a:extLst>
           </p:cNvPr>
@@ -11880,7 +11954,7 @@
           <p:cNvPr id="41" name="Mateus">
             <a:extLst>
               <a:ext uri="{FF2B5EF4-FFF2-40B4-BE49-F238E27FC236}">
-                <a16:creationId xmlns:a16="http://schemas.microsoft.com/office/drawing/2014/main" id="{6332F0D2-7EB3-4516-AB42-A499C673887F}"/>
+                <a16:creationId xmlns="" xmlns:a16="http://schemas.microsoft.com/office/drawing/2014/main" id="{6332F0D2-7EB3-4516-AB42-A499C673887F}"/>
               </a:ext>
             </a:extLst>
           </p:cNvPr>
@@ -11942,7 +12016,7 @@
           <p:cNvPr id="42" name="Borda Mateus">
             <a:extLst>
               <a:ext uri="{FF2B5EF4-FFF2-40B4-BE49-F238E27FC236}">
-                <a16:creationId xmlns:a16="http://schemas.microsoft.com/office/drawing/2014/main" id="{63338D99-EAEE-487D-9205-FD9875B5CAE2}"/>
+                <a16:creationId xmlns="" xmlns:a16="http://schemas.microsoft.com/office/drawing/2014/main" id="{63338D99-EAEE-487D-9205-FD9875B5CAE2}"/>
               </a:ext>
             </a:extLst>
           </p:cNvPr>
@@ -11994,7 +12068,7 @@
           <p:cNvPr id="55" name="Nome Mateus">
             <a:extLst>
               <a:ext uri="{FF2B5EF4-FFF2-40B4-BE49-F238E27FC236}">
-                <a16:creationId xmlns:a16="http://schemas.microsoft.com/office/drawing/2014/main" id="{F6632649-A57C-4A10-B440-30C6B071C4B4}"/>
+                <a16:creationId xmlns="" xmlns:a16="http://schemas.microsoft.com/office/drawing/2014/main" id="{F6632649-A57C-4A10-B440-30C6B071C4B4}"/>
               </a:ext>
             </a:extLst>
           </p:cNvPr>
@@ -12034,7 +12108,7 @@
           <p:cNvPr id="56" name="Cargo Mateus">
             <a:extLst>
               <a:ext uri="{FF2B5EF4-FFF2-40B4-BE49-F238E27FC236}">
-                <a16:creationId xmlns:a16="http://schemas.microsoft.com/office/drawing/2014/main" id="{60897C58-11ED-46AF-A9C0-B8D5129899E4}"/>
+                <a16:creationId xmlns="" xmlns:a16="http://schemas.microsoft.com/office/drawing/2014/main" id="{60897C58-11ED-46AF-A9C0-B8D5129899E4}"/>
               </a:ext>
             </a:extLst>
           </p:cNvPr>
@@ -12043,8 +12117,8 @@
         </p:nvSpPr>
         <p:spPr>
           <a:xfrm>
-            <a:off x="3362576" y="6226255"/>
-            <a:ext cx="2778581" cy="400110"/>
+            <a:off x="3320898" y="6205522"/>
+            <a:ext cx="2861938" cy="400110"/>
           </a:xfrm>
           <a:prstGeom prst="rect">
             <a:avLst/>
@@ -12067,13 +12141,22 @@
               <a:t>Desenvolvedor </a:t>
             </a:r>
             <a:r>
-              <a:rPr lang="pt-BR" sz="2000" dirty="0" err="1">
+              <a:rPr lang="pt-BR" sz="2000" dirty="0" smtClean="0">
                 <a:solidFill>
                   <a:schemeClr val="bg1"/>
                 </a:solidFill>
                 <a:latin typeface="Gill Sans MT" panose="020B0502020104020203" pitchFamily="34" charset="0"/>
               </a:rPr>
-              <a:t>Frontend</a:t>
+              <a:t>Front-</a:t>
+            </a:r>
+            <a:r>
+              <a:rPr lang="pt-BR" sz="2000" dirty="0" err="1" smtClean="0">
+                <a:solidFill>
+                  <a:schemeClr val="bg1"/>
+                </a:solidFill>
+                <a:latin typeface="Gill Sans MT" panose="020B0502020104020203" pitchFamily="34" charset="0"/>
+              </a:rPr>
+              <a:t>end</a:t>
             </a:r>
             <a:endParaRPr lang="pt-BR" sz="2000" dirty="0">
               <a:solidFill>
@@ -12089,7 +12172,7 @@
           <p:cNvPr id="43" name="Samuel">
             <a:extLst>
               <a:ext uri="{FF2B5EF4-FFF2-40B4-BE49-F238E27FC236}">
-                <a16:creationId xmlns:a16="http://schemas.microsoft.com/office/drawing/2014/main" id="{2C6E28AD-36CA-4451-92D7-F6E9D880E72C}"/>
+                <a16:creationId xmlns="" xmlns:a16="http://schemas.microsoft.com/office/drawing/2014/main" id="{2C6E28AD-36CA-4451-92D7-F6E9D880E72C}"/>
               </a:ext>
             </a:extLst>
           </p:cNvPr>
@@ -12151,7 +12234,7 @@
           <p:cNvPr id="44" name="Borda Samuel">
             <a:extLst>
               <a:ext uri="{FF2B5EF4-FFF2-40B4-BE49-F238E27FC236}">
-                <a16:creationId xmlns:a16="http://schemas.microsoft.com/office/drawing/2014/main" id="{5EC551EF-9317-4265-AACD-9EA68EEAC0E5}"/>
+                <a16:creationId xmlns="" xmlns:a16="http://schemas.microsoft.com/office/drawing/2014/main" id="{5EC551EF-9317-4265-AACD-9EA68EEAC0E5}"/>
               </a:ext>
             </a:extLst>
           </p:cNvPr>
@@ -12203,7 +12286,7 @@
           <p:cNvPr id="57" name="Nome Samuel">
             <a:extLst>
               <a:ext uri="{FF2B5EF4-FFF2-40B4-BE49-F238E27FC236}">
-                <a16:creationId xmlns:a16="http://schemas.microsoft.com/office/drawing/2014/main" id="{984AFBB9-2273-4C93-A3FC-206DAC991191}"/>
+                <a16:creationId xmlns="" xmlns:a16="http://schemas.microsoft.com/office/drawing/2014/main" id="{984AFBB9-2273-4C93-A3FC-206DAC991191}"/>
               </a:ext>
             </a:extLst>
           </p:cNvPr>
@@ -12258,7 +12341,7 @@
           <p:cNvPr id="58" name="Cargo Samuel">
             <a:extLst>
               <a:ext uri="{FF2B5EF4-FFF2-40B4-BE49-F238E27FC236}">
-                <a16:creationId xmlns:a16="http://schemas.microsoft.com/office/drawing/2014/main" id="{32C676BF-7513-4357-9232-EE3DF932C39C}"/>
+                <a16:creationId xmlns="" xmlns:a16="http://schemas.microsoft.com/office/drawing/2014/main" id="{32C676BF-7513-4357-9232-EE3DF932C39C}"/>
               </a:ext>
             </a:extLst>
           </p:cNvPr>
@@ -12267,8 +12350,8 @@
         </p:nvSpPr>
         <p:spPr>
           <a:xfrm>
-            <a:off x="6389531" y="6226255"/>
-            <a:ext cx="2690801" cy="400110"/>
+            <a:off x="6344038" y="6205522"/>
+            <a:ext cx="2781787" cy="400110"/>
           </a:xfrm>
           <a:prstGeom prst="rect">
             <a:avLst/>
@@ -12291,13 +12374,22 @@
               <a:t>Desenvolvedor </a:t>
             </a:r>
             <a:r>
-              <a:rPr lang="pt-BR" sz="2000" dirty="0" err="1">
+              <a:rPr lang="pt-BR" sz="2000" dirty="0" smtClean="0">
                 <a:solidFill>
                   <a:schemeClr val="bg1"/>
                 </a:solidFill>
                 <a:latin typeface="Gill Sans MT" panose="020B0502020104020203" pitchFamily="34" charset="0"/>
               </a:rPr>
-              <a:t>Backend</a:t>
+              <a:t>Back-</a:t>
+            </a:r>
+            <a:r>
+              <a:rPr lang="pt-BR" sz="2000" dirty="0" err="1" smtClean="0">
+                <a:solidFill>
+                  <a:schemeClr val="bg1"/>
+                </a:solidFill>
+                <a:latin typeface="Gill Sans MT" panose="020B0502020104020203" pitchFamily="34" charset="0"/>
+              </a:rPr>
+              <a:t>end</a:t>
             </a:r>
             <a:endParaRPr lang="pt-BR" sz="2000" dirty="0"/>
           </a:p>
@@ -12308,7 +12400,7 @@
           <p:cNvPr id="45" name="Vitor">
             <a:extLst>
               <a:ext uri="{FF2B5EF4-FFF2-40B4-BE49-F238E27FC236}">
-                <a16:creationId xmlns:a16="http://schemas.microsoft.com/office/drawing/2014/main" id="{16F4BA43-6A50-4388-892A-1979291B9AE3}"/>
+                <a16:creationId xmlns="" xmlns:a16="http://schemas.microsoft.com/office/drawing/2014/main" id="{16F4BA43-6A50-4388-892A-1979291B9AE3}"/>
               </a:ext>
             </a:extLst>
           </p:cNvPr>
@@ -12370,7 +12462,7 @@
           <p:cNvPr id="46" name="Borda Vitor">
             <a:extLst>
               <a:ext uri="{FF2B5EF4-FFF2-40B4-BE49-F238E27FC236}">
-                <a16:creationId xmlns:a16="http://schemas.microsoft.com/office/drawing/2014/main" id="{80F5A320-214B-4ECB-A6F9-8FD22F50517E}"/>
+                <a16:creationId xmlns="" xmlns:a16="http://schemas.microsoft.com/office/drawing/2014/main" id="{80F5A320-214B-4ECB-A6F9-8FD22F50517E}"/>
               </a:ext>
             </a:extLst>
           </p:cNvPr>
@@ -12422,7 +12514,7 @@
           <p:cNvPr id="59" name="Nome Vitor">
             <a:extLst>
               <a:ext uri="{FF2B5EF4-FFF2-40B4-BE49-F238E27FC236}">
-                <a16:creationId xmlns:a16="http://schemas.microsoft.com/office/drawing/2014/main" id="{487BB8CC-E413-451C-86F9-7A5E1DE05176}"/>
+                <a16:creationId xmlns="" xmlns:a16="http://schemas.microsoft.com/office/drawing/2014/main" id="{487BB8CC-E413-451C-86F9-7A5E1DE05176}"/>
               </a:ext>
             </a:extLst>
           </p:cNvPr>
@@ -12431,8 +12523,8 @@
         </p:nvSpPr>
         <p:spPr>
           <a:xfrm>
-            <a:off x="9568610" y="5981659"/>
-            <a:ext cx="2134623" cy="400110"/>
+            <a:off x="9624715" y="5981659"/>
+            <a:ext cx="2022413" cy="400110"/>
           </a:xfrm>
           <a:prstGeom prst="rect">
             <a:avLst/>
@@ -12446,13 +12538,22 @@
           <a:p>
             <a:pPr algn="ctr"/>
             <a:r>
+              <a:rPr lang="pt-BR" sz="2000" dirty="0" smtClean="0">
+                <a:solidFill>
+                  <a:schemeClr val="accent6"/>
+                </a:solidFill>
+                <a:latin typeface="Gill Sans MT" panose="020B0502020104020203" pitchFamily="34" charset="0"/>
+              </a:rPr>
+              <a:t>Vitor </a:t>
+            </a:r>
+            <a:r>
               <a:rPr lang="pt-BR" sz="2000" dirty="0">
                 <a:solidFill>
                   <a:schemeClr val="accent6"/>
                 </a:solidFill>
                 <a:latin typeface="Gill Sans MT" panose="020B0502020104020203" pitchFamily="34" charset="0"/>
               </a:rPr>
-              <a:t>Victor Hugo Marin</a:t>
+              <a:t>Hugo Marin</a:t>
             </a:r>
           </a:p>
         </p:txBody>
@@ -12462,7 +12563,7 @@
           <p:cNvPr id="60" name="Cargo Vitor">
             <a:extLst>
               <a:ext uri="{FF2B5EF4-FFF2-40B4-BE49-F238E27FC236}">
-                <a16:creationId xmlns:a16="http://schemas.microsoft.com/office/drawing/2014/main" id="{32CA3CE7-EEA9-41A8-B1F4-E835CCC5A2F3}"/>
+                <a16:creationId xmlns="" xmlns:a16="http://schemas.microsoft.com/office/drawing/2014/main" id="{32CA3CE7-EEA9-41A8-B1F4-E835CCC5A2F3}"/>
               </a:ext>
             </a:extLst>
           </p:cNvPr>
@@ -12471,7 +12572,7 @@
         </p:nvSpPr>
         <p:spPr>
           <a:xfrm>
-            <a:off x="9370061" y="6226255"/>
+            <a:off x="9370061" y="6205522"/>
             <a:ext cx="2531720" cy="400110"/>
           </a:xfrm>
           <a:prstGeom prst="rect">
@@ -12667,7 +12768,7 @@
                                 </p:cTn>
                               </p:par>
                               <p:par>
-                                <p:cTn id="17" presetID="10" presetClass="entr" presetSubtype="0" fill="hold" grpId="0" nodeType="withEffect">
+                                <p:cTn id="17" presetID="21" presetClass="entr" presetSubtype="2" fill="hold" grpId="0" nodeType="withEffect">
                                   <p:stCondLst>
                                     <p:cond delay="0"/>
                                   </p:stCondLst>
@@ -12680,7 +12781,7 @@
                                           </p:stCondLst>
                                         </p:cTn>
                                         <p:tgtEl>
-                                          <p:spTgt spid="63"/>
+                                          <p:spTgt spid="38"/>
                                         </p:tgtEl>
                                         <p:attrNameLst>
                                           <p:attrName>style.visibility</p:attrName>
@@ -12690,11 +12791,11 @@
                                         <p:strVal val="visible"/>
                                       </p:to>
                                     </p:set>
-                                    <p:animEffect transition="in" filter="fade">
-                                      <p:cBhvr>
-                                        <p:cTn id="19" dur="500"/>
-                                        <p:tgtEl>
-                                          <p:spTgt spid="63"/>
+                                    <p:animEffect transition="in" filter="wheel(2)">
+                                      <p:cBhvr>
+                                        <p:cTn id="19" dur="2500"/>
+                                        <p:tgtEl>
+                                          <p:spTgt spid="38"/>
                                         </p:tgtEl>
                                       </p:cBhvr>
                                     </p:animEffect>
@@ -12715,7 +12816,7 @@
                                           </p:stCondLst>
                                         </p:cTn>
                                         <p:tgtEl>
-                                          <p:spTgt spid="38"/>
+                                          <p:spTgt spid="42"/>
                                         </p:tgtEl>
                                         <p:attrNameLst>
                                           <p:attrName>style.visibility</p:attrName>
@@ -12729,7 +12830,7 @@
                                       <p:cBhvr>
                                         <p:cTn id="22" dur="2500"/>
                                         <p:tgtEl>
-                                          <p:spTgt spid="38"/>
+                                          <p:spTgt spid="42"/>
                                         </p:tgtEl>
                                       </p:cBhvr>
                                     </p:animEffect>
@@ -12750,7 +12851,7 @@
                                           </p:stCondLst>
                                         </p:cTn>
                                         <p:tgtEl>
-                                          <p:spTgt spid="42"/>
+                                          <p:spTgt spid="44"/>
                                         </p:tgtEl>
                                         <p:attrNameLst>
                                           <p:attrName>style.visibility</p:attrName>
@@ -12764,7 +12865,7 @@
                                       <p:cBhvr>
                                         <p:cTn id="25" dur="2500"/>
                                         <p:tgtEl>
-                                          <p:spTgt spid="42"/>
+                                          <p:spTgt spid="44"/>
                                         </p:tgtEl>
                                       </p:cBhvr>
                                     </p:animEffect>
@@ -12785,7 +12886,7 @@
                                           </p:stCondLst>
                                         </p:cTn>
                                         <p:tgtEl>
-                                          <p:spTgt spid="44"/>
+                                          <p:spTgt spid="40"/>
                                         </p:tgtEl>
                                         <p:attrNameLst>
                                           <p:attrName>style.visibility</p:attrName>
@@ -12799,7 +12900,7 @@
                                       <p:cBhvr>
                                         <p:cTn id="28" dur="2500"/>
                                         <p:tgtEl>
-                                          <p:spTgt spid="44"/>
+                                          <p:spTgt spid="40"/>
                                         </p:tgtEl>
                                       </p:cBhvr>
                                     </p:animEffect>
@@ -12820,7 +12921,7 @@
                                           </p:stCondLst>
                                         </p:cTn>
                                         <p:tgtEl>
-                                          <p:spTgt spid="40"/>
+                                          <p:spTgt spid="46"/>
                                         </p:tgtEl>
                                         <p:attrNameLst>
                                           <p:attrName>style.visibility</p:attrName>
@@ -12834,7 +12935,7 @@
                                       <p:cBhvr>
                                         <p:cTn id="31" dur="2500"/>
                                         <p:tgtEl>
-                                          <p:spTgt spid="40"/>
+                                          <p:spTgt spid="46"/>
                                         </p:tgtEl>
                                       </p:cBhvr>
                                     </p:animEffect>
@@ -12842,7 +12943,7 @@
                                 </p:cTn>
                               </p:par>
                               <p:par>
-                                <p:cTn id="32" presetID="21" presetClass="entr" presetSubtype="2" fill="hold" grpId="0" nodeType="withEffect">
+                                <p:cTn id="32" presetID="10" presetClass="entr" presetSubtype="0" fill="hold" grpId="0" nodeType="withEffect">
                                   <p:stCondLst>
                                     <p:cond delay="0"/>
                                   </p:stCondLst>
@@ -12855,7 +12956,7 @@
                                           </p:stCondLst>
                                         </p:cTn>
                                         <p:tgtEl>
-                                          <p:spTgt spid="46"/>
+                                          <p:spTgt spid="35"/>
                                         </p:tgtEl>
                                         <p:attrNameLst>
                                           <p:attrName>style.visibility</p:attrName>
@@ -12865,11 +12966,11 @@
                                         <p:strVal val="visible"/>
                                       </p:to>
                                     </p:set>
-                                    <p:animEffect transition="in" filter="wheel(2)">
-                                      <p:cBhvr>
-                                        <p:cTn id="34" dur="2500"/>
-                                        <p:tgtEl>
-                                          <p:spTgt spid="46"/>
+                                    <p:animEffect transition="in" filter="fade">
+                                      <p:cBhvr>
+                                        <p:cTn id="34" dur="750"/>
+                                        <p:tgtEl>
+                                          <p:spTgt spid="35"/>
                                         </p:tgtEl>
                                       </p:cBhvr>
                                     </p:animEffect>
@@ -12890,7 +12991,7 @@
                                           </p:stCondLst>
                                         </p:cTn>
                                         <p:tgtEl>
-                                          <p:spTgt spid="35"/>
+                                          <p:spTgt spid="37"/>
                                         </p:tgtEl>
                                         <p:attrNameLst>
                                           <p:attrName>style.visibility</p:attrName>
@@ -12904,7 +13005,7 @@
                                       <p:cBhvr>
                                         <p:cTn id="37" dur="750"/>
                                         <p:tgtEl>
-                                          <p:spTgt spid="35"/>
+                                          <p:spTgt spid="37"/>
                                         </p:tgtEl>
                                       </p:cBhvr>
                                     </p:animEffect>
@@ -12925,7 +13026,7 @@
                                           </p:stCondLst>
                                         </p:cTn>
                                         <p:tgtEl>
-                                          <p:spTgt spid="37"/>
+                                          <p:spTgt spid="39"/>
                                         </p:tgtEl>
                                         <p:attrNameLst>
                                           <p:attrName>style.visibility</p:attrName>
@@ -12939,7 +13040,7 @@
                                       <p:cBhvr>
                                         <p:cTn id="40" dur="750"/>
                                         <p:tgtEl>
-                                          <p:spTgt spid="37"/>
+                                          <p:spTgt spid="39"/>
                                         </p:tgtEl>
                                       </p:cBhvr>
                                     </p:animEffect>
@@ -12960,7 +13061,7 @@
                                           </p:stCondLst>
                                         </p:cTn>
                                         <p:tgtEl>
-                                          <p:spTgt spid="39"/>
+                                          <p:spTgt spid="45"/>
                                         </p:tgtEl>
                                         <p:attrNameLst>
                                           <p:attrName>style.visibility</p:attrName>
@@ -12974,7 +13075,7 @@
                                       <p:cBhvr>
                                         <p:cTn id="43" dur="750"/>
                                         <p:tgtEl>
-                                          <p:spTgt spid="39"/>
+                                          <p:spTgt spid="45"/>
                                         </p:tgtEl>
                                       </p:cBhvr>
                                     </p:animEffect>
@@ -12995,7 +13096,7 @@
                                           </p:stCondLst>
                                         </p:cTn>
                                         <p:tgtEl>
-                                          <p:spTgt spid="45"/>
+                                          <p:spTgt spid="43"/>
                                         </p:tgtEl>
                                         <p:attrNameLst>
                                           <p:attrName>style.visibility</p:attrName>
@@ -13009,7 +13110,7 @@
                                       <p:cBhvr>
                                         <p:cTn id="46" dur="750"/>
                                         <p:tgtEl>
-                                          <p:spTgt spid="45"/>
+                                          <p:spTgt spid="43"/>
                                         </p:tgtEl>
                                       </p:cBhvr>
                                     </p:animEffect>
@@ -13030,7 +13131,7 @@
                                           </p:stCondLst>
                                         </p:cTn>
                                         <p:tgtEl>
-                                          <p:spTgt spid="43"/>
+                                          <p:spTgt spid="41"/>
                                         </p:tgtEl>
                                         <p:attrNameLst>
                                           <p:attrName>style.visibility</p:attrName>
@@ -13044,7 +13145,7 @@
                                       <p:cBhvr>
                                         <p:cTn id="49" dur="750"/>
                                         <p:tgtEl>
-                                          <p:spTgt spid="43"/>
+                                          <p:spTgt spid="41"/>
                                         </p:tgtEl>
                                       </p:cBhvr>
                                     </p:animEffect>
@@ -13065,7 +13166,7 @@
                                           </p:stCondLst>
                                         </p:cTn>
                                         <p:tgtEl>
-                                          <p:spTgt spid="41"/>
+                                          <p:spTgt spid="25"/>
                                         </p:tgtEl>
                                         <p:attrNameLst>
                                           <p:attrName>style.visibility</p:attrName>
@@ -13079,7 +13180,7 @@
                                       <p:cBhvr>
                                         <p:cTn id="52" dur="750"/>
                                         <p:tgtEl>
-                                          <p:spTgt spid="41"/>
+                                          <p:spTgt spid="25"/>
                                         </p:tgtEl>
                                       </p:cBhvr>
                                     </p:animEffect>
@@ -13087,7 +13188,7 @@
                                 </p:cTn>
                               </p:par>
                               <p:par>
-                                <p:cTn id="53" presetID="10" presetClass="entr" presetSubtype="0" fill="hold" grpId="0" nodeType="withEffect">
+                                <p:cTn id="53" presetID="22" presetClass="entr" presetSubtype="8" fill="hold" grpId="0" nodeType="withEffect">
                                   <p:stCondLst>
                                     <p:cond delay="0"/>
                                   </p:stCondLst>
@@ -13100,7 +13201,7 @@
                                           </p:stCondLst>
                                         </p:cTn>
                                         <p:tgtEl>
-                                          <p:spTgt spid="25"/>
+                                          <p:spTgt spid="47"/>
                                         </p:tgtEl>
                                         <p:attrNameLst>
                                           <p:attrName>style.visibility</p:attrName>
@@ -13110,11 +13211,11 @@
                                         <p:strVal val="visible"/>
                                       </p:to>
                                     </p:set>
-                                    <p:animEffect transition="in" filter="fade">
+                                    <p:animEffect transition="in" filter="wipe(left)">
                                       <p:cBhvr>
                                         <p:cTn id="55" dur="750"/>
                                         <p:tgtEl>
-                                          <p:spTgt spid="25"/>
+                                          <p:spTgt spid="47"/>
                                         </p:tgtEl>
                                       </p:cBhvr>
                                     </p:animEffect>
@@ -13135,7 +13236,7 @@
                                           </p:stCondLst>
                                         </p:cTn>
                                         <p:tgtEl>
-                                          <p:spTgt spid="47"/>
+                                          <p:spTgt spid="48"/>
                                         </p:tgtEl>
                                         <p:attrNameLst>
                                           <p:attrName>style.visibility</p:attrName>
@@ -13149,7 +13250,7 @@
                                       <p:cBhvr>
                                         <p:cTn id="58" dur="750"/>
                                         <p:tgtEl>
-                                          <p:spTgt spid="47"/>
+                                          <p:spTgt spid="48"/>
                                         </p:tgtEl>
                                       </p:cBhvr>
                                     </p:animEffect>
@@ -13170,7 +13271,7 @@
                                           </p:stCondLst>
                                         </p:cTn>
                                         <p:tgtEl>
-                                          <p:spTgt spid="48"/>
+                                          <p:spTgt spid="49"/>
                                         </p:tgtEl>
                                         <p:attrNameLst>
                                           <p:attrName>style.visibility</p:attrName>
@@ -13184,7 +13285,7 @@
                                       <p:cBhvr>
                                         <p:cTn id="61" dur="750"/>
                                         <p:tgtEl>
-                                          <p:spTgt spid="48"/>
+                                          <p:spTgt spid="49"/>
                                         </p:tgtEl>
                                       </p:cBhvr>
                                     </p:animEffect>
@@ -13205,7 +13306,7 @@
                                           </p:stCondLst>
                                         </p:cTn>
                                         <p:tgtEl>
-                                          <p:spTgt spid="49"/>
+                                          <p:spTgt spid="50"/>
                                         </p:tgtEl>
                                         <p:attrNameLst>
                                           <p:attrName>style.visibility</p:attrName>
@@ -13219,7 +13320,7 @@
                                       <p:cBhvr>
                                         <p:cTn id="64" dur="750"/>
                                         <p:tgtEl>
-                                          <p:spTgt spid="49"/>
+                                          <p:spTgt spid="50"/>
                                         </p:tgtEl>
                                       </p:cBhvr>
                                     </p:animEffect>
@@ -13240,7 +13341,7 @@
                                           </p:stCondLst>
                                         </p:cTn>
                                         <p:tgtEl>
-                                          <p:spTgt spid="50"/>
+                                          <p:spTgt spid="51"/>
                                         </p:tgtEl>
                                         <p:attrNameLst>
                                           <p:attrName>style.visibility</p:attrName>
@@ -13254,7 +13355,7 @@
                                       <p:cBhvr>
                                         <p:cTn id="67" dur="750"/>
                                         <p:tgtEl>
-                                          <p:spTgt spid="50"/>
+                                          <p:spTgt spid="51"/>
                                         </p:tgtEl>
                                       </p:cBhvr>
                                     </p:animEffect>
@@ -13275,7 +13376,7 @@
                                           </p:stCondLst>
                                         </p:cTn>
                                         <p:tgtEl>
-                                          <p:spTgt spid="51"/>
+                                          <p:spTgt spid="52"/>
                                         </p:tgtEl>
                                         <p:attrNameLst>
                                           <p:attrName>style.visibility</p:attrName>
@@ -13289,7 +13390,7 @@
                                       <p:cBhvr>
                                         <p:cTn id="70" dur="750"/>
                                         <p:tgtEl>
-                                          <p:spTgt spid="51"/>
+                                          <p:spTgt spid="52"/>
                                         </p:tgtEl>
                                       </p:cBhvr>
                                     </p:animEffect>
@@ -13310,7 +13411,7 @@
                                           </p:stCondLst>
                                         </p:cTn>
                                         <p:tgtEl>
-                                          <p:spTgt spid="52"/>
+                                          <p:spTgt spid="53"/>
                                         </p:tgtEl>
                                         <p:attrNameLst>
                                           <p:attrName>style.visibility</p:attrName>
@@ -13324,7 +13425,7 @@
                                       <p:cBhvr>
                                         <p:cTn id="73" dur="750"/>
                                         <p:tgtEl>
-                                          <p:spTgt spid="52"/>
+                                          <p:spTgt spid="53"/>
                                         </p:tgtEl>
                                       </p:cBhvr>
                                     </p:animEffect>
@@ -13345,7 +13446,7 @@
                                           </p:stCondLst>
                                         </p:cTn>
                                         <p:tgtEl>
-                                          <p:spTgt spid="53"/>
+                                          <p:spTgt spid="54"/>
                                         </p:tgtEl>
                                         <p:attrNameLst>
                                           <p:attrName>style.visibility</p:attrName>
@@ -13359,7 +13460,7 @@
                                       <p:cBhvr>
                                         <p:cTn id="76" dur="750"/>
                                         <p:tgtEl>
-                                          <p:spTgt spid="53"/>
+                                          <p:spTgt spid="54"/>
                                         </p:tgtEl>
                                       </p:cBhvr>
                                     </p:animEffect>
@@ -13380,7 +13481,7 @@
                                           </p:stCondLst>
                                         </p:cTn>
                                         <p:tgtEl>
-                                          <p:spTgt spid="54"/>
+                                          <p:spTgt spid="55"/>
                                         </p:tgtEl>
                                         <p:attrNameLst>
                                           <p:attrName>style.visibility</p:attrName>
@@ -13394,7 +13495,7 @@
                                       <p:cBhvr>
                                         <p:cTn id="79" dur="750"/>
                                         <p:tgtEl>
-                                          <p:spTgt spid="54"/>
+                                          <p:spTgt spid="55"/>
                                         </p:tgtEl>
                                       </p:cBhvr>
                                     </p:animEffect>
@@ -13415,7 +13516,7 @@
                                           </p:stCondLst>
                                         </p:cTn>
                                         <p:tgtEl>
-                                          <p:spTgt spid="55"/>
+                                          <p:spTgt spid="56"/>
                                         </p:tgtEl>
                                         <p:attrNameLst>
                                           <p:attrName>style.visibility</p:attrName>
@@ -13429,7 +13530,7 @@
                                       <p:cBhvr>
                                         <p:cTn id="82" dur="750"/>
                                         <p:tgtEl>
-                                          <p:spTgt spid="55"/>
+                                          <p:spTgt spid="56"/>
                                         </p:tgtEl>
                                       </p:cBhvr>
                                     </p:animEffect>
@@ -13450,7 +13551,7 @@
                                           </p:stCondLst>
                                         </p:cTn>
                                         <p:tgtEl>
-                                          <p:spTgt spid="56"/>
+                                          <p:spTgt spid="57"/>
                                         </p:tgtEl>
                                         <p:attrNameLst>
                                           <p:attrName>style.visibility</p:attrName>
@@ -13464,7 +13565,7 @@
                                       <p:cBhvr>
                                         <p:cTn id="85" dur="750"/>
                                         <p:tgtEl>
-                                          <p:spTgt spid="56"/>
+                                          <p:spTgt spid="57"/>
                                         </p:tgtEl>
                                       </p:cBhvr>
                                     </p:animEffect>
@@ -13485,7 +13586,7 @@
                                           </p:stCondLst>
                                         </p:cTn>
                                         <p:tgtEl>
-                                          <p:spTgt spid="57"/>
+                                          <p:spTgt spid="58"/>
                                         </p:tgtEl>
                                         <p:attrNameLst>
                                           <p:attrName>style.visibility</p:attrName>
@@ -13499,7 +13600,7 @@
                                       <p:cBhvr>
                                         <p:cTn id="88" dur="750"/>
                                         <p:tgtEl>
-                                          <p:spTgt spid="57"/>
+                                          <p:spTgt spid="58"/>
                                         </p:tgtEl>
                                       </p:cBhvr>
                                     </p:animEffect>
@@ -13520,7 +13621,7 @@
                                           </p:stCondLst>
                                         </p:cTn>
                                         <p:tgtEl>
-                                          <p:spTgt spid="58"/>
+                                          <p:spTgt spid="59"/>
                                         </p:tgtEl>
                                         <p:attrNameLst>
                                           <p:attrName>style.visibility</p:attrName>
@@ -13534,7 +13635,7 @@
                                       <p:cBhvr>
                                         <p:cTn id="91" dur="750"/>
                                         <p:tgtEl>
-                                          <p:spTgt spid="58"/>
+                                          <p:spTgt spid="59"/>
                                         </p:tgtEl>
                                       </p:cBhvr>
                                     </p:animEffect>
@@ -13555,7 +13656,7 @@
                                           </p:stCondLst>
                                         </p:cTn>
                                         <p:tgtEl>
-                                          <p:spTgt spid="59"/>
+                                          <p:spTgt spid="60"/>
                                         </p:tgtEl>
                                         <p:attrNameLst>
                                           <p:attrName>style.visibility</p:attrName>
@@ -13569,28 +13670,37 @@
                                       <p:cBhvr>
                                         <p:cTn id="94" dur="750"/>
                                         <p:tgtEl>
-                                          <p:spTgt spid="59"/>
+                                          <p:spTgt spid="60"/>
                                         </p:tgtEl>
                                       </p:cBhvr>
                                     </p:animEffect>
                                   </p:childTnLst>
                                 </p:cTn>
                               </p:par>
+                            </p:childTnLst>
+                          </p:cTn>
+                        </p:par>
+                        <p:par>
+                          <p:cTn id="95" fill="hold">
+                            <p:stCondLst>
+                              <p:cond delay="3500"/>
+                            </p:stCondLst>
+                            <p:childTnLst>
                               <p:par>
-                                <p:cTn id="95" presetID="22" presetClass="entr" presetSubtype="8" fill="hold" grpId="0" nodeType="withEffect">
+                                <p:cTn id="96" presetID="21" presetClass="entr" presetSubtype="2" fill="hold" grpId="0" nodeType="afterEffect">
                                   <p:stCondLst>
                                     <p:cond delay="0"/>
                                   </p:stCondLst>
                                   <p:childTnLst>
                                     <p:set>
                                       <p:cBhvr>
-                                        <p:cTn id="96" dur="1" fill="hold">
+                                        <p:cTn id="97" dur="1" fill="hold">
                                           <p:stCondLst>
                                             <p:cond delay="0"/>
                                           </p:stCondLst>
                                         </p:cTn>
                                         <p:tgtEl>
-                                          <p:spTgt spid="60"/>
+                                          <p:spTgt spid="63"/>
                                         </p:tgtEl>
                                         <p:attrNameLst>
                                           <p:attrName>style.visibility</p:attrName>
@@ -13600,11 +13710,11 @@
                                         <p:strVal val="visible"/>
                                       </p:to>
                                     </p:set>
-                                    <p:animEffect transition="in" filter="wipe(left)">
-                                      <p:cBhvr>
-                                        <p:cTn id="97" dur="750"/>
-                                        <p:tgtEl>
-                                          <p:spTgt spid="60"/>
+                                    <p:animEffect transition="in" filter="wheel(2)">
+                                      <p:cBhvr>
+                                        <p:cTn id="98" dur="1000"/>
+                                        <p:tgtEl>
+                                          <p:spTgt spid="63"/>
                                         </p:tgtEl>
                                       </p:cBhvr>
                                     </p:animEffect>
@@ -13697,7 +13807,7 @@
           <p:cNvPr id="2" name="Fundo">
             <a:extLst>
               <a:ext uri="{FF2B5EF4-FFF2-40B4-BE49-F238E27FC236}">
-                <a16:creationId xmlns:a16="http://schemas.microsoft.com/office/drawing/2014/main" id="{649B9AC2-F566-4500-88E6-A36BAE3813EB}"/>
+                <a16:creationId xmlns="" xmlns:a16="http://schemas.microsoft.com/office/drawing/2014/main" id="{649B9AC2-F566-4500-88E6-A36BAE3813EB}"/>
               </a:ext>
             </a:extLst>
           </p:cNvPr>
@@ -13763,7 +13873,7 @@
           <p:cNvPr id="3" name="VidroVerde">
             <a:extLst>
               <a:ext uri="{FF2B5EF4-FFF2-40B4-BE49-F238E27FC236}">
-                <a16:creationId xmlns:a16="http://schemas.microsoft.com/office/drawing/2014/main" id="{0D1BD859-E516-43A9-AE0B-C8269D6F6D3B}"/>
+                <a16:creationId xmlns="" xmlns:a16="http://schemas.microsoft.com/office/drawing/2014/main" id="{0D1BD859-E516-43A9-AE0B-C8269D6F6D3B}"/>
               </a:ext>
             </a:extLst>
           </p:cNvPr>
@@ -13828,7 +13938,7 @@
           <p:cNvPr id="4" name="FundoFake">
             <a:extLst>
               <a:ext uri="{FF2B5EF4-FFF2-40B4-BE49-F238E27FC236}">
-                <a16:creationId xmlns:a16="http://schemas.microsoft.com/office/drawing/2014/main" id="{6EF421BC-C763-44BB-98FF-950BE0C31476}"/>
+                <a16:creationId xmlns="" xmlns:a16="http://schemas.microsoft.com/office/drawing/2014/main" id="{6EF421BC-C763-44BB-98FF-950BE0C31476}"/>
               </a:ext>
             </a:extLst>
           </p:cNvPr>
@@ -13972,7 +14082,7 @@
           <p:cNvPr id="6" name="Logo" descr="https://cdn.discordapp.com/attachments/307246776547540992/483428058221641740/o_cucao_ta_de_pika_dura_uhuuuuuuuuuuuuuuuuuuuuu.png">
             <a:extLst>
               <a:ext uri="{FF2B5EF4-FFF2-40B4-BE49-F238E27FC236}">
-                <a16:creationId xmlns:a16="http://schemas.microsoft.com/office/drawing/2014/main" id="{B179DD2A-FF3E-4C0C-994F-974A51DF564F}"/>
+                <a16:creationId xmlns="" xmlns:a16="http://schemas.microsoft.com/office/drawing/2014/main" id="{B179DD2A-FF3E-4C0C-994F-974A51DF564F}"/>
               </a:ext>
             </a:extLst>
           </p:cNvPr>
@@ -14026,7 +14136,7 @@
           <p:cNvPr id="7" name="TextoCinza">
             <a:extLst>
               <a:ext uri="{FF2B5EF4-FFF2-40B4-BE49-F238E27FC236}">
-                <a16:creationId xmlns:a16="http://schemas.microsoft.com/office/drawing/2014/main" id="{2BBFB3B2-B9C2-434C-8BB0-59A2D59EDC7E}"/>
+                <a16:creationId xmlns="" xmlns:a16="http://schemas.microsoft.com/office/drawing/2014/main" id="{2BBFB3B2-B9C2-434C-8BB0-59A2D59EDC7E}"/>
               </a:ext>
             </a:extLst>
           </p:cNvPr>
@@ -14035,7 +14145,7 @@
         </p:nvSpPr>
         <p:spPr>
           <a:xfrm>
-            <a:off x="3816284" y="3888694"/>
+            <a:off x="3816284" y="3793444"/>
             <a:ext cx="4559431" cy="1569660"/>
           </a:xfrm>
           <a:prstGeom prst="rect">
@@ -14071,7 +14181,7 @@
           <p:cNvPr id="8" name="TextoVerde">
             <a:extLst>
               <a:ext uri="{FF2B5EF4-FFF2-40B4-BE49-F238E27FC236}">
-                <a16:creationId xmlns:a16="http://schemas.microsoft.com/office/drawing/2014/main" id="{8F2FFDAD-E9C1-48B6-BD1C-F2DF11E11115}"/>
+                <a16:creationId xmlns="" xmlns:a16="http://schemas.microsoft.com/office/drawing/2014/main" id="{8F2FFDAD-E9C1-48B6-BD1C-F2DF11E11115}"/>
               </a:ext>
             </a:extLst>
           </p:cNvPr>
@@ -14080,7 +14190,7 @@
         </p:nvSpPr>
         <p:spPr>
           <a:xfrm>
-            <a:off x="3844565" y="3901821"/>
+            <a:off x="3844565" y="3806571"/>
             <a:ext cx="4559431" cy="1569660"/>
           </a:xfrm>
           <a:prstGeom prst="rect">
@@ -14111,7 +14221,7 @@
           <p:cNvPr id="5" name="Cursor">
             <a:extLst>
               <a:ext uri="{FF2B5EF4-FFF2-40B4-BE49-F238E27FC236}">
-                <a16:creationId xmlns:a16="http://schemas.microsoft.com/office/drawing/2014/main" id="{F840CC4F-C0D7-4ACD-8CCE-33EA518F8DD5}"/>
+                <a16:creationId xmlns="" xmlns:a16="http://schemas.microsoft.com/office/drawing/2014/main" id="{F840CC4F-C0D7-4ACD-8CCE-33EA518F8DD5}"/>
               </a:ext>
             </a:extLst>
           </p:cNvPr>
@@ -14120,7 +14230,7 @@
         </p:nvSpPr>
         <p:spPr>
           <a:xfrm>
-            <a:off x="3638550" y="4119009"/>
+            <a:off x="3638550" y="4023759"/>
             <a:ext cx="263261" cy="1182814"/>
           </a:xfrm>
           <a:prstGeom prst="rect">
@@ -14343,7 +14453,7 @@
                                         <p:cond delay="0"/>
                                       </p:stCondLst>
                                       <p:childTnLst>
-                                        <p:animMotion origin="layout" path="M -4.79167E-6 4.44444E-6 L 0.38685 4.44444E-6 " pathEditMode="relative" rAng="0" ptsTypes="AA" p14:bounceEnd="8571">
+                                        <p:animMotion origin="layout" path="M -4.79167E-6 3.33333E-6 L 0.38685 3.33333E-6 " pathEditMode="relative" rAng="0" ptsTypes="AA" p14:bounceEnd="8571">
                                           <p:cBhvr>
                                             <p:cTn id="18" dur="1750" fill="hold"/>
                                             <p:tgtEl>
@@ -14554,7 +14664,7 @@
                                         <p:cond delay="750"/>
                                       </p:stCondLst>
                                       <p:childTnLst>
-                                        <p:animMotion origin="layout" path="M -3.75E-6 -3.33333E-6 L -0.28437 -3.33333E-6 " pathEditMode="relative" rAng="0" ptsTypes="AA">
+                                        <p:animMotion origin="layout" path="M -3.75E-6 -4.44444E-6 L -0.28437 -4.44444E-6 " pathEditMode="relative" rAng="0" ptsTypes="AA">
                                           <p:cBhvr>
                                             <p:cTn id="37" dur="1800" fill="hold"/>
                                             <p:tgtEl>
@@ -14576,7 +14686,7 @@
                                         <p:cond delay="750"/>
                                       </p:stCondLst>
                                       <p:childTnLst>
-                                        <p:animMotion origin="layout" path="M 0 -1.48148E-6 L -0.28437 -1.48148E-6 " pathEditMode="relative" rAng="0" ptsTypes="AA">
+                                        <p:animMotion origin="layout" path="M 0 -2.59259E-6 L -0.28437 -2.59259E-6 " pathEditMode="relative" rAng="0" ptsTypes="AA">
                                           <p:cBhvr>
                                             <p:cTn id="39" dur="2000" fill="hold"/>
                                             <p:tgtEl>
@@ -15199,7 +15309,7 @@
           <p:cNvPr id="2" name="Fundo">
             <a:extLst>
               <a:ext uri="{FF2B5EF4-FFF2-40B4-BE49-F238E27FC236}">
-                <a16:creationId xmlns:a16="http://schemas.microsoft.com/office/drawing/2014/main" id="{649B9AC2-F566-4500-88E6-A36BAE3813EB}"/>
+                <a16:creationId xmlns="" xmlns:a16="http://schemas.microsoft.com/office/drawing/2014/main" id="{649B9AC2-F566-4500-88E6-A36BAE3813EB}"/>
               </a:ext>
             </a:extLst>
           </p:cNvPr>
@@ -15265,7 +15375,7 @@
           <p:cNvPr id="35" name="BinD-E">
             <a:extLst>
               <a:ext uri="{FF2B5EF4-FFF2-40B4-BE49-F238E27FC236}">
-                <a16:creationId xmlns:a16="http://schemas.microsoft.com/office/drawing/2014/main" id="{5AFBAA50-5ECE-4D3A-821B-7524FB760384}"/>
+                <a16:creationId xmlns="" xmlns:a16="http://schemas.microsoft.com/office/drawing/2014/main" id="{5AFBAA50-5ECE-4D3A-821B-7524FB760384}"/>
               </a:ext>
             </a:extLst>
           </p:cNvPr>
@@ -15275,7 +15385,7 @@
         <p:spPr>
           <a:xfrm>
             <a:off x="9012177" y="-914260"/>
-            <a:ext cx="17714323" cy="9787295"/>
+            <a:ext cx="17714323" cy="4801314"/>
           </a:xfrm>
           <a:prstGeom prst="rect">
             <a:avLst/>
@@ -15352,21 +15462,10 @@
           </a:p>
           <a:p>
             <a:r>
-              <a:rPr lang="pt-BR" dirty="0"/>
+              <a:rPr lang="pt-BR" dirty="0" smtClean="0"/>
               <a:t>1110110011110101010110000111110011100000101100110010111100111001001111010111100111011101011000100101000001111001111110001111100010111000001110000110010</a:t>
             </a:r>
-          </a:p>
-          <a:p>
-            <a:r>
-              <a:rPr lang="pt-BR" dirty="0"/>
-              <a:t>000001001110101110010101010000111111110101100001101100011000011010000011100001010101010000101110100111000111111100100111111100110101101001001100010010100011000010010111011000110110100011000111001010111011001111010101011000011111001110000010110011001011110011100100111101011110011101110101100010010100000111100111111000111110001011100000111000011001001110100110001011001000000001111001011111111011011011111110011000110001110001100101010100110111000000110011100100100110110100011001000010011010110111010000010011101011100101010100001111111101011000011011000110000110100000111000010101010100001011101001110001111111001001111111001101011010010011000100101000110000100101110110001101101000110001110010101110110011110101010110000111110011100000101100110010111100111001001111010111100111011101011000100101000001111001111110001111100010111000001110000110010011101001100010110010000000011110010111111110110110111111100110001100011100011001010101001101110000001100111001001001101101000110010000100110101101110100000100111010111001010101000011111111010110000110110001100001101000001110000101010101000010111010011100011111110010011111110011010110100100110001001010001100001001011101100011011010001100011100101011101100111101010101100001111100111000001011001100101111001110010011110101111001110111010110001001010000011110011111100011111000101110000011100001100100111010011000101100100000000111100101111111101101101111111001100011000111000110010101010011011100000011001110010010011011010001100100001001101011011101000001001110101110010101010000111111110101100001101100011000011010000011100001010101010000101110100111000111111100100111111100110101101001001100010010100011000010010111011000110110100011000111001010111011001111010101011000011111001110000010110011001011110011100100111101011110011101110101100010010100000111100111111000111110001011100000111000011001001110100110001011001000000001111001011111111011011011</a:t>
-            </a:r>
-          </a:p>
-          <a:p>
-            <a:r>
-              <a:rPr lang="pt-BR" dirty="0"/>
-              <a:t>00001111100111000001011001100101111001110010011110101111001110111010110001001010000011110011111100011111000101110000011100001100100111010011000101100100000000111100101111111101101101111111001100011000111000110010101010011011100000011001110010010011011010001100100001001101011011101000001001110101110010101010000111111110101100001101100011000011010000011100001010101010000101110100111000111111100100111111100110101101001001100010010100011000010010111011000110110100011000111001010111011001111010101011000011111001110000010110011001011110011100100111101011110011101110101100010010100000111100111111000111110001011100000111000011001001110100110001011001000000001111001011111111011011011</a:t>
-            </a:r>
+            <a:endParaRPr lang="pt-BR" dirty="0"/>
           </a:p>
         </p:txBody>
       </p:sp>
@@ -15375,7 +15474,7 @@
           <p:cNvPr id="10" name="BinE-D">
             <a:extLst>
               <a:ext uri="{FF2B5EF4-FFF2-40B4-BE49-F238E27FC236}">
-                <a16:creationId xmlns:a16="http://schemas.microsoft.com/office/drawing/2014/main" id="{14659D83-857E-4874-AC38-E8B3BBE3561E}"/>
+                <a16:creationId xmlns="" xmlns:a16="http://schemas.microsoft.com/office/drawing/2014/main" id="{14659D83-857E-4874-AC38-E8B3BBE3561E}"/>
               </a:ext>
             </a:extLst>
           </p:cNvPr>
@@ -15384,8 +15483,8 @@
         </p:nvSpPr>
         <p:spPr>
           <a:xfrm>
-            <a:off x="-5370175" y="-1182820"/>
-            <a:ext cx="17714323" cy="9787295"/>
+            <a:off x="-5370175" y="-80136"/>
+            <a:ext cx="17714323" cy="4524315"/>
           </a:xfrm>
           <a:prstGeom prst="rect">
             <a:avLst/>
@@ -15399,9 +15498,10 @@
           <a:lstStyle/>
           <a:p>
             <a:r>
-              <a:rPr lang="pt-BR" dirty="0"/>
-              <a:t>11111001100011000111000110010101010011011100000011001110010010011011010001100100001001101011011101000001001110101110010101010000111111110101100001101100011000011010000011100001010101010000101110100111000111111100100111111100110101101001001100010010100011000010010111011000110110100011000111001010111011001111010101011000011111001110000010110011001011110011100100111101011110011101110101100010010100000111100111111000111110001011100000111000011001001110100110001011001000000001111001011111111011011011111110011000110001110001100101010100110111000000110011100100100110110100011001000010011010110111010000010011101011100101010100001111111101011000011011000110000110100000111000010101010100001011101001110001111111001001111111001101011010010011000100101000110</a:t>
+              <a:rPr lang="pt-BR" dirty="0" smtClean="0"/>
+              <a:t>0011101011100101010100001111111101011000011011000110000110100000111000010101010100001011101001110001111111001001111111001101011010010011000100101000110</a:t>
             </a:r>
+            <a:endParaRPr lang="pt-BR" dirty="0"/>
           </a:p>
           <a:p>
             <a:r>
@@ -15456,15 +15556,10 @@
           </a:p>
           <a:p>
             <a:r>
-              <a:rPr lang="pt-BR" dirty="0"/>
-              <a:t>000001001110101110010101010000111111110101100001101100011000011010000011100001010101010000101110100111000111111100100111111100110101101001001100010010100011000010010111011000110110100011000111001010111011001111010101011000011111001110000010110011001011110011100100111101011110011101110101100010010100000111100111111000111110001011100000111000011001001110100110001011001000000001111001011111111011011011111110011000110001110001100101010100110111000000110011100100100110110100011001000010011010110111010000010011101011100101010100001111111101011000011011000110000110100000111000010101010100001011101001110001111111001001111111001101011010010011000100101000110000100101110110001101101000110001110010101110110011110101010110000111110011100000101100110010111100111001001111010111100111011101011000100101000001111001111110001111100010111000001110000110010011101001100010110010000000011110010111111110110110111111100110001100011100011001010101001101110000001100111001001001101101000110010000100110101101110100000100111010111001010101000011111111010110000110110001100001101000001110000101010101000010111010011100011111110010011111110011010110100100110001001010001100001001011101100011011010001100011100101011101100111101010101100001111100111000001011001100101111001110010011110101111001110111010110001001010000011110011111100011111000101110000011100001100100111010011000101100100000000111100101111111101101101111111001100011000111000110010101010011011100000011001110010010011011010001100100001001101011011101000001001110101110010101010000111111110101100001101100011000011010000011100001010101010000101110100111000111111100100111111100110101101001001100010010100011000010010111011000110110100011000111001010111011001111010101011000011111001110000010110011001011110011100100111101011110011101110101100010010100000111100111111000111110001011100000111000011001001110100110001011001000000001111001011111111011011011</a:t>
+              <a:rPr lang="pt-BR" dirty="0" smtClean="0"/>
+              <a:t>000001001110101110010101010000111111110101100001101100011000011010000011100001010101010000101110100111000111111100100111111100110101101001001100010010100011000010010111011000110110100011000111001010111011001111010101011000011111001110000010110011001011110011100100111101011110011101110101100010010100000111100111111000111110001011100000111000011001001110100110001011001000000001111001011111111011011011111110011000110001110001100101010100110111000000110</a:t>
             </a:r>
-          </a:p>
-          <a:p>
-            <a:r>
-              <a:rPr lang="pt-BR" dirty="0"/>
-              <a:t>00001111100111000001011001100101111001110010011110101111001110111010110001001010000011110011111100011111000101110000011100001100100111010011000101100100000000111100101111111101101101111111001100011000111000110010101010011011100000011001110010010011011010001100100001001101011011101000001001110101110010101010000111111110101100001101100011000011010000011100001010101010000101110100111000111111100100111111100110101101001001100010010100011000010010111011000110110100011000111001010111011001111010101011000011111001110000010110011001011110011100100111101011110011101110101100010010100000111100111111000111110001011100000111000011001001110100110001011001000000001111001011111111011011011</a:t>
-            </a:r>
+            <a:endParaRPr lang="pt-BR" dirty="0"/>
           </a:p>
         </p:txBody>
       </p:sp>
@@ -15473,7 +15568,7 @@
           <p:cNvPr id="3" name="VidroVerde">
             <a:extLst>
               <a:ext uri="{FF2B5EF4-FFF2-40B4-BE49-F238E27FC236}">
-                <a16:creationId xmlns:a16="http://schemas.microsoft.com/office/drawing/2014/main" id="{0D1BD859-E516-43A9-AE0B-C8269D6F6D3B}"/>
+                <a16:creationId xmlns="" xmlns:a16="http://schemas.microsoft.com/office/drawing/2014/main" id="{0D1BD859-E516-43A9-AE0B-C8269D6F6D3B}"/>
               </a:ext>
             </a:extLst>
           </p:cNvPr>
@@ -15482,7 +15577,7 @@
         </p:nvSpPr>
         <p:spPr>
           <a:xfrm>
-            <a:off x="7515950" y="-16588"/>
+            <a:off x="7515950" y="-31102"/>
             <a:ext cx="4664036" cy="4148724"/>
           </a:xfrm>
           <a:prstGeom prst="rect">
@@ -15538,7 +15633,7 @@
           <p:cNvPr id="4" name="FundoFake">
             <a:extLst>
               <a:ext uri="{FF2B5EF4-FFF2-40B4-BE49-F238E27FC236}">
-                <a16:creationId xmlns:a16="http://schemas.microsoft.com/office/drawing/2014/main" id="{6EF421BC-C763-44BB-98FF-950BE0C31476}"/>
+                <a16:creationId xmlns="" xmlns:a16="http://schemas.microsoft.com/office/drawing/2014/main" id="{6EF421BC-C763-44BB-98FF-950BE0C31476}"/>
               </a:ext>
             </a:extLst>
           </p:cNvPr>
@@ -15682,7 +15777,7 @@
           <p:cNvPr id="6" name="Logo" descr="https://cdn.discordapp.com/attachments/307246776547540992/483428058221641740/o_cucao_ta_de_pika_dura_uhuuuuuuuuuuuuuuuuuuuuu.png">
             <a:extLst>
               <a:ext uri="{FF2B5EF4-FFF2-40B4-BE49-F238E27FC236}">
-                <a16:creationId xmlns:a16="http://schemas.microsoft.com/office/drawing/2014/main" id="{B179DD2A-FF3E-4C0C-994F-974A51DF564F}"/>
+                <a16:creationId xmlns="" xmlns:a16="http://schemas.microsoft.com/office/drawing/2014/main" id="{B179DD2A-FF3E-4C0C-994F-974A51DF564F}"/>
               </a:ext>
             </a:extLst>
           </p:cNvPr>
@@ -15736,7 +15831,7 @@
           <p:cNvPr id="7" name="TextoCinza">
             <a:extLst>
               <a:ext uri="{FF2B5EF4-FFF2-40B4-BE49-F238E27FC236}">
-                <a16:creationId xmlns:a16="http://schemas.microsoft.com/office/drawing/2014/main" id="{2BBFB3B2-B9C2-434C-8BB0-59A2D59EDC7E}"/>
+                <a16:creationId xmlns="" xmlns:a16="http://schemas.microsoft.com/office/drawing/2014/main" id="{2BBFB3B2-B9C2-434C-8BB0-59A2D59EDC7E}"/>
               </a:ext>
             </a:extLst>
           </p:cNvPr>
@@ -15745,7 +15840,7 @@
         </p:nvSpPr>
         <p:spPr>
           <a:xfrm>
-            <a:off x="350087" y="3888694"/>
+            <a:off x="350087" y="3793444"/>
             <a:ext cx="4559431" cy="1569660"/>
           </a:xfrm>
           <a:prstGeom prst="rect">
@@ -15781,7 +15876,7 @@
           <p:cNvPr id="8" name="TextoVerde">
             <a:extLst>
               <a:ext uri="{FF2B5EF4-FFF2-40B4-BE49-F238E27FC236}">
-                <a16:creationId xmlns:a16="http://schemas.microsoft.com/office/drawing/2014/main" id="{8F2FFDAD-E9C1-48B6-BD1C-F2DF11E11115}"/>
+                <a16:creationId xmlns="" xmlns:a16="http://schemas.microsoft.com/office/drawing/2014/main" id="{8F2FFDAD-E9C1-48B6-BD1C-F2DF11E11115}"/>
               </a:ext>
             </a:extLst>
           </p:cNvPr>
@@ -15790,7 +15885,7 @@
         </p:nvSpPr>
         <p:spPr>
           <a:xfrm>
-            <a:off x="377976" y="3901821"/>
+            <a:off x="377976" y="3806571"/>
             <a:ext cx="4559431" cy="1569660"/>
           </a:xfrm>
           <a:prstGeom prst="rect">
@@ -15821,7 +15916,7 @@
           <p:cNvPr id="11" name="TimeLine">
             <a:extLst>
               <a:ext uri="{FF2B5EF4-FFF2-40B4-BE49-F238E27FC236}">
-                <a16:creationId xmlns:a16="http://schemas.microsoft.com/office/drawing/2014/main" id="{53210DA7-7785-42E7-915A-F47B5C609938}"/>
+                <a16:creationId xmlns="" xmlns:a16="http://schemas.microsoft.com/office/drawing/2014/main" id="{53210DA7-7785-42E7-915A-F47B5C609938}"/>
               </a:ext>
             </a:extLst>
           </p:cNvPr>
@@ -15879,10 +15974,10 @@
       </p:sp>
       <p:cxnSp>
         <p:nvCxnSpPr>
-          <p:cNvPr id="13" name="Conector C">
+          <p:cNvPr id="13" name="Conector C#">
             <a:extLst>
               <a:ext uri="{FF2B5EF4-FFF2-40B4-BE49-F238E27FC236}">
-                <a16:creationId xmlns:a16="http://schemas.microsoft.com/office/drawing/2014/main" id="{B90BA544-E9D9-486C-8DE1-B2B805F5C39E}"/>
+                <a16:creationId xmlns="" xmlns:a16="http://schemas.microsoft.com/office/drawing/2014/main" id="{B90BA544-E9D9-486C-8DE1-B2B805F5C39E}"/>
               </a:ext>
             </a:extLst>
           </p:cNvPr>
@@ -15923,7 +16018,7 @@
           <p:cNvPr id="14" name="Conector HTML">
             <a:extLst>
               <a:ext uri="{FF2B5EF4-FFF2-40B4-BE49-F238E27FC236}">
-                <a16:creationId xmlns:a16="http://schemas.microsoft.com/office/drawing/2014/main" id="{2BC07CAD-532B-48CA-BCDD-4DC12E83F437}"/>
+                <a16:creationId xmlns="" xmlns:a16="http://schemas.microsoft.com/office/drawing/2014/main" id="{2BC07CAD-532B-48CA-BCDD-4DC12E83F437}"/>
               </a:ext>
             </a:extLst>
           </p:cNvPr>
@@ -15961,10 +16056,10 @@
       </p:cxnSp>
       <p:cxnSp>
         <p:nvCxnSpPr>
-          <p:cNvPr id="15" name="Conector C#">
+          <p:cNvPr id="15" name="Conector Bootstrap">
             <a:extLst>
               <a:ext uri="{FF2B5EF4-FFF2-40B4-BE49-F238E27FC236}">
-                <a16:creationId xmlns:a16="http://schemas.microsoft.com/office/drawing/2014/main" id="{6C1DC705-5F45-4210-8DA0-65D27CEEAB4D}"/>
+                <a16:creationId xmlns="" xmlns:a16="http://schemas.microsoft.com/office/drawing/2014/main" id="{6C1DC705-5F45-4210-8DA0-65D27CEEAB4D}"/>
               </a:ext>
             </a:extLst>
           </p:cNvPr>
@@ -16005,7 +16100,7 @@
           <p:cNvPr id="16" name="Conector SQL">
             <a:extLst>
               <a:ext uri="{FF2B5EF4-FFF2-40B4-BE49-F238E27FC236}">
-                <a16:creationId xmlns:a16="http://schemas.microsoft.com/office/drawing/2014/main" id="{B2D019DF-9852-4AF6-925C-9EF3E3D57EE1}"/>
+                <a16:creationId xmlns="" xmlns:a16="http://schemas.microsoft.com/office/drawing/2014/main" id="{B2D019DF-9852-4AF6-925C-9EF3E3D57EE1}"/>
               </a:ext>
             </a:extLst>
           </p:cNvPr>
@@ -16043,10 +16138,10 @@
       </p:cxnSp>
       <p:cxnSp>
         <p:nvCxnSpPr>
-          <p:cNvPr id="17" name="Conector Java">
+          <p:cNvPr id="17" name="Conector Asp">
             <a:extLst>
               <a:ext uri="{FF2B5EF4-FFF2-40B4-BE49-F238E27FC236}">
-                <a16:creationId xmlns:a16="http://schemas.microsoft.com/office/drawing/2014/main" id="{FA6309D2-3D85-41DC-B79A-438D9F232007}"/>
+                <a16:creationId xmlns="" xmlns:a16="http://schemas.microsoft.com/office/drawing/2014/main" id="{FA6309D2-3D85-41DC-B79A-438D9F232007}"/>
               </a:ext>
             </a:extLst>
           </p:cNvPr>
@@ -16087,7 +16182,7 @@
           <p:cNvPr id="18" name="Conector Andoid">
             <a:extLst>
               <a:ext uri="{FF2B5EF4-FFF2-40B4-BE49-F238E27FC236}">
-                <a16:creationId xmlns:a16="http://schemas.microsoft.com/office/drawing/2014/main" id="{26E39C82-4CB3-426B-9D8D-31C4A15979CF}"/>
+                <a16:creationId xmlns="" xmlns:a16="http://schemas.microsoft.com/office/drawing/2014/main" id="{26E39C82-4CB3-426B-9D8D-31C4A15979CF}"/>
               </a:ext>
             </a:extLst>
           </p:cNvPr>
@@ -16125,57 +16220,10 @@
       </p:cxnSp>
       <p:pic>
         <p:nvPicPr>
-          <p:cNvPr id="1026" name="C" descr="Resultado de imagem para c icon">
+          <p:cNvPr id="20" name="HTML" descr="Uma imagem contendo kit de primeiros socorros, objeto, texto, sinal&#10;&#10;Descrição gerada com muito alta confiança">
             <a:extLst>
               <a:ext uri="{FF2B5EF4-FFF2-40B4-BE49-F238E27FC236}">
-                <a16:creationId xmlns:a16="http://schemas.microsoft.com/office/drawing/2014/main" id="{16E355AE-641E-4816-A86D-D19E245B251A}"/>
-              </a:ext>
-            </a:extLst>
-          </p:cNvPr>
-          <p:cNvPicPr>
-            <a:picLocks noChangeAspect="1" noChangeArrowheads="1"/>
-          </p:cNvPicPr>
-          <p:nvPr/>
-        </p:nvPicPr>
-        <p:blipFill>
-          <a:blip r:embed="rId3">
-            <a:extLst>
-              <a:ext uri="{28A0092B-C50C-407E-A947-70E740481C1C}">
-                <a14:useLocalDpi xmlns:a14="http://schemas.microsoft.com/office/drawing/2010/main" val="0"/>
-              </a:ext>
-            </a:extLst>
-          </a:blip>
-          <a:srcRect/>
-          <a:stretch>
-            <a:fillRect/>
-          </a:stretch>
-        </p:blipFill>
-        <p:spPr bwMode="auto">
-          <a:xfrm>
-            <a:off x="1586834" y="5686720"/>
-            <a:ext cx="1101823" cy="1101823"/>
-          </a:xfrm>
-          <a:prstGeom prst="rect">
-            <a:avLst/>
-          </a:prstGeom>
-          <a:noFill/>
-          <a:extLst>
-            <a:ext uri="{909E8E84-426E-40DD-AFC4-6F175D3DCCD1}">
-              <a14:hiddenFill xmlns:a14="http://schemas.microsoft.com/office/drawing/2010/main">
-                <a:solidFill>
-                  <a:srgbClr val="FFFFFF"/>
-                </a:solidFill>
-              </a14:hiddenFill>
-            </a:ext>
-          </a:extLst>
-        </p:spPr>
-      </p:pic>
-      <p:pic>
-        <p:nvPicPr>
-          <p:cNvPr id="20" name="HTML" descr="Uma imagem contendo kit de primeiros socorros, objeto, texto, sinal&#10;&#10;Descrição gerada com muito alta confiança">
-            <a:extLst>
-              <a:ext uri="{FF2B5EF4-FFF2-40B4-BE49-F238E27FC236}">
-                <a16:creationId xmlns:a16="http://schemas.microsoft.com/office/drawing/2014/main" id="{27FBB456-9455-4D96-92EF-CB65CF0A9ED5}"/>
+                <a16:creationId xmlns="" xmlns:a16="http://schemas.microsoft.com/office/drawing/2014/main" id="{27FBB456-9455-4D96-92EF-CB65CF0A9ED5}"/>
               </a:ext>
             </a:extLst>
           </p:cNvPr>
@@ -16185,7 +16233,7 @@
           <p:nvPr/>
         </p:nvPicPr>
         <p:blipFill>
-          <a:blip r:embed="rId4">
+          <a:blip r:embed="rId3" cstate="print">
             <a:extLst>
               <a:ext uri="{28A0092B-C50C-407E-A947-70E740481C1C}">
                 <a14:useLocalDpi xmlns:a14="http://schemas.microsoft.com/office/drawing/2010/main" val="0"/>
@@ -16198,8 +16246,8 @@
         </p:blipFill>
         <p:spPr>
           <a:xfrm>
-            <a:off x="3208360" y="5800290"/>
-            <a:ext cx="1492790" cy="874682"/>
+            <a:off x="3063515" y="5754233"/>
+            <a:ext cx="1649998" cy="966796"/>
           </a:xfrm>
           <a:prstGeom prst="rect">
             <a:avLst/>
@@ -16218,7 +16266,7 @@
           <p:cNvPr id="21" name="C#" descr="Uma imagem contendo sinal, parar, ao ar livre, céu&#10;&#10;Descrição gerada com muito alta confiança">
             <a:extLst>
               <a:ext uri="{FF2B5EF4-FFF2-40B4-BE49-F238E27FC236}">
-                <a16:creationId xmlns:a16="http://schemas.microsoft.com/office/drawing/2014/main" id="{AF48591F-DF57-44C0-B550-C9E362C72263}"/>
+                <a16:creationId xmlns="" xmlns:a16="http://schemas.microsoft.com/office/drawing/2014/main" id="{AF48591F-DF57-44C0-B550-C9E362C72263}"/>
               </a:ext>
             </a:extLst>
           </p:cNvPr>
@@ -16228,7 +16276,7 @@
           <p:nvPr/>
         </p:nvPicPr>
         <p:blipFill>
-          <a:blip r:embed="rId5">
+          <a:blip r:embed="rId4" cstate="print">
             <a:extLst>
               <a:ext uri="{28A0092B-C50C-407E-A947-70E740481C1C}">
                 <a14:useLocalDpi xmlns:a14="http://schemas.microsoft.com/office/drawing/2010/main" val="0"/>
@@ -16241,7 +16289,7 @@
         </p:blipFill>
         <p:spPr>
           <a:xfrm>
-            <a:off x="5274144" y="5744070"/>
+            <a:off x="1445094" y="5744070"/>
             <a:ext cx="1028253" cy="987123"/>
           </a:xfrm>
           <a:prstGeom prst="rect">
@@ -16261,7 +16309,7 @@
           <p:cNvPr id="22" name="SQL" descr="Resultado de imagem para mysql icon">
             <a:extLst>
               <a:ext uri="{FF2B5EF4-FFF2-40B4-BE49-F238E27FC236}">
-                <a16:creationId xmlns:a16="http://schemas.microsoft.com/office/drawing/2014/main" id="{417D31FF-E058-4B61-9225-27D28FA367BC}"/>
+                <a16:creationId xmlns="" xmlns:a16="http://schemas.microsoft.com/office/drawing/2014/main" id="{417D31FF-E058-4B61-9225-27D28FA367BC}"/>
               </a:ext>
             </a:extLst>
           </p:cNvPr>
@@ -16271,7 +16319,7 @@
           <p:nvPr/>
         </p:nvPicPr>
         <p:blipFill>
-          <a:blip r:embed="rId6">
+          <a:blip r:embed="rId5" cstate="print">
             <a:extLst>
               <a:ext uri="{28A0092B-C50C-407E-A947-70E740481C1C}">
                 <a14:useLocalDpi xmlns:a14="http://schemas.microsoft.com/office/drawing/2010/main" val="0"/>
@@ -16305,53 +16353,10 @@
       </p:pic>
       <p:pic>
         <p:nvPicPr>
-          <p:cNvPr id="23" name="Java">
+          <p:cNvPr id="1028" name="Android" descr="Resultado de imagem para android icon png">
             <a:extLst>
               <a:ext uri="{FF2B5EF4-FFF2-40B4-BE49-F238E27FC236}">
-                <a16:creationId xmlns:a16="http://schemas.microsoft.com/office/drawing/2014/main" id="{C7B67973-D3AC-48C8-A356-19FE5B656D85}"/>
-              </a:ext>
-            </a:extLst>
-          </p:cNvPr>
-          <p:cNvPicPr>
-            <a:picLocks noChangeAspect="1"/>
-          </p:cNvPicPr>
-          <p:nvPr/>
-        </p:nvPicPr>
-        <p:blipFill>
-          <a:blip r:embed="rId7">
-            <a:extLst>
-              <a:ext uri="{28A0092B-C50C-407E-A947-70E740481C1C}">
-                <a14:useLocalDpi xmlns:a14="http://schemas.microsoft.com/office/drawing/2010/main" val="0"/>
-              </a:ext>
-            </a:extLst>
-          </a:blip>
-          <a:stretch>
-            <a:fillRect/>
-          </a:stretch>
-        </p:blipFill>
-        <p:spPr>
-          <a:xfrm>
-            <a:off x="8349995" y="5546435"/>
-            <a:ext cx="1382392" cy="1382392"/>
-          </a:xfrm>
-          <a:prstGeom prst="rect">
-            <a:avLst/>
-          </a:prstGeom>
-          <a:effectLst>
-            <a:outerShdw blurRad="50800" dist="38100" dir="2700000" algn="tl" rotWithShape="0">
-              <a:prstClr val="black">
-                <a:alpha val="40000"/>
-              </a:prstClr>
-            </a:outerShdw>
-          </a:effectLst>
-        </p:spPr>
-      </p:pic>
-      <p:pic>
-        <p:nvPicPr>
-          <p:cNvPr id="1028" name="Android" descr="Resultado de imagem para android icon png">
-            <a:extLst>
-              <a:ext uri="{FF2B5EF4-FFF2-40B4-BE49-F238E27FC236}">
-                <a16:creationId xmlns:a16="http://schemas.microsoft.com/office/drawing/2014/main" id="{767F6CAB-2C23-4128-857C-13FB4B4FF53C}"/>
+                <a16:creationId xmlns="" xmlns:a16="http://schemas.microsoft.com/office/drawing/2014/main" id="{767F6CAB-2C23-4128-857C-13FB4B4FF53C}"/>
               </a:ext>
             </a:extLst>
           </p:cNvPr>
@@ -16361,7 +16366,7 @@
           <p:nvPr/>
         </p:nvPicPr>
         <p:blipFill>
-          <a:blip r:embed="rId8">
+          <a:blip r:embed="rId6" cstate="print">
             <a:extLst>
               <a:ext uri="{28A0092B-C50C-407E-A947-70E740481C1C}">
                 <a14:useLocalDpi xmlns:a14="http://schemas.microsoft.com/office/drawing/2010/main" val="0"/>
@@ -16398,7 +16403,7 @@
           <p:cNvPr id="19" name="1dot">
             <a:extLst>
               <a:ext uri="{FF2B5EF4-FFF2-40B4-BE49-F238E27FC236}">
-                <a16:creationId xmlns:a16="http://schemas.microsoft.com/office/drawing/2014/main" id="{49C120DA-8D32-4A4F-A14D-CFB6BFE43CDD}"/>
+                <a16:creationId xmlns="" xmlns:a16="http://schemas.microsoft.com/office/drawing/2014/main" id="{49C120DA-8D32-4A4F-A14D-CFB6BFE43CDD}"/>
               </a:ext>
             </a:extLst>
           </p:cNvPr>
@@ -16450,7 +16455,7 @@
           <p:cNvPr id="27" name="2dot">
             <a:extLst>
               <a:ext uri="{FF2B5EF4-FFF2-40B4-BE49-F238E27FC236}">
-                <a16:creationId xmlns:a16="http://schemas.microsoft.com/office/drawing/2014/main" id="{EC06D870-11AC-4369-83B8-6009A08C6B08}"/>
+                <a16:creationId xmlns="" xmlns:a16="http://schemas.microsoft.com/office/drawing/2014/main" id="{EC06D870-11AC-4369-83B8-6009A08C6B08}"/>
               </a:ext>
             </a:extLst>
           </p:cNvPr>
@@ -16502,7 +16507,7 @@
           <p:cNvPr id="28" name="3dot">
             <a:extLst>
               <a:ext uri="{FF2B5EF4-FFF2-40B4-BE49-F238E27FC236}">
-                <a16:creationId xmlns:a16="http://schemas.microsoft.com/office/drawing/2014/main" id="{E46064E7-03F5-4456-A5D0-430014C3343E}"/>
+                <a16:creationId xmlns="" xmlns:a16="http://schemas.microsoft.com/office/drawing/2014/main" id="{E46064E7-03F5-4456-A5D0-430014C3343E}"/>
               </a:ext>
             </a:extLst>
           </p:cNvPr>
@@ -16554,7 +16559,7 @@
           <p:cNvPr id="29" name="LinhaCinza">
             <a:extLst>
               <a:ext uri="{FF2B5EF4-FFF2-40B4-BE49-F238E27FC236}">
-                <a16:creationId xmlns:a16="http://schemas.microsoft.com/office/drawing/2014/main" id="{29288FC3-32FC-4057-B5B4-394EEF900437}"/>
+                <a16:creationId xmlns="" xmlns:a16="http://schemas.microsoft.com/office/drawing/2014/main" id="{29288FC3-32FC-4057-B5B4-394EEF900437}"/>
               </a:ext>
             </a:extLst>
           </p:cNvPr>
@@ -16607,7 +16612,7 @@
           <p:cNvPr id="30" name="Tel">
             <a:extLst>
               <a:ext uri="{FF2B5EF4-FFF2-40B4-BE49-F238E27FC236}">
-                <a16:creationId xmlns:a16="http://schemas.microsoft.com/office/drawing/2014/main" id="{348ABFFB-C20D-49AF-9DC4-2C7C0914EFE2}"/>
+                <a16:creationId xmlns="" xmlns:a16="http://schemas.microsoft.com/office/drawing/2014/main" id="{348ABFFB-C20D-49AF-9DC4-2C7C0914EFE2}"/>
               </a:ext>
             </a:extLst>
           </p:cNvPr>
@@ -16666,7 +16671,7 @@
           <p:cNvPr id="31" name="Endereco">
             <a:extLst>
               <a:ext uri="{FF2B5EF4-FFF2-40B4-BE49-F238E27FC236}">
-                <a16:creationId xmlns:a16="http://schemas.microsoft.com/office/drawing/2014/main" id="{DD7D7138-D604-4EAE-BF60-B0057AAFEB99}"/>
+                <a16:creationId xmlns="" xmlns:a16="http://schemas.microsoft.com/office/drawing/2014/main" id="{DD7D7138-D604-4EAE-BF60-B0057AAFEB99}"/>
               </a:ext>
             </a:extLst>
           </p:cNvPr>
@@ -16725,7 +16730,7 @@
           <p:cNvPr id="32" name="Email">
             <a:extLst>
               <a:ext uri="{FF2B5EF4-FFF2-40B4-BE49-F238E27FC236}">
-                <a16:creationId xmlns:a16="http://schemas.microsoft.com/office/drawing/2014/main" id="{CD7C9685-6E6D-4AE2-9E36-1241856387B7}"/>
+                <a16:creationId xmlns="" xmlns:a16="http://schemas.microsoft.com/office/drawing/2014/main" id="{CD7C9685-6E6D-4AE2-9E36-1241856387B7}"/>
               </a:ext>
             </a:extLst>
           </p:cNvPr>
@@ -16784,7 +16789,7 @@
           <p:cNvPr id="33" name="CNPJ">
             <a:extLst>
               <a:ext uri="{FF2B5EF4-FFF2-40B4-BE49-F238E27FC236}">
-                <a16:creationId xmlns:a16="http://schemas.microsoft.com/office/drawing/2014/main" id="{21642852-1C78-46CB-8AB2-D6D3D48852FD}"/>
+                <a16:creationId xmlns="" xmlns:a16="http://schemas.microsoft.com/office/drawing/2014/main" id="{21642852-1C78-46CB-8AB2-D6D3D48852FD}"/>
               </a:ext>
             </a:extLst>
           </p:cNvPr>
@@ -16838,6 +16843,88 @@
           </a:p>
         </p:txBody>
       </p:sp>
+      <p:pic>
+        <p:nvPicPr>
+          <p:cNvPr id="5" name="ASP" descr="Resultado de imagem para asp.net icon png"/>
+          <p:cNvPicPr>
+            <a:picLocks noChangeAspect="1" noChangeArrowheads="1"/>
+          </p:cNvPicPr>
+          <p:nvPr/>
+        </p:nvPicPr>
+        <p:blipFill>
+          <a:blip r:embed="rId7">
+            <a:extLst>
+              <a:ext uri="{28A0092B-C50C-407E-A947-70E740481C1C}">
+                <a14:useLocalDpi xmlns:a14="http://schemas.microsoft.com/office/drawing/2010/main" val="0"/>
+              </a:ext>
+            </a:extLst>
+          </a:blip>
+          <a:srcRect/>
+          <a:stretch>
+            <a:fillRect/>
+          </a:stretch>
+        </p:blipFill>
+        <p:spPr bwMode="auto">
+          <a:xfrm>
+            <a:off x="8472388" y="5723577"/>
+            <a:ext cx="1028106" cy="1028108"/>
+          </a:xfrm>
+          <a:prstGeom prst="rect">
+            <a:avLst/>
+          </a:prstGeom>
+          <a:noFill/>
+          <a:extLst>
+            <a:ext uri="{909E8E84-426E-40DD-AFC4-6F175D3DCCD1}">
+              <a14:hiddenFill xmlns:a14="http://schemas.microsoft.com/office/drawing/2010/main">
+                <a:solidFill>
+                  <a:srgbClr val="FFFFFF"/>
+                </a:solidFill>
+              </a14:hiddenFill>
+            </a:ext>
+          </a:extLst>
+        </p:spPr>
+      </p:pic>
+      <p:pic>
+        <p:nvPicPr>
+          <p:cNvPr id="9" name="Bootstrap" descr="Resultado de imagem para bootstrap png icon"/>
+          <p:cNvPicPr>
+            <a:picLocks noChangeAspect="1" noChangeArrowheads="1"/>
+          </p:cNvPicPr>
+          <p:nvPr/>
+        </p:nvPicPr>
+        <p:blipFill>
+          <a:blip r:embed="rId8" cstate="print">
+            <a:extLst>
+              <a:ext uri="{28A0092B-C50C-407E-A947-70E740481C1C}">
+                <a14:useLocalDpi xmlns:a14="http://schemas.microsoft.com/office/drawing/2010/main" val="0"/>
+              </a:ext>
+            </a:extLst>
+          </a:blip>
+          <a:srcRect/>
+          <a:stretch>
+            <a:fillRect/>
+          </a:stretch>
+        </p:blipFill>
+        <p:spPr bwMode="auto">
+          <a:xfrm>
+            <a:off x="4902637" y="5714989"/>
+            <a:ext cx="1244618" cy="1045285"/>
+          </a:xfrm>
+          <a:prstGeom prst="rect">
+            <a:avLst/>
+          </a:prstGeom>
+          <a:noFill/>
+          <a:extLst>
+            <a:ext uri="{909E8E84-426E-40DD-AFC4-6F175D3DCCD1}">
+              <a14:hiddenFill xmlns:a14="http://schemas.microsoft.com/office/drawing/2010/main">
+                <a:solidFill>
+                  <a:srgbClr val="FFFFFF"/>
+                </a:solidFill>
+              </a14:hiddenFill>
+            </a:ext>
+          </a:extLst>
+        </p:spPr>
+      </p:pic>
     </p:spTree>
     <p:extLst>
       <p:ext uri="{BB962C8B-B14F-4D97-AF65-F5344CB8AC3E}">
@@ -17135,9 +17222,9 @@
                                 </p:cTn>
                               </p:par>
                               <p:par>
-                                <p:cTn id="28" presetID="10" presetClass="entr" presetSubtype="0" fill="hold" nodeType="withEffect">
+                                <p:cTn id="28" presetID="22" presetClass="entr" presetSubtype="1" fill="hold" nodeType="withEffect">
                                   <p:stCondLst>
-                                    <p:cond delay="0"/>
+                                    <p:cond delay="100"/>
                                   </p:stCondLst>
                                   <p:childTnLst>
                                     <p:set>
@@ -17148,7 +17235,42 @@
                                           </p:stCondLst>
                                         </p:cTn>
                                         <p:tgtEl>
-                                          <p:spTgt spid="1026"/>
+                                          <p:spTgt spid="14"/>
+                                        </p:tgtEl>
+                                        <p:attrNameLst>
+                                          <p:attrName>style.visibility</p:attrName>
+                                        </p:attrNameLst>
+                                      </p:cBhvr>
+                                      <p:to>
+                                        <p:strVal val="visible"/>
+                                      </p:to>
+                                    </p:set>
+                                    <p:animEffect transition="in" filter="wipe(up)">
+                                      <p:cBhvr>
+                                        <p:cTn id="30" dur="500"/>
+                                        <p:tgtEl>
+                                          <p:spTgt spid="14"/>
+                                        </p:tgtEl>
+                                      </p:cBhvr>
+                                    </p:animEffect>
+                                  </p:childTnLst>
+                                </p:cTn>
+                              </p:par>
+                              <p:par>
+                                <p:cTn id="31" presetID="10" presetClass="entr" presetSubtype="0" fill="hold" nodeType="withEffect">
+                                  <p:stCondLst>
+                                    <p:cond delay="100"/>
+                                  </p:stCondLst>
+                                  <p:childTnLst>
+                                    <p:set>
+                                      <p:cBhvr>
+                                        <p:cTn id="32" dur="1" fill="hold">
+                                          <p:stCondLst>
+                                            <p:cond delay="0"/>
+                                          </p:stCondLst>
+                                        </p:cTn>
+                                        <p:tgtEl>
+                                          <p:spTgt spid="20"/>
                                         </p:tgtEl>
                                         <p:attrNameLst>
                                           <p:attrName>style.visibility</p:attrName>
@@ -17160,9 +17282,9 @@
                                     </p:set>
                                     <p:animEffect transition="in" filter="fade">
                                       <p:cBhvr>
-                                        <p:cTn id="30" dur="500"/>
-                                        <p:tgtEl>
-                                          <p:spTgt spid="1026"/>
+                                        <p:cTn id="33" dur="500"/>
+                                        <p:tgtEl>
+                                          <p:spTgt spid="20"/>
                                         </p:tgtEl>
                                       </p:cBhvr>
                                     </p:animEffect>
@@ -17170,20 +17292,20 @@
                                 </p:cTn>
                               </p:par>
                               <p:par>
-                                <p:cTn id="31" presetID="22" presetClass="entr" presetSubtype="1" fill="hold" nodeType="withEffect">
+                                <p:cTn id="34" presetID="22" presetClass="entr" presetSubtype="1" fill="hold" nodeType="withEffect">
                                   <p:stCondLst>
-                                    <p:cond delay="100"/>
+                                    <p:cond delay="200"/>
                                   </p:stCondLst>
                                   <p:childTnLst>
                                     <p:set>
                                       <p:cBhvr>
-                                        <p:cTn id="32" dur="1" fill="hold">
+                                        <p:cTn id="35" dur="1" fill="hold">
                                           <p:stCondLst>
                                             <p:cond delay="0"/>
                                           </p:stCondLst>
                                         </p:cTn>
                                         <p:tgtEl>
-                                          <p:spTgt spid="14"/>
+                                          <p:spTgt spid="15"/>
                                         </p:tgtEl>
                                         <p:attrNameLst>
                                           <p:attrName>style.visibility</p:attrName>
@@ -17195,9 +17317,9 @@
                                     </p:set>
                                     <p:animEffect transition="in" filter="wipe(up)">
                                       <p:cBhvr>
-                                        <p:cTn id="33" dur="500"/>
-                                        <p:tgtEl>
-                                          <p:spTgt spid="14"/>
+                                        <p:cTn id="36" dur="500"/>
+                                        <p:tgtEl>
+                                          <p:spTgt spid="15"/>
                                         </p:tgtEl>
                                       </p:cBhvr>
                                     </p:animEffect>
@@ -17205,20 +17327,20 @@
                                 </p:cTn>
                               </p:par>
                               <p:par>
-                                <p:cTn id="34" presetID="10" presetClass="entr" presetSubtype="0" fill="hold" nodeType="withEffect">
+                                <p:cTn id="37" presetID="10" presetClass="entr" presetSubtype="0" fill="hold" nodeType="withEffect">
                                   <p:stCondLst>
-                                    <p:cond delay="100"/>
+                                    <p:cond delay="200"/>
                                   </p:stCondLst>
                                   <p:childTnLst>
                                     <p:set>
                                       <p:cBhvr>
-                                        <p:cTn id="35" dur="1" fill="hold">
+                                        <p:cTn id="38" dur="1" fill="hold">
                                           <p:stCondLst>
                                             <p:cond delay="0"/>
                                           </p:stCondLst>
                                         </p:cTn>
                                         <p:tgtEl>
-                                          <p:spTgt spid="20"/>
+                                          <p:spTgt spid="21"/>
                                         </p:tgtEl>
                                         <p:attrNameLst>
                                           <p:attrName>style.visibility</p:attrName>
@@ -17230,9 +17352,9 @@
                                     </p:set>
                                     <p:animEffect transition="in" filter="fade">
                                       <p:cBhvr>
-                                        <p:cTn id="36" dur="500"/>
-                                        <p:tgtEl>
-                                          <p:spTgt spid="20"/>
+                                        <p:cTn id="39" dur="500"/>
+                                        <p:tgtEl>
+                                          <p:spTgt spid="21"/>
                                         </p:tgtEl>
                                       </p:cBhvr>
                                     </p:animEffect>
@@ -17240,20 +17362,20 @@
                                 </p:cTn>
                               </p:par>
                               <p:par>
-                                <p:cTn id="37" presetID="22" presetClass="entr" presetSubtype="1" fill="hold" nodeType="withEffect">
+                                <p:cTn id="40" presetID="22" presetClass="entr" presetSubtype="1" fill="hold" nodeType="withEffect">
                                   <p:stCondLst>
-                                    <p:cond delay="200"/>
+                                    <p:cond delay="300"/>
                                   </p:stCondLst>
                                   <p:childTnLst>
                                     <p:set>
                                       <p:cBhvr>
-                                        <p:cTn id="38" dur="1" fill="hold">
+                                        <p:cTn id="41" dur="1" fill="hold">
                                           <p:stCondLst>
                                             <p:cond delay="0"/>
                                           </p:stCondLst>
                                         </p:cTn>
                                         <p:tgtEl>
-                                          <p:spTgt spid="15"/>
+                                          <p:spTgt spid="16"/>
                                         </p:tgtEl>
                                         <p:attrNameLst>
                                           <p:attrName>style.visibility</p:attrName>
@@ -17265,9 +17387,9 @@
                                     </p:set>
                                     <p:animEffect transition="in" filter="wipe(up)">
                                       <p:cBhvr>
-                                        <p:cTn id="39" dur="500"/>
-                                        <p:tgtEl>
-                                          <p:spTgt spid="15"/>
+                                        <p:cTn id="42" dur="500"/>
+                                        <p:tgtEl>
+                                          <p:spTgt spid="16"/>
                                         </p:tgtEl>
                                       </p:cBhvr>
                                     </p:animEffect>
@@ -17275,20 +17397,20 @@
                                 </p:cTn>
                               </p:par>
                               <p:par>
-                                <p:cTn id="40" presetID="10" presetClass="entr" presetSubtype="0" fill="hold" nodeType="withEffect">
+                                <p:cTn id="43" presetID="10" presetClass="entr" presetSubtype="0" fill="hold" nodeType="withEffect">
                                   <p:stCondLst>
-                                    <p:cond delay="200"/>
+                                    <p:cond delay="300"/>
                                   </p:stCondLst>
                                   <p:childTnLst>
                                     <p:set>
                                       <p:cBhvr>
-                                        <p:cTn id="41" dur="1" fill="hold">
+                                        <p:cTn id="44" dur="1" fill="hold">
                                           <p:stCondLst>
                                             <p:cond delay="0"/>
                                           </p:stCondLst>
                                         </p:cTn>
                                         <p:tgtEl>
-                                          <p:spTgt spid="21"/>
+                                          <p:spTgt spid="22"/>
                                         </p:tgtEl>
                                         <p:attrNameLst>
                                           <p:attrName>style.visibility</p:attrName>
@@ -17300,44 +17422,9 @@
                                     </p:set>
                                     <p:animEffect transition="in" filter="fade">
                                       <p:cBhvr>
-                                        <p:cTn id="42" dur="500"/>
-                                        <p:tgtEl>
-                                          <p:spTgt spid="21"/>
-                                        </p:tgtEl>
-                                      </p:cBhvr>
-                                    </p:animEffect>
-                                  </p:childTnLst>
-                                </p:cTn>
-                              </p:par>
-                              <p:par>
-                                <p:cTn id="43" presetID="22" presetClass="entr" presetSubtype="1" fill="hold" nodeType="withEffect">
-                                  <p:stCondLst>
-                                    <p:cond delay="300"/>
-                                  </p:stCondLst>
-                                  <p:childTnLst>
-                                    <p:set>
-                                      <p:cBhvr>
-                                        <p:cTn id="44" dur="1" fill="hold">
-                                          <p:stCondLst>
-                                            <p:cond delay="0"/>
-                                          </p:stCondLst>
-                                        </p:cTn>
-                                        <p:tgtEl>
-                                          <p:spTgt spid="16"/>
-                                        </p:tgtEl>
-                                        <p:attrNameLst>
-                                          <p:attrName>style.visibility</p:attrName>
-                                        </p:attrNameLst>
-                                      </p:cBhvr>
-                                      <p:to>
-                                        <p:strVal val="visible"/>
-                                      </p:to>
-                                    </p:set>
-                                    <p:animEffect transition="in" filter="wipe(up)">
-                                      <p:cBhvr>
                                         <p:cTn id="45" dur="500"/>
                                         <p:tgtEl>
-                                          <p:spTgt spid="16"/>
+                                          <p:spTgt spid="22"/>
                                         </p:tgtEl>
                                       </p:cBhvr>
                                     </p:animEffect>
@@ -17358,7 +17445,7 @@
                                           </p:stCondLst>
                                         </p:cTn>
                                         <p:tgtEl>
-                                          <p:spTgt spid="22"/>
+                                          <p:spTgt spid="9"/>
                                         </p:tgtEl>
                                         <p:attrNameLst>
                                           <p:attrName>style.visibility</p:attrName>
@@ -17372,7 +17459,7 @@
                                       <p:cBhvr>
                                         <p:cTn id="48" dur="500"/>
                                         <p:tgtEl>
-                                          <p:spTgt spid="22"/>
+                                          <p:spTgt spid="9"/>
                                         </p:tgtEl>
                                       </p:cBhvr>
                                     </p:animEffect>
@@ -17380,14 +17467,49 @@
                                 </p:cTn>
                               </p:par>
                               <p:par>
-                                <p:cTn id="49" presetID="22" presetClass="entr" presetSubtype="1" fill="hold" nodeType="withEffect">
+                                <p:cTn id="49" presetID="10" presetClass="entr" presetSubtype="0" fill="hold" nodeType="withEffect">
+                                  <p:stCondLst>
+                                    <p:cond delay="300"/>
+                                  </p:stCondLst>
+                                  <p:childTnLst>
+                                    <p:set>
+                                      <p:cBhvr>
+                                        <p:cTn id="50" dur="1" fill="hold">
+                                          <p:stCondLst>
+                                            <p:cond delay="0"/>
+                                          </p:stCondLst>
+                                        </p:cTn>
+                                        <p:tgtEl>
+                                          <p:spTgt spid="5"/>
+                                        </p:tgtEl>
+                                        <p:attrNameLst>
+                                          <p:attrName>style.visibility</p:attrName>
+                                        </p:attrNameLst>
+                                      </p:cBhvr>
+                                      <p:to>
+                                        <p:strVal val="visible"/>
+                                      </p:to>
+                                    </p:set>
+                                    <p:animEffect transition="in" filter="fade">
+                                      <p:cBhvr>
+                                        <p:cTn id="51" dur="500"/>
+                                        <p:tgtEl>
+                                          <p:spTgt spid="5"/>
+                                        </p:tgtEl>
+                                      </p:cBhvr>
+                                    </p:animEffect>
+                                  </p:childTnLst>
+                                </p:cTn>
+                              </p:par>
+                              <p:par>
+                                <p:cTn id="52" presetID="22" presetClass="entr" presetSubtype="1" fill="hold" nodeType="withEffect">
                                   <p:stCondLst>
                                     <p:cond delay="400"/>
                                   </p:stCondLst>
                                   <p:childTnLst>
                                     <p:set>
                                       <p:cBhvr>
-                                        <p:cTn id="50" dur="1" fill="hold">
+                                        <p:cTn id="53" dur="1" fill="hold">
                                           <p:stCondLst>
                                             <p:cond delay="0"/>
                                           </p:stCondLst>
@@ -17405,44 +17527,9 @@
                                     </p:set>
                                     <p:animEffect transition="in" filter="wipe(up)">
                                       <p:cBhvr>
-                                        <p:cTn id="51" dur="500"/>
+                                        <p:cTn id="54" dur="500"/>
                                         <p:tgtEl>
                                           <p:spTgt spid="17"/>
-                                        </p:tgtEl>
-                                      </p:cBhvr>
-                                    </p:animEffect>
-                                  </p:childTnLst>
-                                </p:cTn>
-                              </p:par>
-                              <p:par>
-                                <p:cTn id="52" presetID="10" presetClass="entr" presetSubtype="0" fill="hold" nodeType="withEffect">
-                                  <p:stCondLst>
-                                    <p:cond delay="400"/>
-                                  </p:stCondLst>
-                                  <p:childTnLst>
-                                    <p:set>
-                                      <p:cBhvr>
-                                        <p:cTn id="53" dur="1" fill="hold">
-                                          <p:stCondLst>
-                                            <p:cond delay="0"/>
-                                          </p:stCondLst>
-                                        </p:cTn>
-                                        <p:tgtEl>
-                                          <p:spTgt spid="23"/>
-                                        </p:tgtEl>
-                                        <p:attrNameLst>
-                                          <p:attrName>style.visibility</p:attrName>
-                                        </p:attrNameLst>
-                                      </p:cBhvr>
-                                      <p:to>
-                                        <p:strVal val="visible"/>
-                                      </p:to>
-                                    </p:set>
-                                    <p:animEffect transition="in" filter="fade">
-                                      <p:cBhvr>
-                                        <p:cTn id="54" dur="500"/>
-                                        <p:tgtEl>
-                                          <p:spTgt spid="23"/>
                                         </p:tgtEl>
                                       </p:cBhvr>
                                     </p:animEffect>
@@ -17823,7 +17910,7 @@
           <p:cNvPr id="4" name="Fundo">
             <a:extLst>
               <a:ext uri="{FF2B5EF4-FFF2-40B4-BE49-F238E27FC236}">
-                <a16:creationId xmlns:a16="http://schemas.microsoft.com/office/drawing/2014/main" id="{F0BD0E38-1FDC-4648-8983-5103021F8915}"/>
+                <a16:creationId xmlns="" xmlns:a16="http://schemas.microsoft.com/office/drawing/2014/main" id="{F0BD0E38-1FDC-4648-8983-5103021F8915}"/>
               </a:ext>
             </a:extLst>
           </p:cNvPr>
@@ -17889,7 +17976,7 @@
           <p:cNvPr id="23" name="FundoFake">
             <a:extLst>
               <a:ext uri="{FF2B5EF4-FFF2-40B4-BE49-F238E27FC236}">
-                <a16:creationId xmlns:a16="http://schemas.microsoft.com/office/drawing/2014/main" id="{94F517A4-5316-44B1-AAA0-C47003EE0CAE}"/>
+                <a16:creationId xmlns="" xmlns:a16="http://schemas.microsoft.com/office/drawing/2014/main" id="{94F517A4-5316-44B1-AAA0-C47003EE0CAE}"/>
               </a:ext>
             </a:extLst>
           </p:cNvPr>
@@ -18032,7 +18119,7 @@
           <p:cNvPr id="9" name="Titulo">
             <a:extLst>
               <a:ext uri="{FF2B5EF4-FFF2-40B4-BE49-F238E27FC236}">
-                <a16:creationId xmlns:a16="http://schemas.microsoft.com/office/drawing/2014/main" id="{BD184737-ABB9-4647-8A67-64513CA08A16}"/>
+                <a16:creationId xmlns="" xmlns:a16="http://schemas.microsoft.com/office/drawing/2014/main" id="{BD184737-ABB9-4647-8A67-64513CA08A16}"/>
               </a:ext>
             </a:extLst>
           </p:cNvPr>
@@ -18080,7 +18167,7 @@
           <p:cNvPr id="35" name="Logo">
             <a:extLst>
               <a:ext uri="{FF2B5EF4-FFF2-40B4-BE49-F238E27FC236}">
-                <a16:creationId xmlns:a16="http://schemas.microsoft.com/office/drawing/2014/main" id="{D0E1B20F-FABC-49CF-A98C-50B57F77238A}"/>
+                <a16:creationId xmlns="" xmlns:a16="http://schemas.microsoft.com/office/drawing/2014/main" id="{D0E1B20F-FABC-49CF-A98C-50B57F77238A}"/>
               </a:ext>
             </a:extLst>
           </p:cNvPr>
@@ -18123,7 +18210,7 @@
           <p:cNvPr id="11" name="BordaLoja">
             <a:extLst>
               <a:ext uri="{FF2B5EF4-FFF2-40B4-BE49-F238E27FC236}">
-                <a16:creationId xmlns:a16="http://schemas.microsoft.com/office/drawing/2014/main" id="{85F5032A-92B0-42AF-BD1B-B1FAF09DAD2C}"/>
+                <a16:creationId xmlns="" xmlns:a16="http://schemas.microsoft.com/office/drawing/2014/main" id="{85F5032A-92B0-42AF-BD1B-B1FAF09DAD2C}"/>
               </a:ext>
             </a:extLst>
           </p:cNvPr>
@@ -18182,7 +18269,7 @@
           <p:cNvPr id="24" name="BordaFunc">
             <a:extLst>
               <a:ext uri="{FF2B5EF4-FFF2-40B4-BE49-F238E27FC236}">
-                <a16:creationId xmlns:a16="http://schemas.microsoft.com/office/drawing/2014/main" id="{E55F6D36-4E72-4298-9E9E-C94B11182161}"/>
+                <a16:creationId xmlns="" xmlns:a16="http://schemas.microsoft.com/office/drawing/2014/main" id="{E55F6D36-4E72-4298-9E9E-C94B11182161}"/>
               </a:ext>
             </a:extLst>
           </p:cNvPr>
@@ -18241,7 +18328,7 @@
           <p:cNvPr id="32" name="BordaDoc">
             <a:extLst>
               <a:ext uri="{FF2B5EF4-FFF2-40B4-BE49-F238E27FC236}">
-                <a16:creationId xmlns:a16="http://schemas.microsoft.com/office/drawing/2014/main" id="{71BA4579-42B5-4FBD-86F5-694B216190FD}"/>
+                <a16:creationId xmlns="" xmlns:a16="http://schemas.microsoft.com/office/drawing/2014/main" id="{71BA4579-42B5-4FBD-86F5-694B216190FD}"/>
               </a:ext>
             </a:extLst>
           </p:cNvPr>
@@ -18300,7 +18387,7 @@
           <p:cNvPr id="33" name="BordaQueda">
             <a:extLst>
               <a:ext uri="{FF2B5EF4-FFF2-40B4-BE49-F238E27FC236}">
-                <a16:creationId xmlns:a16="http://schemas.microsoft.com/office/drawing/2014/main" id="{CD1CFBD1-3102-45B1-BEAD-03F792694516}"/>
+                <a16:creationId xmlns="" xmlns:a16="http://schemas.microsoft.com/office/drawing/2014/main" id="{CD1CFBD1-3102-45B1-BEAD-03F792694516}"/>
               </a:ext>
             </a:extLst>
           </p:cNvPr>
@@ -18359,7 +18446,7 @@
           <p:cNvPr id="39" name="Doc">
             <a:extLst>
               <a:ext uri="{FF2B5EF4-FFF2-40B4-BE49-F238E27FC236}">
-                <a16:creationId xmlns:a16="http://schemas.microsoft.com/office/drawing/2014/main" id="{7EC5279E-F585-44E2-A6D6-75F7D190EC73}"/>
+                <a16:creationId xmlns="" xmlns:a16="http://schemas.microsoft.com/office/drawing/2014/main" id="{7EC5279E-F585-44E2-A6D6-75F7D190EC73}"/>
               </a:ext>
             </a:extLst>
           </p:cNvPr>
@@ -18403,7 +18490,7 @@
           <p:cNvPr id="41" name="Loja">
             <a:extLst>
               <a:ext uri="{FF2B5EF4-FFF2-40B4-BE49-F238E27FC236}">
-                <a16:creationId xmlns:a16="http://schemas.microsoft.com/office/drawing/2014/main" id="{779A1C19-088B-4F95-8FBA-EC1110EF7EB2}"/>
+                <a16:creationId xmlns="" xmlns:a16="http://schemas.microsoft.com/office/drawing/2014/main" id="{779A1C19-088B-4F95-8FBA-EC1110EF7EB2}"/>
               </a:ext>
             </a:extLst>
           </p:cNvPr>
@@ -18447,7 +18534,7 @@
           <p:cNvPr id="43" name="Func">
             <a:extLst>
               <a:ext uri="{FF2B5EF4-FFF2-40B4-BE49-F238E27FC236}">
-                <a16:creationId xmlns:a16="http://schemas.microsoft.com/office/drawing/2014/main" id="{2E235AEA-71E0-4F85-B607-2D93F23621C4}"/>
+                <a16:creationId xmlns="" xmlns:a16="http://schemas.microsoft.com/office/drawing/2014/main" id="{2E235AEA-71E0-4F85-B607-2D93F23621C4}"/>
               </a:ext>
             </a:extLst>
           </p:cNvPr>
@@ -18491,7 +18578,7 @@
           <p:cNvPr id="45" name="Queda">
             <a:extLst>
               <a:ext uri="{FF2B5EF4-FFF2-40B4-BE49-F238E27FC236}">
-                <a16:creationId xmlns:a16="http://schemas.microsoft.com/office/drawing/2014/main" id="{CAE61533-9980-405E-9456-ED373C4DB32F}"/>
+                <a16:creationId xmlns="" xmlns:a16="http://schemas.microsoft.com/office/drawing/2014/main" id="{CAE61533-9980-405E-9456-ED373C4DB32F}"/>
               </a:ext>
             </a:extLst>
           </p:cNvPr>
@@ -18535,7 +18622,7 @@
           <p:cNvPr id="46" name="TxtLoja">
             <a:extLst>
               <a:ext uri="{FF2B5EF4-FFF2-40B4-BE49-F238E27FC236}">
-                <a16:creationId xmlns:a16="http://schemas.microsoft.com/office/drawing/2014/main" id="{FC2DE09E-3B91-404E-B954-4DD705A4B5BC}"/>
+                <a16:creationId xmlns="" xmlns:a16="http://schemas.microsoft.com/office/drawing/2014/main" id="{FC2DE09E-3B91-404E-B954-4DD705A4B5BC}"/>
               </a:ext>
             </a:extLst>
           </p:cNvPr>
@@ -18589,7 +18676,7 @@
           <p:cNvPr id="47" name="TxtDoc">
             <a:extLst>
               <a:ext uri="{FF2B5EF4-FFF2-40B4-BE49-F238E27FC236}">
-                <a16:creationId xmlns:a16="http://schemas.microsoft.com/office/drawing/2014/main" id="{E7B8A75F-FE97-423E-AB92-E3AE78BABBB2}"/>
+                <a16:creationId xmlns="" xmlns:a16="http://schemas.microsoft.com/office/drawing/2014/main" id="{E7B8A75F-FE97-423E-AB92-E3AE78BABBB2}"/>
               </a:ext>
             </a:extLst>
           </p:cNvPr>
@@ -18643,7 +18730,7 @@
           <p:cNvPr id="48" name="TxtFunc">
             <a:extLst>
               <a:ext uri="{FF2B5EF4-FFF2-40B4-BE49-F238E27FC236}">
-                <a16:creationId xmlns:a16="http://schemas.microsoft.com/office/drawing/2014/main" id="{3359F1C7-3466-4D4A-99B3-0DAF09AF731B}"/>
+                <a16:creationId xmlns="" xmlns:a16="http://schemas.microsoft.com/office/drawing/2014/main" id="{3359F1C7-3466-4D4A-99B3-0DAF09AF731B}"/>
               </a:ext>
             </a:extLst>
           </p:cNvPr>
@@ -18698,7 +18785,7 @@
           <p:cNvPr id="49" name="TxtQueda">
             <a:extLst>
               <a:ext uri="{FF2B5EF4-FFF2-40B4-BE49-F238E27FC236}">
-                <a16:creationId xmlns:a16="http://schemas.microsoft.com/office/drawing/2014/main" id="{3691B9B2-D6B6-4F27-9B8E-436FF673DA2E}"/>
+                <a16:creationId xmlns="" xmlns:a16="http://schemas.microsoft.com/office/drawing/2014/main" id="{3691B9B2-D6B6-4F27-9B8E-436FF673DA2E}"/>
               </a:ext>
             </a:extLst>
           </p:cNvPr>
@@ -18752,7 +18839,7 @@
           <p:cNvPr id="50" name="SeloLoja">
             <a:extLst>
               <a:ext uri="{FF2B5EF4-FFF2-40B4-BE49-F238E27FC236}">
-                <a16:creationId xmlns:a16="http://schemas.microsoft.com/office/drawing/2014/main" id="{8CD4B84B-5CC3-44E6-96E2-C5A6B0702327}"/>
+                <a16:creationId xmlns="" xmlns:a16="http://schemas.microsoft.com/office/drawing/2014/main" id="{8CD4B84B-5CC3-44E6-96E2-C5A6B0702327}"/>
               </a:ext>
             </a:extLst>
           </p:cNvPr>
@@ -18808,7 +18895,7 @@
           <p:cNvPr id="51" name="SeloFunc">
             <a:extLst>
               <a:ext uri="{FF2B5EF4-FFF2-40B4-BE49-F238E27FC236}">
-                <a16:creationId xmlns:a16="http://schemas.microsoft.com/office/drawing/2014/main" id="{F9A305BD-4333-4F32-B192-EEA793F325EE}"/>
+                <a16:creationId xmlns="" xmlns:a16="http://schemas.microsoft.com/office/drawing/2014/main" id="{F9A305BD-4333-4F32-B192-EEA793F325EE}"/>
               </a:ext>
             </a:extLst>
           </p:cNvPr>
@@ -18864,7 +18951,7 @@
           <p:cNvPr id="52" name="SeloDoc">
             <a:extLst>
               <a:ext uri="{FF2B5EF4-FFF2-40B4-BE49-F238E27FC236}">
-                <a16:creationId xmlns:a16="http://schemas.microsoft.com/office/drawing/2014/main" id="{05595C4A-4E56-4794-859D-7A7A4C43C8F7}"/>
+                <a16:creationId xmlns="" xmlns:a16="http://schemas.microsoft.com/office/drawing/2014/main" id="{05595C4A-4E56-4794-859D-7A7A4C43C8F7}"/>
               </a:ext>
             </a:extLst>
           </p:cNvPr>
@@ -18920,7 +19007,7 @@
           <p:cNvPr id="53" name="SeloQueda">
             <a:extLst>
               <a:ext uri="{FF2B5EF4-FFF2-40B4-BE49-F238E27FC236}">
-                <a16:creationId xmlns:a16="http://schemas.microsoft.com/office/drawing/2014/main" id="{37E82896-A438-440B-BB2B-2EBF4203D7BC}"/>
+                <a16:creationId xmlns="" xmlns:a16="http://schemas.microsoft.com/office/drawing/2014/main" id="{37E82896-A438-440B-BB2B-2EBF4203D7BC}"/>
               </a:ext>
             </a:extLst>
           </p:cNvPr>
@@ -18976,7 +19063,7 @@
           <p:cNvPr id="54" name="Inicial">
             <a:extLst>
               <a:ext uri="{FF2B5EF4-FFF2-40B4-BE49-F238E27FC236}">
-                <a16:creationId xmlns:a16="http://schemas.microsoft.com/office/drawing/2014/main" id="{E98BC77C-22C2-414A-9DB6-0D0DA9D0EF46}"/>
+                <a16:creationId xmlns="" xmlns:a16="http://schemas.microsoft.com/office/drawing/2014/main" id="{E98BC77C-22C2-414A-9DB6-0D0DA9D0EF46}"/>
               </a:ext>
             </a:extLst>
           </p:cNvPr>
@@ -19030,7 +19117,7 @@
           <p:cNvPr id="72" name="BordaOnline">
             <a:extLst>
               <a:ext uri="{FF2B5EF4-FFF2-40B4-BE49-F238E27FC236}">
-                <a16:creationId xmlns:a16="http://schemas.microsoft.com/office/drawing/2014/main" id="{E274F8D1-4870-4B03-BC8F-904CECA5801C}"/>
+                <a16:creationId xmlns="" xmlns:a16="http://schemas.microsoft.com/office/drawing/2014/main" id="{E274F8D1-4870-4B03-BC8F-904CECA5801C}"/>
               </a:ext>
             </a:extLst>
           </p:cNvPr>
@@ -19089,7 +19176,7 @@
           <p:cNvPr id="73" name="BordaCabo">
             <a:extLst>
               <a:ext uri="{FF2B5EF4-FFF2-40B4-BE49-F238E27FC236}">
-                <a16:creationId xmlns:a16="http://schemas.microsoft.com/office/drawing/2014/main" id="{6AE492FF-4717-4350-B8D4-4FAE39DAA40E}"/>
+                <a16:creationId xmlns="" xmlns:a16="http://schemas.microsoft.com/office/drawing/2014/main" id="{6AE492FF-4717-4350-B8D4-4FAE39DAA40E}"/>
               </a:ext>
             </a:extLst>
           </p:cNvPr>
@@ -19148,7 +19235,7 @@
           <p:cNvPr id="74" name="BordaEscudo">
             <a:extLst>
               <a:ext uri="{FF2B5EF4-FFF2-40B4-BE49-F238E27FC236}">
-                <a16:creationId xmlns:a16="http://schemas.microsoft.com/office/drawing/2014/main" id="{3FCE1AA2-76A1-4EB4-AE1B-D984FA671350}"/>
+                <a16:creationId xmlns="" xmlns:a16="http://schemas.microsoft.com/office/drawing/2014/main" id="{3FCE1AA2-76A1-4EB4-AE1B-D984FA671350}"/>
               </a:ext>
             </a:extLst>
           </p:cNvPr>
@@ -19207,7 +19294,7 @@
           <p:cNvPr id="75" name="BordaMegafone">
             <a:extLst>
               <a:ext uri="{FF2B5EF4-FFF2-40B4-BE49-F238E27FC236}">
-                <a16:creationId xmlns:a16="http://schemas.microsoft.com/office/drawing/2014/main" id="{2F613B8C-0933-4CB9-B4DC-485623AD966A}"/>
+                <a16:creationId xmlns="" xmlns:a16="http://schemas.microsoft.com/office/drawing/2014/main" id="{2F613B8C-0933-4CB9-B4DC-485623AD966A}"/>
               </a:ext>
             </a:extLst>
           </p:cNvPr>
@@ -19266,7 +19353,7 @@
           <p:cNvPr id="80" name="TxtOnline">
             <a:extLst>
               <a:ext uri="{FF2B5EF4-FFF2-40B4-BE49-F238E27FC236}">
-                <a16:creationId xmlns:a16="http://schemas.microsoft.com/office/drawing/2014/main" id="{312EA49F-A980-4F2E-ACC2-FB5A49B7C2DF}"/>
+                <a16:creationId xmlns="" xmlns:a16="http://schemas.microsoft.com/office/drawing/2014/main" id="{312EA49F-A980-4F2E-ACC2-FB5A49B7C2DF}"/>
               </a:ext>
             </a:extLst>
           </p:cNvPr>
@@ -19320,7 +19407,7 @@
           <p:cNvPr id="81" name="TxtEscudo">
             <a:extLst>
               <a:ext uri="{FF2B5EF4-FFF2-40B4-BE49-F238E27FC236}">
-                <a16:creationId xmlns:a16="http://schemas.microsoft.com/office/drawing/2014/main" id="{4F563620-54E1-4005-9DF6-996BDEECF1B4}"/>
+                <a16:creationId xmlns="" xmlns:a16="http://schemas.microsoft.com/office/drawing/2014/main" id="{4F563620-54E1-4005-9DF6-996BDEECF1B4}"/>
               </a:ext>
             </a:extLst>
           </p:cNvPr>
@@ -19374,7 +19461,7 @@
           <p:cNvPr id="82" name="TxtCabo">
             <a:extLst>
               <a:ext uri="{FF2B5EF4-FFF2-40B4-BE49-F238E27FC236}">
-                <a16:creationId xmlns:a16="http://schemas.microsoft.com/office/drawing/2014/main" id="{B17E0F02-C844-4C0E-AD3A-10B7017C9750}"/>
+                <a16:creationId xmlns="" xmlns:a16="http://schemas.microsoft.com/office/drawing/2014/main" id="{B17E0F02-C844-4C0E-AD3A-10B7017C9750}"/>
               </a:ext>
             </a:extLst>
           </p:cNvPr>
@@ -19429,7 +19516,7 @@
           <p:cNvPr id="83" name="TxtMegafone">
             <a:extLst>
               <a:ext uri="{FF2B5EF4-FFF2-40B4-BE49-F238E27FC236}">
-                <a16:creationId xmlns:a16="http://schemas.microsoft.com/office/drawing/2014/main" id="{51EABF27-7A39-47CA-99A7-01DC7C34B927}"/>
+                <a16:creationId xmlns="" xmlns:a16="http://schemas.microsoft.com/office/drawing/2014/main" id="{51EABF27-7A39-47CA-99A7-01DC7C34B927}"/>
               </a:ext>
             </a:extLst>
           </p:cNvPr>
@@ -19483,7 +19570,7 @@
           <p:cNvPr id="84" name="SeloOnline">
             <a:extLst>
               <a:ext uri="{FF2B5EF4-FFF2-40B4-BE49-F238E27FC236}">
-                <a16:creationId xmlns:a16="http://schemas.microsoft.com/office/drawing/2014/main" id="{04AB0B9A-D23A-4C98-A0D8-210E5462FB3A}"/>
+                <a16:creationId xmlns="" xmlns:a16="http://schemas.microsoft.com/office/drawing/2014/main" id="{04AB0B9A-D23A-4C98-A0D8-210E5462FB3A}"/>
               </a:ext>
             </a:extLst>
           </p:cNvPr>
@@ -19539,7 +19626,7 @@
           <p:cNvPr id="85" name="SeloCabo">
             <a:extLst>
               <a:ext uri="{FF2B5EF4-FFF2-40B4-BE49-F238E27FC236}">
-                <a16:creationId xmlns:a16="http://schemas.microsoft.com/office/drawing/2014/main" id="{9069CC59-152E-4398-8021-D083DB12646F}"/>
+                <a16:creationId xmlns="" xmlns:a16="http://schemas.microsoft.com/office/drawing/2014/main" id="{9069CC59-152E-4398-8021-D083DB12646F}"/>
               </a:ext>
             </a:extLst>
           </p:cNvPr>
@@ -19595,7 +19682,7 @@
           <p:cNvPr id="86" name="SeloEscudo">
             <a:extLst>
               <a:ext uri="{FF2B5EF4-FFF2-40B4-BE49-F238E27FC236}">
-                <a16:creationId xmlns:a16="http://schemas.microsoft.com/office/drawing/2014/main" id="{218A1837-A8B6-4FB3-9325-FCE9B1D1AD84}"/>
+                <a16:creationId xmlns="" xmlns:a16="http://schemas.microsoft.com/office/drawing/2014/main" id="{218A1837-A8B6-4FB3-9325-FCE9B1D1AD84}"/>
               </a:ext>
             </a:extLst>
           </p:cNvPr>
@@ -19651,7 +19738,7 @@
           <p:cNvPr id="87" name="SeloMegafone">
             <a:extLst>
               <a:ext uri="{FF2B5EF4-FFF2-40B4-BE49-F238E27FC236}">
-                <a16:creationId xmlns:a16="http://schemas.microsoft.com/office/drawing/2014/main" id="{0D5FDA4A-860D-4372-9B19-A9EF147EC870}"/>
+                <a16:creationId xmlns="" xmlns:a16="http://schemas.microsoft.com/office/drawing/2014/main" id="{0D5FDA4A-860D-4372-9B19-A9EF147EC870}"/>
               </a:ext>
             </a:extLst>
           </p:cNvPr>
@@ -19707,7 +19794,7 @@
           <p:cNvPr id="89" name="LojaOnline">
             <a:extLst>
               <a:ext uri="{FF2B5EF4-FFF2-40B4-BE49-F238E27FC236}">
-                <a16:creationId xmlns:a16="http://schemas.microsoft.com/office/drawing/2014/main" id="{1E1A998E-92DC-41FB-841E-B13AA2A22C84}"/>
+                <a16:creationId xmlns="" xmlns:a16="http://schemas.microsoft.com/office/drawing/2014/main" id="{1E1A998E-92DC-41FB-841E-B13AA2A22C84}"/>
               </a:ext>
             </a:extLst>
           </p:cNvPr>
@@ -19751,7 +19838,7 @@
           <p:cNvPr id="91" name="Escudo">
             <a:extLst>
               <a:ext uri="{FF2B5EF4-FFF2-40B4-BE49-F238E27FC236}">
-                <a16:creationId xmlns:a16="http://schemas.microsoft.com/office/drawing/2014/main" id="{EEC0B05C-71EA-4BF7-8E62-7D8295EDA9CA}"/>
+                <a16:creationId xmlns="" xmlns:a16="http://schemas.microsoft.com/office/drawing/2014/main" id="{EEC0B05C-71EA-4BF7-8E62-7D8295EDA9CA}"/>
               </a:ext>
             </a:extLst>
           </p:cNvPr>
@@ -19795,7 +19882,7 @@
           <p:cNvPr id="93" name="CaboDeRede">
             <a:extLst>
               <a:ext uri="{FF2B5EF4-FFF2-40B4-BE49-F238E27FC236}">
-                <a16:creationId xmlns:a16="http://schemas.microsoft.com/office/drawing/2014/main" id="{97B726FE-CA77-4FFA-8514-AA996258B9A1}"/>
+                <a16:creationId xmlns="" xmlns:a16="http://schemas.microsoft.com/office/drawing/2014/main" id="{97B726FE-CA77-4FFA-8514-AA996258B9A1}"/>
               </a:ext>
             </a:extLst>
           </p:cNvPr>
@@ -19839,7 +19926,7 @@
           <p:cNvPr id="95" name="Megafone">
             <a:extLst>
               <a:ext uri="{FF2B5EF4-FFF2-40B4-BE49-F238E27FC236}">
-                <a16:creationId xmlns:a16="http://schemas.microsoft.com/office/drawing/2014/main" id="{ABF8C3F2-116D-4DDD-8B7D-6A5695427CBE}"/>
+                <a16:creationId xmlns="" xmlns:a16="http://schemas.microsoft.com/office/drawing/2014/main" id="{ABF8C3F2-116D-4DDD-8B7D-6A5695427CBE}"/>
               </a:ext>
             </a:extLst>
           </p:cNvPr>
@@ -19883,7 +19970,7 @@
           <p:cNvPr id="96" name="Nosso Objetivo">
             <a:extLst>
               <a:ext uri="{FF2B5EF4-FFF2-40B4-BE49-F238E27FC236}">
-                <a16:creationId xmlns:a16="http://schemas.microsoft.com/office/drawing/2014/main" id="{43466B70-AB94-4990-9456-FCDD33808198}"/>
+                <a16:creationId xmlns="" xmlns:a16="http://schemas.microsoft.com/office/drawing/2014/main" id="{43466B70-AB94-4990-9456-FCDD33808198}"/>
               </a:ext>
             </a:extLst>
           </p:cNvPr>
@@ -21484,7 +21571,7 @@
           <p:cNvPr id="4" name="Fundo">
             <a:extLst>
               <a:ext uri="{FF2B5EF4-FFF2-40B4-BE49-F238E27FC236}">
-                <a16:creationId xmlns:a16="http://schemas.microsoft.com/office/drawing/2014/main" id="{520E2F2A-5C87-47C5-9CB7-A79FDF8822A8}"/>
+                <a16:creationId xmlns="" xmlns:a16="http://schemas.microsoft.com/office/drawing/2014/main" id="{520E2F2A-5C87-47C5-9CB7-A79FDF8822A8}"/>
               </a:ext>
             </a:extLst>
           </p:cNvPr>
@@ -21547,7 +21634,7 @@
           <p:cNvPr id="5" name="VidroVerde">
             <a:extLst>
               <a:ext uri="{FF2B5EF4-FFF2-40B4-BE49-F238E27FC236}">
-                <a16:creationId xmlns:a16="http://schemas.microsoft.com/office/drawing/2014/main" id="{1E13A96B-DB1A-4825-8FDE-0F237B8FB0D5}"/>
+                <a16:creationId xmlns="" xmlns:a16="http://schemas.microsoft.com/office/drawing/2014/main" id="{1E13A96B-DB1A-4825-8FDE-0F237B8FB0D5}"/>
               </a:ext>
             </a:extLst>
           </p:cNvPr>
@@ -21607,7 +21694,7 @@
           <p:cNvPr id="6" name="FundoFake">
             <a:extLst>
               <a:ext uri="{FF2B5EF4-FFF2-40B4-BE49-F238E27FC236}">
-                <a16:creationId xmlns:a16="http://schemas.microsoft.com/office/drawing/2014/main" id="{D8DBF1C3-32C4-4E9F-A941-D1951D095AEE}"/>
+                <a16:creationId xmlns="" xmlns:a16="http://schemas.microsoft.com/office/drawing/2014/main" id="{D8DBF1C3-32C4-4E9F-A941-D1951D095AEE}"/>
               </a:ext>
             </a:extLst>
           </p:cNvPr>
@@ -21776,7 +21863,7 @@
           <p:cNvPr id="7" name="Titulo">
             <a:extLst>
               <a:ext uri="{FF2B5EF4-FFF2-40B4-BE49-F238E27FC236}">
-                <a16:creationId xmlns:a16="http://schemas.microsoft.com/office/drawing/2014/main" id="{0470234C-E385-4C8D-899D-5895808E6AB1}"/>
+                <a16:creationId xmlns="" xmlns:a16="http://schemas.microsoft.com/office/drawing/2014/main" id="{0470234C-E385-4C8D-899D-5895808E6AB1}"/>
               </a:ext>
             </a:extLst>
           </p:cNvPr>
@@ -21817,7 +21904,7 @@
           <p:cNvPr id="8" name="TriG">
             <a:extLst>
               <a:ext uri="{FF2B5EF4-FFF2-40B4-BE49-F238E27FC236}">
-                <a16:creationId xmlns:a16="http://schemas.microsoft.com/office/drawing/2014/main" id="{454A50A0-C073-4BCE-B0D2-4AC0B468F550}"/>
+                <a16:creationId xmlns="" xmlns:a16="http://schemas.microsoft.com/office/drawing/2014/main" id="{454A50A0-C073-4BCE-B0D2-4AC0B468F550}"/>
               </a:ext>
             </a:extLst>
           </p:cNvPr>
@@ -21875,7 +21962,7 @@
           <p:cNvPr id="9" name="TriPB">
             <a:extLst>
               <a:ext uri="{FF2B5EF4-FFF2-40B4-BE49-F238E27FC236}">
-                <a16:creationId xmlns:a16="http://schemas.microsoft.com/office/drawing/2014/main" id="{BFBAE72D-F572-44F0-BE58-13F53571A8AA}"/>
+                <a16:creationId xmlns="" xmlns:a16="http://schemas.microsoft.com/office/drawing/2014/main" id="{BFBAE72D-F572-44F0-BE58-13F53571A8AA}"/>
               </a:ext>
             </a:extLst>
           </p:cNvPr>
@@ -21933,7 +22020,7 @@
           <p:cNvPr id="10" name="TriPU">
             <a:extLst>
               <a:ext uri="{FF2B5EF4-FFF2-40B4-BE49-F238E27FC236}">
-                <a16:creationId xmlns:a16="http://schemas.microsoft.com/office/drawing/2014/main" id="{5892320B-0624-4D93-9B77-25D8E834C7F7}"/>
+                <a16:creationId xmlns="" xmlns:a16="http://schemas.microsoft.com/office/drawing/2014/main" id="{5892320B-0624-4D93-9B77-25D8E834C7F7}"/>
               </a:ext>
             </a:extLst>
           </p:cNvPr>
@@ -21991,7 +22078,7 @@
           <p:cNvPr id="11" name="TriPR">
             <a:extLst>
               <a:ext uri="{FF2B5EF4-FFF2-40B4-BE49-F238E27FC236}">
-                <a16:creationId xmlns:a16="http://schemas.microsoft.com/office/drawing/2014/main" id="{16FEC564-2964-450C-AAB1-C2B2DD3BDA58}"/>
+                <a16:creationId xmlns="" xmlns:a16="http://schemas.microsoft.com/office/drawing/2014/main" id="{16FEC564-2964-450C-AAB1-C2B2DD3BDA58}"/>
               </a:ext>
             </a:extLst>
           </p:cNvPr>
@@ -22564,7 +22651,7 @@
           <p:cNvPr id="4" name="Fundo">
             <a:extLst>
               <a:ext uri="{FF2B5EF4-FFF2-40B4-BE49-F238E27FC236}">
-                <a16:creationId xmlns:a16="http://schemas.microsoft.com/office/drawing/2014/main" id="{9C13411A-FEFC-4C5E-A56A-D7682DB2B28D}"/>
+                <a16:creationId xmlns="" xmlns:a16="http://schemas.microsoft.com/office/drawing/2014/main" id="{9C13411A-FEFC-4C5E-A56A-D7682DB2B28D}"/>
               </a:ext>
             </a:extLst>
           </p:cNvPr>
@@ -22627,7 +22714,7 @@
           <p:cNvPr id="5" name="VidroVerde">
             <a:extLst>
               <a:ext uri="{FF2B5EF4-FFF2-40B4-BE49-F238E27FC236}">
-                <a16:creationId xmlns:a16="http://schemas.microsoft.com/office/drawing/2014/main" id="{691986C3-6618-4EA2-B887-9273FD81E32A}"/>
+                <a16:creationId xmlns="" xmlns:a16="http://schemas.microsoft.com/office/drawing/2014/main" id="{691986C3-6618-4EA2-B887-9273FD81E32A}"/>
               </a:ext>
             </a:extLst>
           </p:cNvPr>
@@ -22687,7 +22774,7 @@
           <p:cNvPr id="6" name="FundoFake">
             <a:extLst>
               <a:ext uri="{FF2B5EF4-FFF2-40B4-BE49-F238E27FC236}">
-                <a16:creationId xmlns:a16="http://schemas.microsoft.com/office/drawing/2014/main" id="{79FB3473-7731-4C1C-8406-DE49901B055F}"/>
+                <a16:creationId xmlns="" xmlns:a16="http://schemas.microsoft.com/office/drawing/2014/main" id="{79FB3473-7731-4C1C-8406-DE49901B055F}"/>
               </a:ext>
             </a:extLst>
           </p:cNvPr>
@@ -22856,7 +22943,7 @@
           <p:cNvPr id="7" name="Titulo">
             <a:extLst>
               <a:ext uri="{FF2B5EF4-FFF2-40B4-BE49-F238E27FC236}">
-                <a16:creationId xmlns:a16="http://schemas.microsoft.com/office/drawing/2014/main" id="{780A33C9-9E11-48BD-927D-5C9D36AA8D29}"/>
+                <a16:creationId xmlns="" xmlns:a16="http://schemas.microsoft.com/office/drawing/2014/main" id="{780A33C9-9E11-48BD-927D-5C9D36AA8D29}"/>
               </a:ext>
             </a:extLst>
           </p:cNvPr>
@@ -22910,7 +22997,7 @@
           <p:cNvPr id="8" name="TriG">
             <a:extLst>
               <a:ext uri="{FF2B5EF4-FFF2-40B4-BE49-F238E27FC236}">
-                <a16:creationId xmlns:a16="http://schemas.microsoft.com/office/drawing/2014/main" id="{AADACAF1-9E30-4F20-B688-7A7EADEF0082}"/>
+                <a16:creationId xmlns="" xmlns:a16="http://schemas.microsoft.com/office/drawing/2014/main" id="{AADACAF1-9E30-4F20-B688-7A7EADEF0082}"/>
               </a:ext>
             </a:extLst>
           </p:cNvPr>
@@ -22975,7 +23062,7 @@
           <p:cNvPr id="9" name="TriPB">
             <a:extLst>
               <a:ext uri="{FF2B5EF4-FFF2-40B4-BE49-F238E27FC236}">
-                <a16:creationId xmlns:a16="http://schemas.microsoft.com/office/drawing/2014/main" id="{941072CF-8850-4E71-A699-7672CB064464}"/>
+                <a16:creationId xmlns="" xmlns:a16="http://schemas.microsoft.com/office/drawing/2014/main" id="{941072CF-8850-4E71-A699-7672CB064464}"/>
               </a:ext>
             </a:extLst>
           </p:cNvPr>
@@ -23040,7 +23127,7 @@
           <p:cNvPr id="10" name="TriPU">
             <a:extLst>
               <a:ext uri="{FF2B5EF4-FFF2-40B4-BE49-F238E27FC236}">
-                <a16:creationId xmlns:a16="http://schemas.microsoft.com/office/drawing/2014/main" id="{55EFC346-139F-4873-8C2B-0F212376D4E6}"/>
+                <a16:creationId xmlns="" xmlns:a16="http://schemas.microsoft.com/office/drawing/2014/main" id="{55EFC346-139F-4873-8C2B-0F212376D4E6}"/>
               </a:ext>
             </a:extLst>
           </p:cNvPr>
@@ -23105,7 +23192,7 @@
           <p:cNvPr id="11" name="TriPR">
             <a:extLst>
               <a:ext uri="{FF2B5EF4-FFF2-40B4-BE49-F238E27FC236}">
-                <a16:creationId xmlns:a16="http://schemas.microsoft.com/office/drawing/2014/main" id="{DDB3FFB3-7219-4FF1-BCF5-733AB0CE833E}"/>
+                <a16:creationId xmlns="" xmlns:a16="http://schemas.microsoft.com/office/drawing/2014/main" id="{DDB3FFB3-7219-4FF1-BCF5-733AB0CE833E}"/>
               </a:ext>
             </a:extLst>
           </p:cNvPr>
@@ -23170,7 +23257,7 @@
           <p:cNvPr id="15" name="Imagem 14" descr="Uma imagem contendo texto&#10;&#10;Descrição gerada com muito alta confiança">
             <a:extLst>
               <a:ext uri="{FF2B5EF4-FFF2-40B4-BE49-F238E27FC236}">
-                <a16:creationId xmlns:a16="http://schemas.microsoft.com/office/drawing/2014/main" id="{BD8D3700-6109-4CF3-8C67-F1BACDB2240F}"/>
+                <a16:creationId xmlns="" xmlns:a16="http://schemas.microsoft.com/office/drawing/2014/main" id="{BD8D3700-6109-4CF3-8C67-F1BACDB2240F}"/>
               </a:ext>
             </a:extLst>
           </p:cNvPr>
@@ -23213,7 +23300,7 @@
           <p:cNvPr id="12" name="Listra Diagonal 11">
             <a:extLst>
               <a:ext uri="{FF2B5EF4-FFF2-40B4-BE49-F238E27FC236}">
-                <a16:creationId xmlns:a16="http://schemas.microsoft.com/office/drawing/2014/main" id="{2A69CFE5-462D-4963-9989-B50C90D3BFD2}"/>
+                <a16:creationId xmlns="" xmlns:a16="http://schemas.microsoft.com/office/drawing/2014/main" id="{2A69CFE5-462D-4963-9989-B50C90D3BFD2}"/>
               </a:ext>
             </a:extLst>
           </p:cNvPr>
